--- a/Lesson-6/Presentation2.pptx
+++ b/Lesson-6/Presentation2.pptx
@@ -5,39 +5,32 @@
     <p:sldMasterId id="2147483648" r:id="rId1"/>
   </p:sldMasterIdLst>
   <p:notesMasterIdLst>
-    <p:notesMasterId r:id="rId32"/>
+    <p:notesMasterId r:id="rId25"/>
   </p:notesMasterIdLst>
   <p:sldIdLst>
     <p:sldId id="258" r:id="rId2"/>
-    <p:sldId id="259" r:id="rId3"/>
-    <p:sldId id="260" r:id="rId4"/>
-    <p:sldId id="261" r:id="rId5"/>
-    <p:sldId id="262" r:id="rId6"/>
-    <p:sldId id="263" r:id="rId7"/>
-    <p:sldId id="264" r:id="rId8"/>
-    <p:sldId id="265" r:id="rId9"/>
-    <p:sldId id="266" r:id="rId10"/>
-    <p:sldId id="267" r:id="rId11"/>
-    <p:sldId id="268" r:id="rId12"/>
-    <p:sldId id="269" r:id="rId13"/>
-    <p:sldId id="270" r:id="rId14"/>
-    <p:sldId id="271" r:id="rId15"/>
-    <p:sldId id="272" r:id="rId16"/>
-    <p:sldId id="273" r:id="rId17"/>
-    <p:sldId id="274" r:id="rId18"/>
-    <p:sldId id="275" r:id="rId19"/>
-    <p:sldId id="276" r:id="rId20"/>
-    <p:sldId id="277" r:id="rId21"/>
-    <p:sldId id="278" r:id="rId22"/>
-    <p:sldId id="279" r:id="rId23"/>
-    <p:sldId id="280" r:id="rId24"/>
-    <p:sldId id="281" r:id="rId25"/>
-    <p:sldId id="282" r:id="rId26"/>
-    <p:sldId id="283" r:id="rId27"/>
-    <p:sldId id="284" r:id="rId28"/>
-    <p:sldId id="285" r:id="rId29"/>
-    <p:sldId id="286" r:id="rId30"/>
-    <p:sldId id="287" r:id="rId31"/>
+    <p:sldId id="275" r:id="rId3"/>
+    <p:sldId id="276" r:id="rId4"/>
+    <p:sldId id="277" r:id="rId5"/>
+    <p:sldId id="278" r:id="rId6"/>
+    <p:sldId id="279" r:id="rId7"/>
+    <p:sldId id="280" r:id="rId8"/>
+    <p:sldId id="281" r:id="rId9"/>
+    <p:sldId id="282" r:id="rId10"/>
+    <p:sldId id="283" r:id="rId11"/>
+    <p:sldId id="284" r:id="rId12"/>
+    <p:sldId id="285" r:id="rId13"/>
+    <p:sldId id="286" r:id="rId14"/>
+    <p:sldId id="287" r:id="rId15"/>
+    <p:sldId id="288" r:id="rId16"/>
+    <p:sldId id="289" r:id="rId17"/>
+    <p:sldId id="290" r:id="rId18"/>
+    <p:sldId id="291" r:id="rId19"/>
+    <p:sldId id="292" r:id="rId20"/>
+    <p:sldId id="293" r:id="rId21"/>
+    <p:sldId id="294" r:id="rId22"/>
+    <p:sldId id="295" r:id="rId23"/>
+    <p:sldId id="296" r:id="rId24"/>
   </p:sldIdLst>
   <p:sldSz cx="12192000" cy="6858000"/>
   <p:notesSz cx="6858000" cy="9144000"/>
@@ -226,7 +219,7 @@
           <a:p>
             <a:fld id="{A5C20BB3-3CCB-4FE5-991B-82F6BCB48AF3}" type="datetimeFigureOut">
               <a:rPr lang="en-US" smtClean="0"/>
-              <a:t>6/10/22</a:t>
+              <a:t>6/14/22</a:t>
             </a:fld>
             <a:endParaRPr lang="en-US"/>
           </a:p>
@@ -493,270 +486,6 @@
 </p:notesMaster>
 </file>
 
-<file path=ppt/notesSlides/notesSlide1.xml><?xml version="1.0" encoding="utf-8"?>
-<p:notes xmlns:a="http://schemas.openxmlformats.org/drawingml/2006/main" xmlns:r="http://schemas.openxmlformats.org/officeDocument/2006/relationships" xmlns:p="http://schemas.openxmlformats.org/presentationml/2006/main">
-  <p:cSld>
-    <p:spTree>
-      <p:nvGrpSpPr>
-        <p:cNvPr id="1" name=""/>
-        <p:cNvGrpSpPr/>
-        <p:nvPr/>
-      </p:nvGrpSpPr>
-      <p:grpSpPr>
-        <a:xfrm>
-          <a:off x="0" y="0"/>
-          <a:ext cx="0" cy="0"/>
-          <a:chOff x="0" y="0"/>
-          <a:chExt cx="0" cy="0"/>
-        </a:xfrm>
-      </p:grpSpPr>
-      <p:sp>
-        <p:nvSpPr>
-          <p:cNvPr id="2" name="Slide Image Placeholder 1"/>
-          <p:cNvSpPr>
-            <a:spLocks noGrp="1" noRot="1" noChangeAspect="1"/>
-          </p:cNvSpPr>
-          <p:nvPr>
-            <p:ph type="sldImg"/>
-          </p:nvPr>
-        </p:nvSpPr>
-        <p:spPr/>
-      </p:sp>
-      <p:sp>
-        <p:nvSpPr>
-          <p:cNvPr id="3" name="Notes Placeholder 2"/>
-          <p:cNvSpPr>
-            <a:spLocks noGrp="1"/>
-          </p:cNvSpPr>
-          <p:nvPr>
-            <p:ph type="body" idx="1"/>
-          </p:nvPr>
-        </p:nvSpPr>
-        <p:spPr/>
-        <p:txBody>
-          <a:bodyPr/>
-          <a:lstStyle/>
-          <a:p>
-            <a:r>
-              <a:rPr lang="en-US" dirty="0"/>
-              <a:t>Consider talking about:</a:t>
-            </a:r>
-          </a:p>
-          <a:p>
-            <a:pPr marL="171450" indent="-171450">
-              <a:buFont typeface="Arial" panose="020B0604020202020204" pitchFamily="34" charset="0"/>
-              <a:buChar char="•"/>
-            </a:pPr>
-            <a:r>
-              <a:rPr lang="en-US" dirty="0"/>
-              <a:t>"Thoughts on Flash"</a:t>
-            </a:r>
-          </a:p>
-          <a:p>
-            <a:pPr marL="171450" indent="-171450">
-              <a:buFont typeface="Arial" panose="020B0604020202020204" pitchFamily="34" charset="0"/>
-              <a:buChar char="•"/>
-            </a:pPr>
-            <a:r>
-              <a:rPr lang="en-US" dirty="0"/>
-              <a:t>Last call, candidacy, and recommendation stages</a:t>
-            </a:r>
-          </a:p>
-          <a:p>
-            <a:pPr marL="171450" indent="-171450">
-              <a:buFont typeface="Arial" panose="020B0604020202020204" pitchFamily="34" charset="0"/>
-              <a:buChar char="•"/>
-            </a:pPr>
-            <a:r>
-              <a:rPr lang="en-US" dirty="0"/>
-              <a:t>Timeline</a:t>
-            </a:r>
-          </a:p>
-          <a:p>
-            <a:pPr marL="171450" indent="-171450">
-              <a:buFont typeface="Arial" panose="020B0604020202020204" pitchFamily="34" charset="0"/>
-              <a:buChar char="•"/>
-            </a:pPr>
-            <a:r>
-              <a:rPr lang="en-US" dirty="0"/>
-              <a:t>W3C and WHATWG conflict</a:t>
-            </a:r>
-          </a:p>
-        </p:txBody>
-      </p:sp>
-      <p:sp>
-        <p:nvSpPr>
-          <p:cNvPr id="4" name="Slide Number Placeholder 3"/>
-          <p:cNvSpPr>
-            <a:spLocks noGrp="1"/>
-          </p:cNvSpPr>
-          <p:nvPr>
-            <p:ph type="sldNum" sz="quarter" idx="10"/>
-          </p:nvPr>
-        </p:nvSpPr>
-        <p:spPr/>
-        <p:txBody>
-          <a:bodyPr/>
-          <a:lstStyle/>
-          <a:p>
-            <a:fld id="{E0746DE6-3336-457D-A091-FA20AC1C536E}" type="slidenum">
-              <a:rPr lang="en-US" smtClean="0"/>
-              <a:t>3</a:t>
-            </a:fld>
-            <a:endParaRPr lang="en-US"/>
-          </a:p>
-        </p:txBody>
-      </p:sp>
-    </p:spTree>
-    <p:extLst>
-      <p:ext uri="{BB962C8B-B14F-4D97-AF65-F5344CB8AC3E}">
-        <p14:creationId xmlns:p14="http://schemas.microsoft.com/office/powerpoint/2010/main" val="421016179"/>
-      </p:ext>
-    </p:extLst>
-  </p:cSld>
-  <p:clrMapOvr>
-    <a:masterClrMapping/>
-  </p:clrMapOvr>
-</p:notes>
-</file>
-
-<file path=ppt/notesSlides/notesSlide2.xml><?xml version="1.0" encoding="utf-8"?>
-<p:notes xmlns:a="http://schemas.openxmlformats.org/drawingml/2006/main" xmlns:r="http://schemas.openxmlformats.org/officeDocument/2006/relationships" xmlns:p="http://schemas.openxmlformats.org/presentationml/2006/main">
-  <p:cSld>
-    <p:spTree>
-      <p:nvGrpSpPr>
-        <p:cNvPr id="1" name=""/>
-        <p:cNvGrpSpPr/>
-        <p:nvPr/>
-      </p:nvGrpSpPr>
-      <p:grpSpPr>
-        <a:xfrm>
-          <a:off x="0" y="0"/>
-          <a:ext cx="0" cy="0"/>
-          <a:chOff x="0" y="0"/>
-          <a:chExt cx="0" cy="0"/>
-        </a:xfrm>
-      </p:grpSpPr>
-      <p:sp>
-        <p:nvSpPr>
-          <p:cNvPr id="2" name="Slide Image Placeholder 1"/>
-          <p:cNvSpPr>
-            <a:spLocks noGrp="1" noRot="1" noChangeAspect="1"/>
-          </p:cNvSpPr>
-          <p:nvPr>
-            <p:ph type="sldImg"/>
-          </p:nvPr>
-        </p:nvSpPr>
-        <p:spPr/>
-      </p:sp>
-      <p:sp>
-        <p:nvSpPr>
-          <p:cNvPr id="3" name="Notes Placeholder 2"/>
-          <p:cNvSpPr>
-            <a:spLocks noGrp="1"/>
-          </p:cNvSpPr>
-          <p:nvPr>
-            <p:ph type="body" idx="1"/>
-          </p:nvPr>
-        </p:nvSpPr>
-        <p:spPr/>
-        <p:txBody>
-          <a:bodyPr/>
-          <a:lstStyle/>
-          <a:p>
-            <a:r>
-              <a:rPr lang="en-US" dirty="0"/>
-              <a:t>Consider talking about:</a:t>
-            </a:r>
-          </a:p>
-          <a:p>
-            <a:pPr marL="171450" indent="-171450">
-              <a:buFont typeface="Arial" panose="020B0604020202020204" pitchFamily="34" charset="0"/>
-              <a:buChar char="•"/>
-            </a:pPr>
-            <a:r>
-              <a:rPr lang="en-US" dirty="0"/>
-              <a:t>Markup</a:t>
-            </a:r>
-          </a:p>
-          <a:p>
-            <a:pPr marL="171450" indent="-171450">
-              <a:buFont typeface="Arial" panose="020B0604020202020204" pitchFamily="34" charset="0"/>
-              <a:buChar char="•"/>
-            </a:pPr>
-            <a:r>
-              <a:rPr lang="en-US" dirty="0"/>
-              <a:t>New APIs</a:t>
-            </a:r>
-          </a:p>
-          <a:p>
-            <a:pPr marL="171450" indent="-171450">
-              <a:buFont typeface="Arial" panose="020B0604020202020204" pitchFamily="34" charset="0"/>
-              <a:buChar char="•"/>
-            </a:pPr>
-            <a:r>
-              <a:rPr lang="en-US" dirty="0"/>
-              <a:t>XHTML 5 (XML-serialized HTML 5)</a:t>
-            </a:r>
-          </a:p>
-          <a:p>
-            <a:pPr marL="171450" indent="-171450">
-              <a:buFont typeface="Arial" panose="020B0604020202020204" pitchFamily="34" charset="0"/>
-              <a:buChar char="•"/>
-            </a:pPr>
-            <a:r>
-              <a:rPr lang="en-US" dirty="0"/>
-              <a:t>Error handling</a:t>
-            </a:r>
-          </a:p>
-          <a:p>
-            <a:pPr marL="171450" indent="-171450">
-              <a:buFont typeface="Arial" panose="020B0604020202020204" pitchFamily="34" charset="0"/>
-              <a:buChar char="•"/>
-            </a:pPr>
-            <a:r>
-              <a:rPr lang="en-US" dirty="0"/>
-              <a:t>Popularity</a:t>
-            </a:r>
-          </a:p>
-        </p:txBody>
-      </p:sp>
-      <p:sp>
-        <p:nvSpPr>
-          <p:cNvPr id="4" name="Slide Number Placeholder 3"/>
-          <p:cNvSpPr>
-            <a:spLocks noGrp="1"/>
-          </p:cNvSpPr>
-          <p:nvPr>
-            <p:ph type="sldNum" sz="quarter" idx="10"/>
-          </p:nvPr>
-        </p:nvSpPr>
-        <p:spPr/>
-        <p:txBody>
-          <a:bodyPr/>
-          <a:lstStyle/>
-          <a:p>
-            <a:fld id="{E0746DE6-3336-457D-A091-FA20AC1C536E}" type="slidenum">
-              <a:rPr lang="en-US" smtClean="0"/>
-              <a:t>5</a:t>
-            </a:fld>
-            <a:endParaRPr lang="en-US"/>
-          </a:p>
-        </p:txBody>
-      </p:sp>
-    </p:spTree>
-    <p:extLst>
-      <p:ext uri="{BB962C8B-B14F-4D97-AF65-F5344CB8AC3E}">
-        <p14:creationId xmlns:p14="http://schemas.microsoft.com/office/powerpoint/2010/main" val="69644288"/>
-      </p:ext>
-    </p:extLst>
-  </p:cSld>
-  <p:clrMapOvr>
-    <a:masterClrMapping/>
-  </p:clrMapOvr>
-</p:notes>
-</file>
-
 <file path=ppt/slideLayouts/slideLayout1.xml><?xml version="1.0" encoding="utf-8"?>
 <p:sldLayout xmlns:a="http://schemas.openxmlformats.org/drawingml/2006/main" xmlns:r="http://schemas.openxmlformats.org/officeDocument/2006/relationships" xmlns:p="http://schemas.openxmlformats.org/presentationml/2006/main" type="title" preserve="1">
   <p:cSld name="Title Slide">
@@ -904,7 +633,7 @@
           <a:p>
             <a:fld id="{5D6495F3-B757-4FAF-98AA-EDA7D1485485}" type="datetimeFigureOut">
               <a:rPr lang="en-US" smtClean="0"/>
-              <a:t>6/10/22</a:t>
+              <a:t>6/14/22</a:t>
             </a:fld>
             <a:endParaRPr lang="en-US"/>
           </a:p>
@@ -1102,7 +831,7 @@
           <a:p>
             <a:fld id="{5D6495F3-B757-4FAF-98AA-EDA7D1485485}" type="datetimeFigureOut">
               <a:rPr lang="en-US" smtClean="0"/>
-              <a:t>6/10/22</a:t>
+              <a:t>6/14/22</a:t>
             </a:fld>
             <a:endParaRPr lang="en-US"/>
           </a:p>
@@ -1310,7 +1039,7 @@
           <a:p>
             <a:fld id="{5D6495F3-B757-4FAF-98AA-EDA7D1485485}" type="datetimeFigureOut">
               <a:rPr lang="en-US" smtClean="0"/>
-              <a:t>6/10/22</a:t>
+              <a:t>6/14/22</a:t>
             </a:fld>
             <a:endParaRPr lang="en-US"/>
           </a:p>
@@ -1508,7 +1237,7 @@
           <a:p>
             <a:fld id="{5D6495F3-B757-4FAF-98AA-EDA7D1485485}" type="datetimeFigureOut">
               <a:rPr lang="en-US" smtClean="0"/>
-              <a:t>6/10/22</a:t>
+              <a:t>6/14/22</a:t>
             </a:fld>
             <a:endParaRPr lang="en-US"/>
           </a:p>
@@ -1783,7 +1512,7 @@
           <a:p>
             <a:fld id="{5D6495F3-B757-4FAF-98AA-EDA7D1485485}" type="datetimeFigureOut">
               <a:rPr lang="en-US" smtClean="0"/>
-              <a:t>6/10/22</a:t>
+              <a:t>6/14/22</a:t>
             </a:fld>
             <a:endParaRPr lang="en-US"/>
           </a:p>
@@ -2048,7 +1777,7 @@
           <a:p>
             <a:fld id="{5D6495F3-B757-4FAF-98AA-EDA7D1485485}" type="datetimeFigureOut">
               <a:rPr lang="en-US" smtClean="0"/>
-              <a:t>6/10/22</a:t>
+              <a:t>6/14/22</a:t>
             </a:fld>
             <a:endParaRPr lang="en-US"/>
           </a:p>
@@ -2460,7 +2189,7 @@
           <a:p>
             <a:fld id="{5D6495F3-B757-4FAF-98AA-EDA7D1485485}" type="datetimeFigureOut">
               <a:rPr lang="en-US" smtClean="0"/>
-              <a:t>6/10/22</a:t>
+              <a:t>6/14/22</a:t>
             </a:fld>
             <a:endParaRPr lang="en-US"/>
           </a:p>
@@ -2601,7 +2330,7 @@
           <a:p>
             <a:fld id="{5D6495F3-B757-4FAF-98AA-EDA7D1485485}" type="datetimeFigureOut">
               <a:rPr lang="en-US" smtClean="0"/>
-              <a:t>6/10/22</a:t>
+              <a:t>6/14/22</a:t>
             </a:fld>
             <a:endParaRPr lang="en-US"/>
           </a:p>
@@ -2714,7 +2443,7 @@
           <a:p>
             <a:fld id="{5D6495F3-B757-4FAF-98AA-EDA7D1485485}" type="datetimeFigureOut">
               <a:rPr lang="en-US" smtClean="0"/>
-              <a:t>6/10/22</a:t>
+              <a:t>6/14/22</a:t>
             </a:fld>
             <a:endParaRPr lang="en-US"/>
           </a:p>
@@ -3025,7 +2754,7 @@
           <a:p>
             <a:fld id="{5D6495F3-B757-4FAF-98AA-EDA7D1485485}" type="datetimeFigureOut">
               <a:rPr lang="en-US" smtClean="0"/>
-              <a:t>6/10/22</a:t>
+              <a:t>6/14/22</a:t>
             </a:fld>
             <a:endParaRPr lang="en-US"/>
           </a:p>
@@ -3316,7 +3045,7 @@
           <a:p>
             <a:fld id="{5D6495F3-B757-4FAF-98AA-EDA7D1485485}" type="datetimeFigureOut">
               <a:rPr lang="en-US" smtClean="0"/>
-              <a:t>6/10/22</a:t>
+              <a:t>6/14/22</a:t>
             </a:fld>
             <a:endParaRPr lang="en-US"/>
           </a:p>
@@ -3557,7 +3286,7 @@
           <a:p>
             <a:fld id="{5D6495F3-B757-4FAF-98AA-EDA7D1485485}" type="datetimeFigureOut">
               <a:rPr lang="en-US" smtClean="0"/>
-              <a:t>6/10/22</a:t>
+              <a:t>6/14/22</a:t>
             </a:fld>
             <a:endParaRPr lang="en-US"/>
           </a:p>
@@ -5020,8 +4749,8 @@
           <a:lstStyle/>
           <a:p>
             <a:r>
-              <a:rPr lang="ru-RU" b="1" dirty="0"/>
-              <a:t>Обтекание. Вёрстка макетов. Селекторы</a:t>
+              <a:rPr lang="ru-RU" dirty="0"/>
+              <a:t>Иерархические селекторы. Каскадирование</a:t>
             </a:r>
             <a:br>
               <a:rPr lang="ru-RU" b="1" dirty="0"/>
@@ -5455,8 +5184,8 @@
         </p:nvSpPr>
         <p:spPr>
           <a:xfrm>
-            <a:off x="118334" y="1153572"/>
-            <a:ext cx="3768900" cy="4461163"/>
+            <a:off x="311972" y="1153572"/>
+            <a:ext cx="3575262" cy="4461163"/>
           </a:xfrm>
         </p:spPr>
         <p:txBody>
@@ -5471,7 +5200,7 @@
                   <a:srgbClr val="FFFFFF"/>
                 </a:solidFill>
               </a:rPr>
-              <a:t>Минусы табличной вёрстки</a:t>
+              <a:t>Дочерние селекторы</a:t>
             </a:r>
             <a:endParaRPr lang="en-US" dirty="0">
               <a:solidFill>
@@ -5566,34 +5295,70 @@
           <a:p>
             <a:r>
               <a:rPr lang="ru-RU" dirty="0"/>
-              <a:t>Продолжительная загрузка страницы</a:t>
-            </a:r>
-          </a:p>
-          <a:p>
+              <a:t>Комбинатор '&gt;' в отличие от пробела выбирает только те элементы, которые являются дочерними непосредственно по отношению к указанному элементу.</a:t>
+            </a:r>
+          </a:p>
+          <a:p>
+            <a:r>
+              <a:rPr lang="ru-RU" b="1" dirty="0"/>
+              <a:t>Пример: </a:t>
+            </a:r>
             <a:r>
               <a:rPr lang="ru-RU" dirty="0"/>
-              <a:t>Громоздкий код</a:t>
-            </a:r>
-          </a:p>
-          <a:p>
+              <a:t>селектор</a:t>
+            </a:r>
+            <a:r>
+              <a:rPr lang="ru-RU" b="1" dirty="0"/>
+              <a:t> </a:t>
+            </a:r>
+            <a:r>
+              <a:rPr lang="en-US" dirty="0" err="1"/>
+              <a:t>ul</a:t>
+            </a:r>
+            <a:r>
+              <a:rPr lang="en-US" dirty="0"/>
+              <a:t> &gt; li </a:t>
+            </a:r>
             <a:r>
               <a:rPr lang="ru-RU" dirty="0"/>
-              <a:t>Отсутствует разделение содержимого, и оформления</a:t>
-            </a:r>
-          </a:p>
-          <a:p>
+              <a:t>выберет только дочерние элементы </a:t>
+            </a:r>
+            <a:r>
+              <a:rPr lang="ru-RU" u="sng" dirty="0">
+                <a:hlinkClick r:id="rId2"/>
+              </a:rPr>
+              <a:t>&lt;</a:t>
+            </a:r>
+            <a:r>
+              <a:rPr lang="en-US" u="sng" dirty="0">
+                <a:hlinkClick r:id="rId2"/>
+              </a:rPr>
+              <a:t>li&gt;</a:t>
+            </a:r>
+            <a:r>
+              <a:rPr lang="en-US" dirty="0"/>
+              <a:t>, </a:t>
+            </a:r>
             <a:r>
               <a:rPr lang="ru-RU" dirty="0"/>
-              <a:t>Плохая индексация поисковиками</a:t>
-            </a:r>
-          </a:p>
-          <a:p>
-            <a:r>
-              <a:rPr lang="ru-RU" dirty="0"/>
-              <a:t>Таблицы нельзя наложить друг на друга, что создает определенные трудности при верстке сложных по дизайну страниц.</a:t>
-            </a:r>
-          </a:p>
-          <a:p>
+              <a:t>которые находятся внутри, на первом уровне вложенности по отношению к элементу </a:t>
+            </a:r>
+            <a:r>
+              <a:rPr lang="ru-RU" u="sng" dirty="0">
+                <a:hlinkClick r:id="rId3"/>
+              </a:rPr>
+              <a:t>&lt;</a:t>
+            </a:r>
+            <a:r>
+              <a:rPr lang="en-US" u="sng" dirty="0">
+                <a:hlinkClick r:id="rId3"/>
+              </a:rPr>
+              <a:t>ul&gt;</a:t>
+            </a:r>
+            <a:r>
+              <a:rPr lang="en-US" dirty="0"/>
+              <a:t>.</a:t>
+            </a:r>
             <a:endParaRPr dirty="0"/>
           </a:p>
         </p:txBody>
@@ -5601,7 +5366,7 @@
     </p:spTree>
     <p:extLst>
       <p:ext uri="{BB962C8B-B14F-4D97-AF65-F5344CB8AC3E}">
-        <p14:creationId xmlns:p14="http://schemas.microsoft.com/office/powerpoint/2010/main" val="1047270848"/>
+        <p14:creationId xmlns:p14="http://schemas.microsoft.com/office/powerpoint/2010/main" val="464500564"/>
       </p:ext>
     </p:extLst>
   </p:cSld>
@@ -5842,8 +5607,8 @@
         </p:nvSpPr>
         <p:spPr>
           <a:xfrm>
-            <a:off x="139849" y="1153572"/>
-            <a:ext cx="3747385" cy="4461163"/>
+            <a:off x="311972" y="1153572"/>
+            <a:ext cx="3575262" cy="4461163"/>
           </a:xfrm>
         </p:spPr>
         <p:txBody>
@@ -5858,7 +5623,37 @@
                   <a:srgbClr val="FFFFFF"/>
                 </a:solidFill>
               </a:rPr>
-              <a:t>Плюсы блочной вёрстки</a:t>
+              <a:t>Комбинатор</a:t>
+            </a:r>
+            <a:br>
+              <a:rPr lang="ru-RU" dirty="0">
+                <a:solidFill>
+                  <a:srgbClr val="FFFFFF"/>
+                </a:solidFill>
+              </a:rPr>
+            </a:br>
+            <a:r>
+              <a:rPr lang="ru-RU" dirty="0">
+                <a:solidFill>
+                  <a:srgbClr val="FFFFFF"/>
+                </a:solidFill>
+              </a:rPr>
+              <a:t>всех </a:t>
+            </a:r>
+            <a:br>
+              <a:rPr lang="ru-RU" dirty="0">
+                <a:solidFill>
+                  <a:srgbClr val="FFFFFF"/>
+                </a:solidFill>
+              </a:rPr>
+            </a:br>
+            <a:r>
+              <a:rPr lang="ru-RU" dirty="0">
+                <a:solidFill>
+                  <a:srgbClr val="FFFFFF"/>
+                </a:solidFill>
+              </a:rPr>
+              <a:t>соседних элементов</a:t>
             </a:r>
             <a:endParaRPr lang="en-US" dirty="0">
               <a:solidFill>
@@ -5953,51 +5748,69 @@
           <a:p>
             <a:r>
               <a:rPr lang="ru-RU" dirty="0"/>
-              <a:t>Все свойства блоков задаются в таблице стилей, что облегчает </a:t>
-            </a:r>
-            <a:r>
+              <a:t>Комбинатор '~' выбирает элементы, которые находятся на этом же уровне вложенности, после указанного элемента, с тем же родителем.</a:t>
+            </a:r>
+            <a:br>
               <a:rPr lang="en-US" dirty="0"/>
-              <a:t>html-</a:t>
+            </a:br>
+            <a:endParaRPr lang="ru-RU" dirty="0"/>
+          </a:p>
+          <a:p>
+            <a:r>
+              <a:rPr lang="ru-RU" b="1" dirty="0"/>
+              <a:t>Пример:</a:t>
             </a:r>
             <a:r>
               <a:rPr lang="ru-RU" dirty="0"/>
-              <a:t>код.</a:t>
-            </a:r>
-          </a:p>
-          <a:p>
+              <a:t> </a:t>
+            </a:r>
+            <a:r>
+              <a:rPr lang="en-US" dirty="0"/>
+              <a:t>p ~ span </a:t>
+            </a:r>
             <a:r>
               <a:rPr lang="ru-RU" dirty="0"/>
-              <a:t>Более быстрая загрузка страниц с блочной версткой (верстка </a:t>
+              <a:t>выберет все элементы </a:t>
+            </a:r>
+            <a:r>
+              <a:rPr lang="ru-RU" u="sng" dirty="0">
+                <a:hlinkClick r:id="rId2"/>
+              </a:rPr>
+              <a:t>&lt;</a:t>
+            </a:r>
+            <a:r>
+              <a:rPr lang="en-US" u="sng" dirty="0">
+                <a:hlinkClick r:id="rId2"/>
+              </a:rPr>
+              <a:t>span&gt;</a:t>
             </a:r>
             <a:r>
               <a:rPr lang="en-US" dirty="0"/>
-              <a:t>div’</a:t>
-            </a:r>
-            <a:r>
-              <a:rPr lang="ru-RU" dirty="0" err="1"/>
-              <a:t>ами</a:t>
+              <a:t>, </a:t>
             </a:r>
             <a:r>
               <a:rPr lang="ru-RU" dirty="0"/>
-              <a:t>) по сравнению со страницами табличной верстки.</a:t>
-            </a:r>
-          </a:p>
-          <a:p>
+              <a:t>которые находятся после элемента </a:t>
+            </a:r>
+            <a:r>
+              <a:rPr lang="ru-RU" u="sng" dirty="0">
+                <a:hlinkClick r:id="rId3"/>
+              </a:rPr>
+              <a:t>&lt;</a:t>
+            </a:r>
+            <a:r>
+              <a:rPr lang="en-US" u="sng" dirty="0">
+                <a:hlinkClick r:id="rId3"/>
+              </a:rPr>
+              <a:t>p&gt;</a:t>
+            </a:r>
+            <a:r>
+              <a:rPr lang="en-US" dirty="0"/>
+              <a:t> </a:t>
+            </a:r>
             <a:r>
               <a:rPr lang="ru-RU" dirty="0"/>
-              <a:t>В отличии от таблиц, блоки - универсальное средство для создания любого дизайна.</a:t>
-            </a:r>
-          </a:p>
-          <a:p>
-            <a:r>
-              <a:rPr lang="ru-RU" dirty="0"/>
-              <a:t>Семантика</a:t>
-            </a:r>
-          </a:p>
-          <a:p>
-            <a:r>
-              <a:rPr lang="ru-RU" dirty="0"/>
-              <a:t>Доступность</a:t>
+              <a:t>внутри одного родителя</a:t>
             </a:r>
             <a:endParaRPr dirty="0"/>
           </a:p>
@@ -6006,7 +5819,7 @@
     </p:spTree>
     <p:extLst>
       <p:ext uri="{BB962C8B-B14F-4D97-AF65-F5344CB8AC3E}">
-        <p14:creationId xmlns:p14="http://schemas.microsoft.com/office/powerpoint/2010/main" val="3362220526"/>
+        <p14:creationId xmlns:p14="http://schemas.microsoft.com/office/powerpoint/2010/main" val="1644170408"/>
       </p:ext>
     </p:extLst>
   </p:cSld>
@@ -6247,8 +6060,8 @@
         </p:nvSpPr>
         <p:spPr>
           <a:xfrm>
-            <a:off x="686834" y="1153572"/>
-            <a:ext cx="3200400" cy="4461163"/>
+            <a:off x="311972" y="1153572"/>
+            <a:ext cx="3575262" cy="4461163"/>
           </a:xfrm>
         </p:spPr>
         <p:txBody>
@@ -6263,7 +6076,7 @@
                   <a:srgbClr val="FFFFFF"/>
                 </a:solidFill>
               </a:rPr>
-              <a:t>Минусы</a:t>
+              <a:t>Комбинатор</a:t>
             </a:r>
             <a:br>
               <a:rPr lang="ru-RU" dirty="0">
@@ -6278,7 +6091,7 @@
                   <a:srgbClr val="FFFFFF"/>
                 </a:solidFill>
               </a:rPr>
-              <a:t>блочной</a:t>
+              <a:t>следующего</a:t>
             </a:r>
             <a:br>
               <a:rPr lang="ru-RU" dirty="0">
@@ -6293,7 +6106,22 @@
                   <a:srgbClr val="FFFFFF"/>
                 </a:solidFill>
               </a:rPr>
-              <a:t>вёрстки</a:t>
+              <a:t>соседнего</a:t>
+            </a:r>
+            <a:br>
+              <a:rPr lang="ru-RU" dirty="0">
+                <a:solidFill>
+                  <a:srgbClr val="FFFFFF"/>
+                </a:solidFill>
+              </a:rPr>
+            </a:br>
+            <a:r>
+              <a:rPr lang="ru-RU" dirty="0">
+                <a:solidFill>
+                  <a:srgbClr val="FFFFFF"/>
+                </a:solidFill>
+              </a:rPr>
+              <a:t>элемента</a:t>
             </a:r>
             <a:endParaRPr lang="en-US" dirty="0">
               <a:solidFill>
@@ -6388,38 +6216,70 @@
           <a:p>
             <a:r>
               <a:rPr lang="ru-RU" dirty="0"/>
-              <a:t>Гораздо сложнее </a:t>
-            </a:r>
+              <a:t>Комбинатор '+' выбирает элемент, который находится непосредственно после указанного элемента, если у них общий родитель.</a:t>
+            </a:r>
+            <a:br>
+              <a:rPr lang="en-US" dirty="0"/>
+            </a:br>
+            <a:endParaRPr lang="ru-RU" dirty="0"/>
+          </a:p>
+          <a:p>
             <a:r>
               <a:rPr lang="ru-RU" b="1" dirty="0"/>
-              <a:t>табличной вёрстки</a:t>
+              <a:t>Пример: </a:t>
             </a:r>
             <a:r>
               <a:rPr lang="ru-RU" dirty="0"/>
+              <a:t>селектор </a:t>
+            </a:r>
+            <a:r>
+              <a:rPr lang="en-US" dirty="0" err="1"/>
+              <a:t>ul</a:t>
+            </a:r>
+            <a:r>
+              <a:rPr lang="en-US" dirty="0"/>
+              <a:t> + li </a:t>
+            </a:r>
+            <a:r>
+              <a:rPr lang="ru-RU" dirty="0"/>
+              <a:t>выберет любой </a:t>
+            </a:r>
+            <a:r>
+              <a:rPr lang="ru-RU" u="sng" dirty="0">
+                <a:hlinkClick r:id="rId2"/>
+              </a:rPr>
+              <a:t>&lt;</a:t>
+            </a:r>
+            <a:r>
+              <a:rPr lang="en-US" u="sng" dirty="0">
+                <a:hlinkClick r:id="rId2"/>
+              </a:rPr>
+              <a:t>li&gt;</a:t>
+            </a:r>
+            <a:r>
+              <a:rPr lang="en-US" dirty="0"/>
+              <a:t> </a:t>
+            </a:r>
+            <a:r>
+              <a:rPr lang="ru-RU" dirty="0"/>
+              <a:t>элемент, который  находится непосредственно после элемента </a:t>
+            </a:r>
+            <a:r>
+              <a:rPr lang="ru-RU" u="sng" dirty="0">
+                <a:hlinkClick r:id="rId3"/>
+              </a:rPr>
+              <a:t>&lt;</a:t>
+            </a:r>
+            <a:r>
+              <a:rPr lang="en-US" u="sng" dirty="0">
+                <a:hlinkClick r:id="rId3"/>
+              </a:rPr>
+              <a:t>ul&gt;</a:t>
+            </a:r>
+            <a:r>
+              <a:rPr lang="en-US" dirty="0"/>
               <a:t>.</a:t>
             </a:r>
-          </a:p>
-          <a:p>
-            <a:r>
-              <a:rPr lang="ru-RU" dirty="0"/>
-              <a:t>Огромные проблемы с </a:t>
-            </a:r>
-            <a:r>
-              <a:rPr lang="ru-RU" b="1" dirty="0" err="1"/>
-              <a:t>кроссбраузерностью</a:t>
-            </a:r>
-            <a:r>
-              <a:rPr lang="ru-RU" dirty="0"/>
-              <a:t>.</a:t>
-            </a:r>
-          </a:p>
-          <a:p>
-            <a:r>
-              <a:rPr lang="ru-RU" dirty="0"/>
-              <a:t>Блоки начинают наезжать (либо спадать) друг на друга при маленьких разрешениях экрана.</a:t>
-            </a:r>
-          </a:p>
-          <a:p>
             <a:endParaRPr dirty="0"/>
           </a:p>
         </p:txBody>
@@ -6427,7 +6287,7 @@
     </p:spTree>
     <p:extLst>
       <p:ext uri="{BB962C8B-B14F-4D97-AF65-F5344CB8AC3E}">
-        <p14:creationId xmlns:p14="http://schemas.microsoft.com/office/powerpoint/2010/main" val="1834425175"/>
+        <p14:creationId xmlns:p14="http://schemas.microsoft.com/office/powerpoint/2010/main" val="1713265928"/>
       </p:ext>
     </p:extLst>
   </p:cSld>
@@ -6668,8 +6528,8 @@
         </p:nvSpPr>
         <p:spPr>
           <a:xfrm>
-            <a:off x="686834" y="1153572"/>
-            <a:ext cx="3200400" cy="4461163"/>
+            <a:off x="311972" y="1153572"/>
+            <a:ext cx="3575262" cy="4461163"/>
           </a:xfrm>
         </p:spPr>
         <p:txBody>
@@ -6679,28 +6539,12 @@
           <a:lstStyle/>
           <a:p>
             <a:r>
-              <a:rPr lang="ru-RU" dirty="0">
+              <a:rPr lang="ru-RU" dirty="0" err="1">
                 <a:solidFill>
                   <a:srgbClr val="FFFFFF"/>
                 </a:solidFill>
               </a:rPr>
-              <a:t>жёсткая (</a:t>
-            </a:r>
-            <a:r>
-              <a:rPr lang="en-US" dirty="0">
-                <a:solidFill>
-                  <a:srgbClr val="FFFFFF"/>
-                </a:solidFill>
-              </a:rPr>
-              <a:t>fixed) </a:t>
-            </a:r>
-            <a:r>
-              <a:rPr lang="ru-RU" dirty="0">
-                <a:solidFill>
-                  <a:srgbClr val="FFFFFF"/>
-                </a:solidFill>
-              </a:rPr>
-              <a:t>и резиновая вёрстка	</a:t>
+              <a:t>Псевдоклассы</a:t>
             </a:r>
             <a:endParaRPr lang="en-US" dirty="0">
               <a:solidFill>
@@ -6794,24 +6638,90 @@
           <a:lstStyle/>
           <a:p>
             <a:r>
+              <a:rPr lang="ru-RU" dirty="0"/>
+              <a:t>Знак : позволяет выбрать элементы, основываясь на информации, которой нет в дереве элементов.</a:t>
+            </a:r>
+          </a:p>
+          <a:p>
+            <a:r>
+              <a:rPr lang="ru-RU" b="1" dirty="0"/>
+              <a:t>Пример: </a:t>
+            </a:r>
+            <a:r>
+              <a:rPr lang="en-US" dirty="0" err="1"/>
+              <a:t>a:visited</a:t>
+            </a:r>
+            <a:r>
               <a:rPr lang="en-US" dirty="0"/>
-              <a:t>http://</a:t>
+              <a:t> </a:t>
+            </a:r>
+            <a:r>
+              <a:rPr lang="ru-RU" dirty="0"/>
+              <a:t>соответствует всем элементам </a:t>
+            </a:r>
+            <a:r>
+              <a:rPr lang="ru-RU" u="sng" dirty="0">
+                <a:hlinkClick r:id="rId2"/>
+              </a:rPr>
+              <a:t>&lt;</a:t>
+            </a:r>
+            <a:r>
+              <a:rPr lang="en-US" u="sng" dirty="0">
+                <a:hlinkClick r:id="rId2"/>
+              </a:rPr>
+              <a:t>a&gt;</a:t>
+            </a:r>
+            <a:r>
+              <a:rPr lang="en-US" dirty="0"/>
+              <a:t> </a:t>
+            </a:r>
+            <a:r>
+              <a:rPr lang="ru-RU" dirty="0"/>
+              <a:t>которые имеют статус "посещённые".</a:t>
+            </a:r>
+          </a:p>
+          <a:p>
+            <a:r>
+              <a:rPr lang="ru-RU" b="1" dirty="0"/>
+              <a:t>Ещё пример</a:t>
+            </a:r>
+            <a:r>
+              <a:rPr lang="ru-RU" dirty="0"/>
+              <a:t>: </a:t>
             </a:r>
             <a:r>
               <a:rPr lang="en-US" dirty="0" err="1"/>
-              <a:t>fe.it-academy.by</a:t>
+              <a:t>div:hover</a:t>
             </a:r>
             <a:r>
               <a:rPr lang="en-US" dirty="0"/>
-              <a:t>/</a:t>
+              <a:t> </a:t>
+            </a:r>
+            <a:r>
+              <a:rPr lang="ru-RU" dirty="0"/>
+              <a:t>соответствует элементу, над которым проходит указатель мыши.</a:t>
+            </a:r>
+          </a:p>
+          <a:p>
+            <a:r>
+              <a:rPr lang="ru-RU" b="1" dirty="0"/>
+              <a:t>Ещё пример</a:t>
+            </a:r>
+            <a:r>
+              <a:rPr lang="ru-RU" dirty="0"/>
+              <a:t>: </a:t>
             </a:r>
             <a:r>
               <a:rPr lang="en-US" dirty="0" err="1"/>
-              <a:t>ViewSlides.php?slide</a:t>
+              <a:t>input:focus</a:t>
             </a:r>
             <a:r>
               <a:rPr lang="en-US" dirty="0"/>
-              <a:t>=13847&amp;lect=72</a:t>
+              <a:t> </a:t>
+            </a:r>
+            <a:r>
+              <a:rPr lang="ru-RU" dirty="0"/>
+              <a:t>соответствует полю ввода, которое получило фокус.</a:t>
             </a:r>
             <a:endParaRPr dirty="0"/>
           </a:p>
@@ -6820,7 +6730,7 @@
     </p:spTree>
     <p:extLst>
       <p:ext uri="{BB962C8B-B14F-4D97-AF65-F5344CB8AC3E}">
-        <p14:creationId xmlns:p14="http://schemas.microsoft.com/office/powerpoint/2010/main" val="2412451743"/>
+        <p14:creationId xmlns:p14="http://schemas.microsoft.com/office/powerpoint/2010/main" val="1620908333"/>
       </p:ext>
     </p:extLst>
   </p:cSld>
@@ -7061,8 +6971,8 @@
         </p:nvSpPr>
         <p:spPr>
           <a:xfrm>
-            <a:off x="258184" y="1153572"/>
-            <a:ext cx="3909088" cy="4461163"/>
+            <a:off x="311972" y="1153572"/>
+            <a:ext cx="3575262" cy="4461163"/>
           </a:xfrm>
         </p:spPr>
         <p:txBody>
@@ -7072,18 +6982,28 @@
           <a:lstStyle/>
           <a:p>
             <a:r>
-              <a:rPr lang="ru-RU" dirty="0">
+              <a:rPr lang="en-US" dirty="0">
                 <a:solidFill>
                   <a:srgbClr val="FFFFFF"/>
                 </a:solidFill>
               </a:rPr>
-              <a:t>Выравнивание блоков</a:t>
-            </a:r>
-            <a:endParaRPr lang="en-US" dirty="0">
-              <a:solidFill>
-                <a:srgbClr val="FFFFFF"/>
-              </a:solidFill>
-            </a:endParaRPr>
+              <a:t>:first-child</a:t>
+            </a:r>
+            <a:br>
+              <a:rPr lang="en-US" dirty="0">
+                <a:solidFill>
+                  <a:srgbClr val="FFFFFF"/>
+                </a:solidFill>
+              </a:rPr>
+            </a:br>
+            <a:r>
+              <a:rPr lang="en-US" dirty="0">
+                <a:solidFill>
+                  <a:srgbClr val="FFFFFF"/>
+                </a:solidFill>
+              </a:rPr>
+              <a:t>:last-child</a:t>
+            </a:r>
           </a:p>
         </p:txBody>
       </p:sp>
@@ -7172,22 +7092,78 @@
           <a:p>
             <a:r>
               <a:rPr lang="ru-RU" dirty="0"/>
-              <a:t>проблема столбцов одинаковой высоты в блочной вёрстке</a:t>
-            </a:r>
-            <a:endParaRPr lang="en-US" dirty="0"/>
-          </a:p>
-          <a:p>
+              <a:t>Знак : позволяет выбрать элементы, основываясь на информации, которой нет в дереве элементов.</a:t>
+            </a:r>
+          </a:p>
+          <a:p>
+            <a:r>
+              <a:rPr lang="ru-RU" b="1" dirty="0"/>
+              <a:t>Пример: </a:t>
+            </a:r>
+            <a:r>
+              <a:rPr lang="en-US" dirty="0" err="1"/>
+              <a:t>p:first-child</a:t>
+            </a:r>
             <a:r>
               <a:rPr lang="en-US" dirty="0"/>
-              <a:t>Margin: 0 auto</a:t>
-            </a:r>
+              <a:t> { color: red }</a:t>
+            </a:r>
+            <a:r>
+              <a:rPr lang="ru-RU" dirty="0"/>
+              <a:t>.</a:t>
+            </a:r>
+          </a:p>
+          <a:p>
+            <a:r>
+              <a:rPr lang="ru-RU" b="1" dirty="0"/>
+              <a:t>Ещё пример</a:t>
+            </a:r>
+            <a:r>
+              <a:rPr lang="ru-RU" dirty="0"/>
+              <a:t>: </a:t>
+            </a:r>
+            <a:r>
+              <a:rPr lang="en-US" dirty="0" err="1"/>
+              <a:t>div:hover</a:t>
+            </a:r>
+            <a:r>
+              <a:rPr lang="en-US" dirty="0"/>
+              <a:t> </a:t>
+            </a:r>
+            <a:r>
+              <a:rPr lang="ru-RU" dirty="0"/>
+              <a:t>соответствует элементу, над которым проходит указатель мыши.</a:t>
+            </a:r>
+          </a:p>
+          <a:p>
+            <a:r>
+              <a:rPr lang="ru-RU" b="1" dirty="0"/>
+              <a:t>Ещё пример</a:t>
+            </a:r>
+            <a:r>
+              <a:rPr lang="ru-RU" dirty="0"/>
+              <a:t>: </a:t>
+            </a:r>
+            <a:r>
+              <a:rPr lang="en-US" dirty="0" err="1"/>
+              <a:t>input:focus</a:t>
+            </a:r>
+            <a:r>
+              <a:rPr lang="en-US" dirty="0"/>
+              <a:t> </a:t>
+            </a:r>
+            <a:r>
+              <a:rPr lang="ru-RU" dirty="0"/>
+              <a:t>соответствует полю ввода, которое получило фокус.</a:t>
+            </a:r>
+            <a:endParaRPr dirty="0"/>
           </a:p>
         </p:txBody>
       </p:sp>
     </p:spTree>
     <p:extLst>
       <p:ext uri="{BB962C8B-B14F-4D97-AF65-F5344CB8AC3E}">
-        <p14:creationId xmlns:p14="http://schemas.microsoft.com/office/powerpoint/2010/main" val="1141712996"/>
+        <p14:creationId xmlns:p14="http://schemas.microsoft.com/office/powerpoint/2010/main" val="2211983118"/>
       </p:ext>
     </p:extLst>
   </p:cSld>
@@ -7428,8 +7404,8 @@
         </p:nvSpPr>
         <p:spPr>
           <a:xfrm>
-            <a:off x="686834" y="1153572"/>
-            <a:ext cx="3200400" cy="4461163"/>
+            <a:off x="311972" y="1153572"/>
+            <a:ext cx="3575262" cy="4461163"/>
           </a:xfrm>
         </p:spPr>
         <p:txBody>
@@ -7444,7 +7420,22 @@
                   <a:srgbClr val="FFFFFF"/>
                 </a:solidFill>
               </a:rPr>
-              <a:t>Frameworks</a:t>
+              <a:t>:first-of-type</a:t>
+            </a:r>
+            <a:br>
+              <a:rPr lang="en-US" dirty="0">
+                <a:solidFill>
+                  <a:srgbClr val="FFFFFF"/>
+                </a:solidFill>
+              </a:rPr>
+            </a:br>
+            <a:r>
+              <a:rPr lang="en-US" dirty="0">
+                <a:solidFill>
+                  <a:srgbClr val="FFFFFF"/>
+                </a:solidFill>
+              </a:rPr>
+              <a:t>:last-of-type</a:t>
             </a:r>
           </a:p>
         </p:txBody>
@@ -7534,7 +7525,81 @@
           <a:p>
             <a:r>
               <a:rPr lang="ru-RU" dirty="0"/>
-              <a:t>есть большое количество ПО, фреймворков и библиотек, облегчающих вёрстку, в том числе адаптивную - можно и часто нужно использовать, но сначала нужно научиться верстать руками			</a:t>
+              <a:t>Стилевой селектор </a:t>
+            </a:r>
+            <a:r>
+              <a:rPr lang="ru-RU" dirty="0" err="1"/>
+              <a:t>псевдокласса</a:t>
+            </a:r>
+            <a:r>
+              <a:rPr lang="ru-RU" dirty="0"/>
+              <a:t> </a:t>
+            </a:r>
+            <a:r>
+              <a:rPr lang="ru-RU" b="1" dirty="0"/>
+              <a:t>:</a:t>
+            </a:r>
+            <a:r>
+              <a:rPr lang="en-US" b="1" dirty="0"/>
+              <a:t>first-of-type</a:t>
+            </a:r>
+            <a:r>
+              <a:rPr lang="en-US" dirty="0"/>
+              <a:t> — </a:t>
+            </a:r>
+            <a:r>
+              <a:rPr lang="ru-RU" dirty="0"/>
+              <a:t>соответствует тем элементам, которые в своём контейнере является первыми </a:t>
+            </a:r>
+            <a:r>
+              <a:rPr lang="ru-RU" b="1" dirty="0"/>
+              <a:t>среди элементов того же типа</a:t>
+            </a:r>
+            <a:r>
+              <a:rPr lang="ru-RU" dirty="0"/>
+              <a:t>, т.е. того же тега.</a:t>
+            </a:r>
+            <a:br>
+              <a:rPr lang="ru-RU" dirty="0"/>
+            </a:br>
+            <a:br>
+              <a:rPr lang="ru-RU" dirty="0"/>
+            </a:br>
+            <a:r>
+              <a:rPr lang="ru-RU" dirty="0"/>
+              <a:t>Стилевой селектор </a:t>
+            </a:r>
+            <a:r>
+              <a:rPr lang="ru-RU" dirty="0" err="1"/>
+              <a:t>псевдокласса</a:t>
+            </a:r>
+            <a:r>
+              <a:rPr lang="ru-RU" dirty="0"/>
+              <a:t> </a:t>
+            </a:r>
+            <a:r>
+              <a:rPr lang="ru-RU" b="1" dirty="0"/>
+              <a:t>:</a:t>
+            </a:r>
+            <a:r>
+              <a:rPr lang="en-US" b="1" dirty="0"/>
+              <a:t>last-of-type</a:t>
+            </a:r>
+            <a:r>
+              <a:rPr lang="en-US" dirty="0"/>
+              <a:t> — </a:t>
+            </a:r>
+            <a:r>
+              <a:rPr lang="ru-RU" dirty="0"/>
+              <a:t>соответствует тем элементам, которые в своём контейнере является последними </a:t>
+            </a:r>
+            <a:r>
+              <a:rPr lang="ru-RU" b="1" dirty="0"/>
+              <a:t>среди элементов того же типа</a:t>
+            </a:r>
+            <a:r>
+              <a:rPr lang="ru-RU" dirty="0"/>
+              <a:t>, т.е. того же тега.</a:t>
             </a:r>
             <a:endParaRPr dirty="0"/>
           </a:p>
@@ -7543,7 +7608,7 @@
     </p:spTree>
     <p:extLst>
       <p:ext uri="{BB962C8B-B14F-4D97-AF65-F5344CB8AC3E}">
-        <p14:creationId xmlns:p14="http://schemas.microsoft.com/office/powerpoint/2010/main" val="2841987413"/>
+        <p14:creationId xmlns:p14="http://schemas.microsoft.com/office/powerpoint/2010/main" val="2053786648"/>
       </p:ext>
     </p:extLst>
   </p:cSld>
@@ -7784,8 +7849,8 @@
         </p:nvSpPr>
         <p:spPr>
           <a:xfrm>
-            <a:off x="686834" y="1153572"/>
-            <a:ext cx="3200400" cy="4461163"/>
+            <a:off x="311972" y="1153572"/>
+            <a:ext cx="3575262" cy="4461163"/>
           </a:xfrm>
         </p:spPr>
         <p:txBody>
@@ -7795,18 +7860,13 @@
           <a:lstStyle/>
           <a:p>
             <a:r>
-              <a:rPr lang="ru-RU" dirty="0">
+              <a:rPr lang="en-US" dirty="0">
                 <a:solidFill>
                   <a:srgbClr val="FFFFFF"/>
                 </a:solidFill>
               </a:rPr>
-              <a:t>перерыв			</a:t>
-            </a:r>
-            <a:endParaRPr lang="en-US" dirty="0">
-              <a:solidFill>
-                <a:srgbClr val="FFFFFF"/>
-              </a:solidFill>
-            </a:endParaRPr>
+              <a:t>nth-child</a:t>
+            </a:r>
           </a:p>
         </p:txBody>
       </p:sp>
@@ -7893,50 +7953,126 @@
           </a:bodyPr>
           <a:lstStyle/>
           <a:p>
+            <a:r>
+              <a:rPr lang="en-US" b="1" dirty="0"/>
+              <a:t>:nth-child(odd)</a:t>
+            </a:r>
+            <a:r>
+              <a:rPr lang="en-US" dirty="0"/>
+              <a:t> — </a:t>
+            </a:r>
+            <a:r>
+              <a:rPr lang="ru-RU" dirty="0"/>
+              <a:t>соответствует элементам, которые в своём контейнере нечётные.</a:t>
+            </a:r>
+            <a:br>
+              <a:rPr lang="ru-RU" dirty="0"/>
+            </a:br>
+            <a:r>
+              <a:rPr lang="ru-RU" b="1" dirty="0"/>
+              <a:t>:</a:t>
+            </a:r>
+            <a:r>
+              <a:rPr lang="en-US" b="1" dirty="0"/>
+              <a:t>nth-child(even)</a:t>
+            </a:r>
+            <a:r>
+              <a:rPr lang="en-US" dirty="0"/>
+              <a:t> — </a:t>
+            </a:r>
+            <a:r>
+              <a:rPr lang="ru-RU" dirty="0"/>
+              <a:t>соответствует элементам, которые в своём контейнере чётные.</a:t>
+            </a:r>
+            <a:br>
+              <a:rPr lang="ru-RU" dirty="0"/>
+            </a:br>
+            <a:r>
+              <a:rPr lang="ru-RU" b="1" dirty="0"/>
+              <a:t>:</a:t>
+            </a:r>
+            <a:r>
+              <a:rPr lang="en-US" b="1" dirty="0"/>
+              <a:t>nth-child(</a:t>
+            </a:r>
+            <a:r>
+              <a:rPr lang="en-US" b="1" i="1" dirty="0" err="1"/>
+              <a:t>i</a:t>
+            </a:r>
+            <a:r>
+              <a:rPr lang="en-US" b="1" dirty="0"/>
+              <a:t>)</a:t>
+            </a:r>
+            <a:r>
+              <a:rPr lang="en-US" dirty="0"/>
+              <a:t> — </a:t>
+            </a:r>
+            <a:r>
+              <a:rPr lang="ru-RU" dirty="0"/>
+              <a:t>соответствует элементу, который в своём контейнере идёт</a:t>
+            </a:r>
+            <a:br>
+              <a:rPr lang="ru-RU" dirty="0"/>
+            </a:br>
+            <a:r>
+              <a:rPr lang="ru-RU" dirty="0"/>
+              <a:t>под номером </a:t>
+            </a:r>
+            <a:r>
+              <a:rPr lang="en-US" i="1" dirty="0" err="1"/>
+              <a:t>i</a:t>
+            </a:r>
+            <a:r>
+              <a:rPr lang="en-US" dirty="0"/>
+              <a:t>.</a:t>
+            </a:r>
+            <a:br>
+              <a:rPr lang="en-US" dirty="0"/>
+            </a:br>
+            <a:r>
+              <a:rPr lang="en-US" b="1" dirty="0"/>
+              <a:t>:nth-child(</a:t>
+            </a:r>
+            <a:r>
+              <a:rPr lang="en-US" b="1" i="1" dirty="0" err="1"/>
+              <a:t>a</a:t>
+            </a:r>
+            <a:r>
+              <a:rPr lang="en-US" b="1" dirty="0" err="1"/>
+              <a:t>n+</a:t>
+            </a:r>
+            <a:r>
+              <a:rPr lang="en-US" b="1" i="1" dirty="0" err="1"/>
+              <a:t>b</a:t>
+            </a:r>
+            <a:r>
+              <a:rPr lang="en-US" b="1" dirty="0"/>
+              <a:t>)</a:t>
+            </a:r>
+            <a:r>
+              <a:rPr lang="en-US" dirty="0"/>
+              <a:t> — </a:t>
+            </a:r>
+            <a:r>
+              <a:rPr lang="ru-RU" dirty="0"/>
+              <a:t>вместо </a:t>
+            </a:r>
+            <a:r>
+              <a:rPr lang="en-US" dirty="0"/>
+              <a:t>n </a:t>
+            </a:r>
+            <a:r>
+              <a:rPr lang="ru-RU" dirty="0"/>
+              <a:t>будут подставлены числа от 0 и выше;</a:t>
+            </a:r>
             <a:endParaRPr dirty="0"/>
           </a:p>
         </p:txBody>
       </p:sp>
-      <p:pic>
-        <p:nvPicPr>
-          <p:cNvPr id="5" name="Picture 4" descr="A picture containing text, keyboard, electronics, computer&#10;&#10;Description automatically generated">
-            <a:extLst>
-              <a:ext uri="{FF2B5EF4-FFF2-40B4-BE49-F238E27FC236}">
-                <a16:creationId xmlns:a16="http://schemas.microsoft.com/office/drawing/2014/main" id="{B711D15D-61FF-C2A9-1C76-F3D1096D25CC}"/>
-              </a:ext>
-            </a:extLst>
-          </p:cNvPr>
-          <p:cNvPicPr>
-            <a:picLocks noChangeAspect="1"/>
-          </p:cNvPicPr>
-          <p:nvPr/>
-        </p:nvPicPr>
-        <p:blipFill>
-          <a:blip r:embed="rId2">
-            <a:extLst>
-              <a:ext uri="{28A0092B-C50C-407E-A947-70E740481C1C}">
-                <a14:useLocalDpi xmlns:a14="http://schemas.microsoft.com/office/drawing/2010/main" val="0"/>
-              </a:ext>
-            </a:extLst>
-          </a:blip>
-          <a:stretch>
-            <a:fillRect/>
-          </a:stretch>
-        </p:blipFill>
-        <p:spPr>
-          <a:xfrm>
-            <a:off x="4571019" y="1056891"/>
-            <a:ext cx="6821733" cy="4083432"/>
-          </a:xfrm>
-          <a:prstGeom prst="rect">
-            <a:avLst/>
-          </a:prstGeom>
-        </p:spPr>
-      </p:pic>
     </p:spTree>
     <p:extLst>
       <p:ext uri="{BB962C8B-B14F-4D97-AF65-F5344CB8AC3E}">
-        <p14:creationId xmlns:p14="http://schemas.microsoft.com/office/powerpoint/2010/main" val="1745798163"/>
+        <p14:creationId xmlns:p14="http://schemas.microsoft.com/office/powerpoint/2010/main" val="674105874"/>
       </p:ext>
     </p:extLst>
   </p:cSld>
@@ -8177,8 +8313,8 @@
         </p:nvSpPr>
         <p:spPr>
           <a:xfrm>
-            <a:off x="686834" y="1153572"/>
-            <a:ext cx="3200400" cy="4461163"/>
+            <a:off x="-1" y="1153572"/>
+            <a:ext cx="4447309" cy="4461163"/>
           </a:xfrm>
         </p:spPr>
         <p:txBody>
@@ -8188,28 +8324,12 @@
           <a:lstStyle/>
           <a:p>
             <a:r>
-              <a:rPr lang="en-US" dirty="0" err="1">
+              <a:rPr lang="ru-RU" dirty="0" err="1">
                 <a:solidFill>
                   <a:srgbClr val="FFFFFF"/>
                 </a:solidFill>
               </a:rPr>
-              <a:t>Css</a:t>
-            </a:r>
-            <a:r>
-              <a:rPr lang="en-US" dirty="0">
-                <a:solidFill>
-                  <a:srgbClr val="FFFFFF"/>
-                </a:solidFill>
-              </a:rPr>
-              <a:t> </a:t>
-            </a:r>
-            <a:r>
-              <a:rPr lang="ru-RU" dirty="0">
-                <a:solidFill>
-                  <a:srgbClr val="FFFFFF"/>
-                </a:solidFill>
-              </a:rPr>
-              <a:t>селекторы</a:t>
+              <a:t>Псевдоэлементы</a:t>
             </a:r>
             <a:endParaRPr lang="en-US" dirty="0">
               <a:solidFill>
@@ -8298,10 +8418,216 @@
         </p:spPr>
         <p:txBody>
           <a:bodyPr anchor="ctr">
-            <a:normAutofit/>
+            <a:normAutofit fontScale="92500" lnSpcReduction="20000"/>
           </a:bodyPr>
           <a:lstStyle/>
           <a:p>
+            <a:r>
+              <a:rPr lang="en-US" b="1" dirty="0"/>
+              <a:t>content: none</a:t>
+            </a:r>
+            <a:r>
+              <a:rPr lang="en-US" dirty="0"/>
+              <a:t> — </a:t>
+            </a:r>
+            <a:r>
+              <a:rPr lang="ru-RU" dirty="0"/>
+              <a:t>нет генерируемого содержимого.</a:t>
+            </a:r>
+            <a:br>
+              <a:rPr lang="ru-RU" dirty="0"/>
+            </a:br>
+            <a:r>
+              <a:rPr lang="en-US" b="1" dirty="0"/>
+              <a:t>content: '</a:t>
+            </a:r>
+            <a:r>
+              <a:rPr lang="ru-RU" b="1" i="1" dirty="0"/>
+              <a:t>текст</a:t>
+            </a:r>
+            <a:r>
+              <a:rPr lang="ru-RU" b="1" dirty="0"/>
+              <a:t>'</a:t>
+            </a:r>
+            <a:r>
+              <a:rPr lang="ru-RU" dirty="0"/>
+              <a:t> — задаёт </a:t>
+            </a:r>
+            <a:r>
+              <a:rPr lang="ru-RU" i="1" dirty="0"/>
+              <a:t>текст</a:t>
+            </a:r>
+            <a:r>
+              <a:rPr lang="ru-RU" dirty="0"/>
+              <a:t> в качестве генерируемого содержимого;</a:t>
+            </a:r>
+            <a:br>
+              <a:rPr lang="ru-RU" dirty="0"/>
+            </a:br>
+            <a:r>
+              <a:rPr lang="ru-RU" i="1" dirty="0"/>
+              <a:t>текст</a:t>
+            </a:r>
+            <a:r>
+              <a:rPr lang="ru-RU" dirty="0"/>
+              <a:t> не может содержать </a:t>
+            </a:r>
+            <a:r>
+              <a:rPr lang="en-US" dirty="0"/>
+              <a:t>HTML-</a:t>
+            </a:r>
+            <a:r>
+              <a:rPr lang="ru-RU" dirty="0"/>
+              <a:t>тегов или </a:t>
+            </a:r>
+            <a:r>
+              <a:rPr lang="en-US" dirty="0"/>
+              <a:t>HTML-</a:t>
+            </a:r>
+            <a:r>
+              <a:rPr lang="ru-RU" dirty="0"/>
+              <a:t>сущностей (мнемоник).</a:t>
+            </a:r>
+            <a:br>
+              <a:rPr lang="ru-RU" dirty="0"/>
+            </a:br>
+            <a:r>
+              <a:rPr lang="en-US" b="1" dirty="0"/>
+              <a:t>content: </a:t>
+            </a:r>
+            <a:r>
+              <a:rPr lang="en-US" b="1" dirty="0" err="1"/>
+              <a:t>url</a:t>
+            </a:r>
+            <a:r>
+              <a:rPr lang="en-US" b="1" dirty="0"/>
+              <a:t>('</a:t>
+            </a:r>
+            <a:r>
+              <a:rPr lang="ru-RU" b="1" i="1" dirty="0"/>
+              <a:t>ссылка</a:t>
+            </a:r>
+            <a:r>
+              <a:rPr lang="ru-RU" b="1" dirty="0"/>
+              <a:t>')</a:t>
+            </a:r>
+            <a:r>
+              <a:rPr lang="ru-RU" dirty="0"/>
+              <a:t> — задаёт изображение, расположенное по </a:t>
+            </a:r>
+            <a:r>
+              <a:rPr lang="ru-RU" i="1" dirty="0"/>
+              <a:t>ссылке</a:t>
+            </a:r>
+            <a:r>
+              <a:rPr lang="ru-RU" dirty="0"/>
+              <a:t>, в качестве генерируемого содержимого.</a:t>
+            </a:r>
+            <a:br>
+              <a:rPr lang="ru-RU" dirty="0"/>
+            </a:br>
+            <a:r>
+              <a:rPr lang="en-US" b="1" dirty="0"/>
+              <a:t>content: </a:t>
+            </a:r>
+            <a:r>
+              <a:rPr lang="en-US" b="1" dirty="0" err="1"/>
+              <a:t>attr</a:t>
+            </a:r>
+            <a:r>
+              <a:rPr lang="en-US" b="1" dirty="0"/>
+              <a:t>(</a:t>
+            </a:r>
+            <a:r>
+              <a:rPr lang="ru-RU" b="1" i="1" dirty="0"/>
+              <a:t>атрибут</a:t>
+            </a:r>
+            <a:r>
+              <a:rPr lang="ru-RU" b="1" dirty="0"/>
+              <a:t>)</a:t>
+            </a:r>
+            <a:r>
+              <a:rPr lang="ru-RU" dirty="0"/>
+              <a:t> — задаёт значение </a:t>
+            </a:r>
+            <a:r>
+              <a:rPr lang="en-US" dirty="0"/>
+              <a:t>HTML-</a:t>
+            </a:r>
+            <a:r>
+              <a:rPr lang="ru-RU" i="1" dirty="0"/>
+              <a:t>атрибута</a:t>
+            </a:r>
+            <a:r>
+              <a:rPr lang="ru-RU" dirty="0"/>
+              <a:t> тега в качестве генерируемого содержимого.</a:t>
+            </a:r>
+            <a:br>
+              <a:rPr lang="ru-RU" dirty="0"/>
+            </a:br>
+            <a:r>
+              <a:rPr lang="ru-RU" dirty="0"/>
+              <a:t>свойством </a:t>
+            </a:r>
+            <a:r>
+              <a:rPr lang="en-US" b="1" dirty="0"/>
+              <a:t>counter-reset: </a:t>
+            </a:r>
+            <a:r>
+              <a:rPr lang="ru-RU" b="1" i="1" dirty="0"/>
+              <a:t>счётчик</a:t>
+            </a:r>
+            <a:r>
+              <a:rPr lang="ru-RU" dirty="0"/>
+              <a:t> и может быть увеличен в каких-либо тегах стилевым свойством </a:t>
+            </a:r>
+            <a:r>
+              <a:rPr lang="en-US" b="1" dirty="0"/>
+              <a:t>counter-increment: </a:t>
+            </a:r>
+            <a:r>
+              <a:rPr lang="ru-RU" b="1" i="1" dirty="0"/>
+              <a:t>счётчик</a:t>
+            </a:r>
+            <a:r>
+              <a:rPr lang="ru-RU" dirty="0"/>
+              <a:t>.</a:t>
+            </a:r>
+            <a:br>
+              <a:rPr lang="ru-RU" dirty="0"/>
+            </a:br>
+            <a:r>
+              <a:rPr lang="en-US" b="1" dirty="0"/>
+              <a:t>content: </a:t>
+            </a:r>
+            <a:r>
+              <a:rPr lang="ru-RU" b="1" i="1" dirty="0"/>
+              <a:t>значение1</a:t>
+            </a:r>
+            <a:r>
+              <a:rPr lang="ru-RU" b="1" dirty="0"/>
+              <a:t> </a:t>
+            </a:r>
+            <a:r>
+              <a:rPr lang="ru-RU" b="1" i="1" dirty="0"/>
+              <a:t>значение2</a:t>
+            </a:r>
+            <a:r>
+              <a:rPr lang="ru-RU" b="1" dirty="0"/>
+              <a:t> </a:t>
+            </a:r>
+            <a:r>
+              <a:rPr lang="ru-RU" b="1" i="1" dirty="0"/>
+              <a:t>значение3</a:t>
+            </a:r>
+            <a:r>
+              <a:rPr lang="ru-RU" b="1" dirty="0"/>
+              <a:t>...</a:t>
+            </a:r>
+            <a:r>
+              <a:rPr lang="ru-RU" dirty="0"/>
+              <a:t> — может быть скомбинировано любое количество значений вышеуказанных форматов.</a:t>
+            </a:r>
             <a:endParaRPr dirty="0"/>
           </a:p>
         </p:txBody>
@@ -8309,7 +8635,7 @@
     </p:spTree>
     <p:extLst>
       <p:ext uri="{BB962C8B-B14F-4D97-AF65-F5344CB8AC3E}">
-        <p14:creationId xmlns:p14="http://schemas.microsoft.com/office/powerpoint/2010/main" val="2625877298"/>
+        <p14:creationId xmlns:p14="http://schemas.microsoft.com/office/powerpoint/2010/main" val="1577689375"/>
       </p:ext>
     </p:extLst>
   </p:cSld>
@@ -8550,8 +8876,8 @@
         </p:nvSpPr>
         <p:spPr>
           <a:xfrm>
-            <a:off x="686834" y="1153572"/>
-            <a:ext cx="3200400" cy="4461163"/>
+            <a:off x="-1" y="1153572"/>
+            <a:ext cx="4447309" cy="4461163"/>
           </a:xfrm>
         </p:spPr>
         <p:txBody>
@@ -8560,13 +8886,21 @@
           </a:bodyPr>
           <a:lstStyle/>
           <a:p>
+            <a:r>
+              <a:rPr lang="ru-RU" dirty="0" err="1">
+                <a:solidFill>
+                  <a:srgbClr val="FFFFFF"/>
+                </a:solidFill>
+              </a:rPr>
+              <a:t>Комбинированые</a:t>
+            </a:r>
             <a:r>
               <a:rPr lang="ru-RU" dirty="0">
                 <a:solidFill>
                   <a:srgbClr val="FFFFFF"/>
                 </a:solidFill>
               </a:rPr>
-              <a:t>Универсальный селектор</a:t>
+              <a:t> селекторы</a:t>
             </a:r>
             <a:endParaRPr lang="en-US" dirty="0">
               <a:solidFill>
@@ -8660,27 +8994,64 @@
           <a:lstStyle/>
           <a:p>
             <a:r>
-              <a:rPr lang="ru-RU" dirty="0"/>
-              <a:t>Выбирает все элементы. По желанию, он может быть ограничен определённым пространством имён или относиться ко всему пространству имён.</a:t>
-            </a:r>
-          </a:p>
-          <a:p>
-            <a:r>
-              <a:rPr lang="ru-RU" b="1" dirty="0"/>
-              <a:t>Пример:</a:t>
-            </a:r>
-            <a:r>
-              <a:rPr lang="ru-RU" dirty="0"/>
-              <a:t> * будет соответствовать всем элементам на странице.</a:t>
-            </a:r>
-            <a:endParaRPr dirty="0"/>
+              <a:rPr lang="en-US" dirty="0"/>
+              <a:t>a[</a:t>
+            </a:r>
+            <a:r>
+              <a:rPr lang="en-US" dirty="0" err="1"/>
+              <a:t>href</a:t>
+            </a:r>
+            <a:r>
+              <a:rPr lang="en-US" dirty="0"/>
+              <a:t>^='http://'],</a:t>
+            </a:r>
+          </a:p>
+          <a:p>
+            <a:r>
+              <a:rPr lang="en-US" dirty="0"/>
+              <a:t>a[</a:t>
+            </a:r>
+            <a:r>
+              <a:rPr lang="en-US" dirty="0" err="1"/>
+              <a:t>href</a:t>
+            </a:r>
+            <a:r>
+              <a:rPr lang="en-US" dirty="0"/>
+              <a:t>^='https://’]</a:t>
+            </a:r>
+          </a:p>
+          <a:p>
+            <a:r>
+              <a:rPr lang="en-US" dirty="0" err="1"/>
+              <a:t>a:not</a:t>
+            </a:r>
+            <a:r>
+              <a:rPr lang="en-US" dirty="0"/>
+              <a:t>([</a:t>
+            </a:r>
+            <a:r>
+              <a:rPr lang="en-US" dirty="0" err="1"/>
+              <a:t>href</a:t>
+            </a:r>
+            <a:r>
+              <a:rPr lang="en-US" dirty="0"/>
+              <a:t>^='http://']):not([</a:t>
+            </a:r>
+            <a:r>
+              <a:rPr lang="en-US" dirty="0" err="1"/>
+              <a:t>href</a:t>
+            </a:r>
+            <a:r>
+              <a:rPr lang="en-US" dirty="0"/>
+              <a:t>^='https://']) </a:t>
+            </a:r>
           </a:p>
         </p:txBody>
       </p:sp>
     </p:spTree>
     <p:extLst>
       <p:ext uri="{BB962C8B-B14F-4D97-AF65-F5344CB8AC3E}">
-        <p14:creationId xmlns:p14="http://schemas.microsoft.com/office/powerpoint/2010/main" val="1702758838"/>
+        <p14:creationId xmlns:p14="http://schemas.microsoft.com/office/powerpoint/2010/main" val="2162591741"/>
       </p:ext>
     </p:extLst>
   </p:cSld>
@@ -8921,8 +9292,8 @@
         </p:nvSpPr>
         <p:spPr>
           <a:xfrm>
-            <a:off x="686834" y="1153572"/>
-            <a:ext cx="3200400" cy="4461163"/>
+            <a:off x="-1" y="1153572"/>
+            <a:ext cx="4447309" cy="4461163"/>
           </a:xfrm>
         </p:spPr>
         <p:txBody>
@@ -8937,7 +9308,22 @@
                   <a:srgbClr val="FFFFFF"/>
                 </a:solidFill>
               </a:rPr>
-              <a:t>Селекторы по типу элемента</a:t>
+              <a:t>Веса стилевых </a:t>
+            </a:r>
+            <a:br>
+              <a:rPr lang="ru-RU" dirty="0">
+                <a:solidFill>
+                  <a:srgbClr val="FFFFFF"/>
+                </a:solidFill>
+              </a:rPr>
+            </a:br>
+            <a:r>
+              <a:rPr lang="ru-RU" dirty="0">
+                <a:solidFill>
+                  <a:srgbClr val="FFFFFF"/>
+                </a:solidFill>
+              </a:rPr>
+              <a:t>селекторов</a:t>
             </a:r>
             <a:endParaRPr lang="en-US" dirty="0">
               <a:solidFill>
@@ -9032,58 +9418,58 @@
           <a:p>
             <a:r>
               <a:rPr lang="ru-RU" dirty="0"/>
-              <a:t>Этот базовый селектор выбирает тип элементов, к которым будет применяться правило.</a:t>
-            </a:r>
-            <a:br>
+              <a:t>В случае указания стилевых описаний в элементе </a:t>
+            </a:r>
+            <a:r>
+              <a:rPr lang="en-US" b="1" dirty="0"/>
+              <a:t>style</a:t>
+            </a:r>
+            <a:r>
+              <a:rPr lang="en-US" dirty="0"/>
+              <a:t>, </a:t>
+            </a:r>
+            <a:r>
               <a:rPr lang="ru-RU" dirty="0"/>
-            </a:br>
-            <a:endParaRPr lang="ru-RU" dirty="0"/>
-          </a:p>
-          <a:p>
+              <a:t>вес </a:t>
+            </a:r>
             <a:r>
               <a:rPr lang="ru-RU" b="1" dirty="0"/>
-              <a:t>Пример: </a:t>
+              <a:t>каждого</a:t>
             </a:r>
             <a:r>
               <a:rPr lang="ru-RU" dirty="0"/>
-              <a:t>селектор</a:t>
+              <a:t> стилевого описания зависит от селективности (выборочности, точности) его селектора. Чем точнее селектор, тем больше вес стилевых описаний, ему соответствующих.</a:t>
+            </a:r>
+          </a:p>
+          <a:p>
+            <a:r>
+              <a:rPr lang="ru-RU" dirty="0"/>
+              <a:t>При указании в любом стилевом описании специального признака </a:t>
             </a:r>
             <a:r>
               <a:rPr lang="ru-RU" b="1" dirty="0"/>
-              <a:t> </a:t>
+              <a:t>!</a:t>
+            </a:r>
+            <a:r>
+              <a:rPr lang="en-US" b="1" dirty="0"/>
+              <a:t>important</a:t>
             </a:r>
             <a:r>
               <a:rPr lang="en-US" dirty="0"/>
-              <a:t>input </a:t>
+              <a:t>, </a:t>
             </a:r>
             <a:r>
               <a:rPr lang="ru-RU" dirty="0"/>
-              <a:t>выберет все элементы </a:t>
-            </a:r>
-            <a:r>
-              <a:rPr lang="ru-RU" dirty="0">
-                <a:hlinkClick r:id="rId2"/>
-              </a:rPr>
-              <a:t>&lt;</a:t>
-            </a:r>
-            <a:r>
-              <a:rPr lang="en-US" dirty="0">
-                <a:hlinkClick r:id="rId2"/>
-              </a:rPr>
-              <a:t>input&gt;</a:t>
-            </a:r>
-            <a:r>
-              <a:rPr lang="en-US" dirty="0"/>
-              <a:t>.</a:t>
-            </a:r>
-            <a:endParaRPr dirty="0"/>
+              <a:t>вес стилевого описания увеличивается в 10.000 раз.</a:t>
+            </a:r>
+            <a:endParaRPr lang="en-US" dirty="0"/>
           </a:p>
         </p:txBody>
       </p:sp>
     </p:spTree>
     <p:extLst>
       <p:ext uri="{BB962C8B-B14F-4D97-AF65-F5344CB8AC3E}">
-        <p14:creationId xmlns:p14="http://schemas.microsoft.com/office/powerpoint/2010/main" val="3769277660"/>
+        <p14:creationId xmlns:p14="http://schemas.microsoft.com/office/powerpoint/2010/main" val="3228902605"/>
       </p:ext>
     </p:extLst>
   </p:cSld>
@@ -9335,13 +9721,18 @@
           <a:lstStyle/>
           <a:p>
             <a:r>
-              <a:rPr lang="en-US" dirty="0">
+              <a:rPr lang="ru-RU" dirty="0">
                 <a:solidFill>
                   <a:srgbClr val="FFFFFF"/>
                 </a:solidFill>
               </a:rPr>
-              <a:t>Float</a:t>
-            </a:r>
+              <a:t>Универсальный селектор</a:t>
+            </a:r>
+            <a:endParaRPr lang="en-US" dirty="0">
+              <a:solidFill>
+                <a:srgbClr val="FFFFFF"/>
+              </a:solidFill>
+            </a:endParaRPr>
           </a:p>
         </p:txBody>
       </p:sp>
@@ -9430,30 +9821,26 @@
           <a:p>
             <a:r>
               <a:rPr lang="ru-RU" dirty="0"/>
-              <a:t>стилевые свойства</a:t>
-            </a:r>
-            <a:endParaRPr lang="en-US" dirty="0"/>
-          </a:p>
-          <a:p>
+              <a:t>Выбирает все элементы. По желанию, он может быть ограничен определённым пространством имён или относиться ко всему пространству имён.</a:t>
+            </a:r>
+          </a:p>
+          <a:p>
+            <a:r>
+              <a:rPr lang="ru-RU" b="1" dirty="0"/>
+              <a:t>Пример:</a:t>
+            </a:r>
             <a:r>
               <a:rPr lang="ru-RU" dirty="0"/>
-              <a:t>их значения</a:t>
-            </a:r>
-            <a:endParaRPr lang="en-US" dirty="0"/>
-          </a:p>
-          <a:p>
-            <a:r>
-              <a:rPr lang="ru-RU" dirty="0"/>
-              <a:t>примеры использования</a:t>
-            </a:r>
-            <a:endParaRPr lang="en-US" dirty="0"/>
+              <a:t> * будет соответствовать всем элементам на странице.</a:t>
+            </a:r>
+            <a:endParaRPr dirty="0"/>
           </a:p>
         </p:txBody>
       </p:sp>
     </p:spTree>
     <p:extLst>
       <p:ext uri="{BB962C8B-B14F-4D97-AF65-F5344CB8AC3E}">
-        <p14:creationId xmlns:p14="http://schemas.microsoft.com/office/powerpoint/2010/main" val="2132182114"/>
+        <p14:creationId xmlns:p14="http://schemas.microsoft.com/office/powerpoint/2010/main" val="1702758838"/>
       </p:ext>
     </p:extLst>
   </p:cSld>
@@ -9694,8 +10081,8 @@
         </p:nvSpPr>
         <p:spPr>
           <a:xfrm>
-            <a:off x="686834" y="1153572"/>
-            <a:ext cx="3200400" cy="4461163"/>
+            <a:off x="-1" y="1153572"/>
+            <a:ext cx="4447309" cy="4461163"/>
           </a:xfrm>
         </p:spPr>
         <p:txBody>
@@ -9710,7 +10097,22 @@
                   <a:srgbClr val="FFFFFF"/>
                 </a:solidFill>
               </a:rPr>
-              <a:t>Селекторы по классу</a:t>
+              <a:t>Веса стилевых </a:t>
+            </a:r>
+            <a:br>
+              <a:rPr lang="ru-RU" dirty="0">
+                <a:solidFill>
+                  <a:srgbClr val="FFFFFF"/>
+                </a:solidFill>
+              </a:rPr>
+            </a:br>
+            <a:r>
+              <a:rPr lang="ru-RU" dirty="0">
+                <a:solidFill>
+                  <a:srgbClr val="FFFFFF"/>
+                </a:solidFill>
+              </a:rPr>
+              <a:t>селекторов</a:t>
             </a:r>
             <a:endParaRPr lang="en-US" dirty="0">
               <a:solidFill>
@@ -9799,60 +10201,111 @@
         </p:spPr>
         <p:txBody>
           <a:bodyPr anchor="ctr">
-            <a:normAutofit/>
+            <a:normAutofit fontScale="92500" lnSpcReduction="10000"/>
           </a:bodyPr>
           <a:lstStyle/>
           <a:p>
             <a:r>
               <a:rPr lang="ru-RU" dirty="0"/>
-              <a:t>Этот базовый селектор выбирает элементы, основываясь на значении их атрибута </a:t>
+              <a:t>каждый тег в селекторе добавляет к весу стилевого описания 1;</a:t>
+            </a:r>
+          </a:p>
+          <a:p>
+            <a:r>
+              <a:rPr lang="ru-RU" dirty="0"/>
+              <a:t>каждый класс и каждый </a:t>
+            </a:r>
+            <a:r>
+              <a:rPr lang="ru-RU" dirty="0" err="1"/>
+              <a:t>псевдокласс</a:t>
+            </a:r>
+            <a:r>
+              <a:rPr lang="ru-RU" dirty="0"/>
+              <a:t> в селекторе добавляет к весу стилевого описания 10;</a:t>
+            </a:r>
+          </a:p>
+          <a:p>
+            <a:r>
+              <a:rPr lang="ru-RU" dirty="0"/>
+              <a:t>каждый идентификатор в селекторе добавляет к весу стилевого описания 100.</a:t>
+            </a:r>
+          </a:p>
+          <a:p>
+            <a:r>
+              <a:rPr lang="ru-RU" dirty="0"/>
+              <a:t>Например, стилевое описание с селектором </a:t>
+            </a:r>
+            <a:r>
+              <a:rPr lang="en-US" b="1" dirty="0" err="1"/>
+              <a:t>p.info</a:t>
+            </a:r>
+            <a:r>
+              <a:rPr lang="en-US" b="1" dirty="0"/>
+              <a:t> span</a:t>
             </a:r>
             <a:r>
               <a:rPr lang="en-US" dirty="0"/>
-              <a:t>class.</a:t>
+              <a:t> </a:t>
+            </a:r>
+            <a:r>
+              <a:rPr lang="ru-RU" dirty="0"/>
+              <a:t>имеет вес 1+10+1 = 12, а стилевое описание с селектором </a:t>
+            </a:r>
+            <a:r>
+              <a:rPr lang="ru-RU" b="1" dirty="0"/>
+              <a:t>#</a:t>
+            </a:r>
+            <a:r>
+              <a:rPr lang="en-US" b="1" dirty="0"/>
+              <a:t>queen span</a:t>
+            </a:r>
+            <a:r>
+              <a:rPr lang="en-US" dirty="0"/>
+              <a:t> — </a:t>
+            </a:r>
+            <a:r>
+              <a:rPr lang="ru-RU" dirty="0"/>
+              <a:t>вес 101.</a:t>
             </a:r>
             <a:br>
               <a:rPr lang="ru-RU" dirty="0"/>
             </a:br>
-            <a:endParaRPr lang="ru-RU" dirty="0"/>
-          </a:p>
-          <a:p>
-            <a:r>
-              <a:rPr lang="ru-RU" b="1" dirty="0"/>
-              <a:t>Пример: </a:t>
-            </a:r>
             <a:r>
               <a:rPr lang="ru-RU" dirty="0"/>
-              <a:t>селектор</a:t>
-            </a:r>
-            <a:r>
-              <a:rPr lang="ru-RU" b="1" dirty="0"/>
-              <a:t> </a:t>
+              <a:t>Если стилевое описание не вынесено в элемент </a:t>
+            </a:r>
+            <a:r>
+              <a:rPr lang="en-US" b="1" dirty="0"/>
+              <a:t>style</a:t>
+            </a:r>
+            <a:r>
+              <a:rPr lang="en-US" dirty="0"/>
+              <a:t>, </a:t>
             </a:r>
             <a:r>
               <a:rPr lang="ru-RU" dirty="0"/>
-              <a:t>.</a:t>
+              <a:t>а указано непосредственно в элементе в атрибуте </a:t>
+            </a:r>
+            <a:r>
+              <a:rPr lang="en-US" b="1" dirty="0"/>
+              <a:t>style</a:t>
             </a:r>
             <a:r>
               <a:rPr lang="en-US" dirty="0"/>
-              <a:t>index </a:t>
+              <a:t>, </a:t>
             </a:r>
             <a:r>
               <a:rPr lang="ru-RU" dirty="0"/>
-              <a:t>выберет все элементы с соответствующим классом (который был определён в атрибуте </a:t>
-            </a:r>
-            <a:r>
-              <a:rPr lang="en-US" dirty="0"/>
-              <a:t>class="index").</a:t>
-            </a:r>
-            <a:endParaRPr dirty="0"/>
+              <a:t>то такое стилевое описание имеет вес 1000.</a:t>
+            </a:r>
+            <a:endParaRPr lang="en-US" dirty="0"/>
           </a:p>
         </p:txBody>
       </p:sp>
     </p:spTree>
     <p:extLst>
       <p:ext uri="{BB962C8B-B14F-4D97-AF65-F5344CB8AC3E}">
-        <p14:creationId xmlns:p14="http://schemas.microsoft.com/office/powerpoint/2010/main" val="1196727546"/>
+        <p14:creationId xmlns:p14="http://schemas.microsoft.com/office/powerpoint/2010/main" val="4139534221"/>
       </p:ext>
     </p:extLst>
   </p:cSld>
@@ -10094,7 +10547,7 @@
         <p:spPr>
           <a:xfrm>
             <a:off x="-1" y="1153572"/>
-            <a:ext cx="4167271" cy="4461163"/>
+            <a:ext cx="4447309" cy="4461163"/>
           </a:xfrm>
         </p:spPr>
         <p:txBody>
@@ -10109,7 +10562,22 @@
                   <a:srgbClr val="FFFFFF"/>
                 </a:solidFill>
               </a:rPr>
-              <a:t>Селекторы по идентификатору</a:t>
+              <a:t>Управление режимом </a:t>
+            </a:r>
+            <a:br>
+              <a:rPr lang="ru-RU" dirty="0">
+                <a:solidFill>
+                  <a:srgbClr val="FFFFFF"/>
+                </a:solidFill>
+              </a:rPr>
+            </a:br>
+            <a:r>
+              <a:rPr lang="ru-RU" dirty="0">
+                <a:solidFill>
+                  <a:srgbClr val="FFFFFF"/>
+                </a:solidFill>
+              </a:rPr>
+              <a:t>отображения</a:t>
             </a:r>
             <a:endParaRPr lang="en-US" dirty="0">
               <a:solidFill>
@@ -10203,67 +10671,77 @@
           <a:lstStyle/>
           <a:p>
             <a:r>
-              <a:rPr lang="ru-RU" dirty="0"/>
-              <a:t>Этот базовый селектор выбирает элементы, основываясь на значении их </a:t>
+              <a:rPr lang="en-US" b="1" dirty="0"/>
+              <a:t>display: block</a:t>
+            </a:r>
+            <a:endParaRPr lang="ru-RU" b="1" dirty="0"/>
+          </a:p>
+          <a:p>
+            <a:r>
+              <a:rPr lang="en-US" b="1" dirty="0"/>
+              <a:t>display: inline</a:t>
+            </a:r>
+            <a:r>
+              <a:rPr lang="ru-RU" b="1" dirty="0"/>
+              <a:t> (</a:t>
+            </a:r>
+            <a:r>
+              <a:rPr lang="ru-RU" i="1" dirty="0"/>
+              <a:t>Понятия «ширина» и «высота» для него не имеют смысла.</a:t>
+            </a:r>
+            <a:r>
+              <a:rPr lang="ru-RU" b="1" dirty="0"/>
+              <a:t>)</a:t>
+            </a:r>
+          </a:p>
+          <a:p>
+            <a:r>
+              <a:rPr lang="en-US" b="1" dirty="0"/>
+              <a:t>display: inline-block</a:t>
+            </a:r>
+            <a:endParaRPr lang="ru-RU" b="1" dirty="0"/>
+          </a:p>
+          <a:p>
+            <a:r>
+              <a:rPr lang="en-US" b="1" dirty="0"/>
+              <a:t>display: inline-table</a:t>
+            </a:r>
+            <a:endParaRPr lang="ru-RU" b="1" dirty="0"/>
+          </a:p>
+          <a:p>
+            <a:r>
+              <a:rPr lang="en-US" b="1" dirty="0"/>
+              <a:t>display: none</a:t>
+            </a:r>
+            <a:endParaRPr lang="ru-RU" b="1" dirty="0"/>
+          </a:p>
+          <a:p>
+            <a:r>
+              <a:rPr lang="en-US" b="1" dirty="0"/>
+              <a:t>display: flex</a:t>
+            </a:r>
+          </a:p>
+          <a:p>
+            <a:r>
+              <a:rPr lang="en-US" b="1" dirty="0"/>
+              <a:t>display </a:t>
             </a:r>
             <a:r>
               <a:rPr lang="en-US" dirty="0"/>
-              <a:t>id </a:t>
-            </a:r>
-            <a:r>
-              <a:rPr lang="ru-RU" dirty="0"/>
-              <a:t>атрибута. Не забывайте, что идентификатор должен быть уникальным, т. е. использоваться только для одного элемента в </a:t>
-            </a:r>
-            <a:r>
-              <a:rPr lang="en-US" dirty="0"/>
-              <a:t>HTML-</a:t>
-            </a:r>
-            <a:r>
-              <a:rPr lang="ru-RU" dirty="0"/>
-              <a:t>документе. </a:t>
-            </a:r>
-            <a:br>
-              <a:rPr lang="ru-RU" dirty="0"/>
-            </a:br>
-            <a:endParaRPr lang="ru-RU" dirty="0"/>
-          </a:p>
-          <a:p>
-            <a:r>
-              <a:rPr lang="ru-RU" b="1" dirty="0"/>
-              <a:t>Пример: </a:t>
-            </a:r>
-            <a:r>
-              <a:rPr lang="ru-RU" dirty="0"/>
-              <a:t>селектор #</a:t>
-            </a:r>
-            <a:r>
-              <a:rPr lang="en-US" dirty="0"/>
-              <a:t>toc </a:t>
-            </a:r>
-            <a:r>
-              <a:rPr lang="ru-RU" dirty="0"/>
-              <a:t>выберет элемент с идентификатором </a:t>
-            </a:r>
-            <a:r>
-              <a:rPr lang="en-US" dirty="0"/>
-              <a:t>toc (</a:t>
-            </a:r>
-            <a:r>
-              <a:rPr lang="ru-RU" dirty="0"/>
-              <a:t>который был определён в атрибуте </a:t>
-            </a:r>
-            <a:r>
-              <a:rPr lang="en-US" dirty="0"/>
-              <a:t>id="toc").</a:t>
-            </a:r>
-            <a:endParaRPr dirty="0"/>
+              <a:t>: </a:t>
+            </a:r>
+            <a:r>
+              <a:rPr lang="en-US" b="1" dirty="0"/>
+              <a:t>grid</a:t>
+            </a:r>
+            <a:endParaRPr lang="en-US" dirty="0"/>
           </a:p>
         </p:txBody>
       </p:sp>
     </p:spTree>
     <p:extLst>
       <p:ext uri="{BB962C8B-B14F-4D97-AF65-F5344CB8AC3E}">
-        <p14:creationId xmlns:p14="http://schemas.microsoft.com/office/powerpoint/2010/main" val="195125991"/>
+        <p14:creationId xmlns:p14="http://schemas.microsoft.com/office/powerpoint/2010/main" val="3150602463"/>
       </p:ext>
     </p:extLst>
   </p:cSld>
@@ -10504,8 +10982,8 @@
         </p:nvSpPr>
         <p:spPr>
           <a:xfrm>
-            <a:off x="686834" y="1153572"/>
-            <a:ext cx="3200400" cy="4461163"/>
+            <a:off x="-1" y="1153572"/>
+            <a:ext cx="4447309" cy="4461163"/>
           </a:xfrm>
         </p:spPr>
         <p:txBody>
@@ -10520,7 +10998,7 @@
                   <a:srgbClr val="FFFFFF"/>
                 </a:solidFill>
               </a:rPr>
-              <a:t>Селекторы по атрибуту</a:t>
+              <a:t>Управление видимостью</a:t>
             </a:r>
             <a:endParaRPr lang="en-US" dirty="0">
               <a:solidFill>
@@ -10614,112 +11092,70 @@
           <a:lstStyle/>
           <a:p>
             <a:r>
+              <a:rPr lang="en-US" b="1" dirty="0"/>
+              <a:t>visibility: visible</a:t>
+            </a:r>
+            <a:r>
+              <a:rPr lang="en-US" dirty="0"/>
+              <a:t> — </a:t>
+            </a:r>
+            <a:r>
               <a:rPr lang="ru-RU" dirty="0"/>
-              <a:t>Этот селектор выбирает все элементы, имеющие данный атрибут или атрибут с определённым значением.</a:t>
-            </a:r>
-          </a:p>
-          <a:p>
+              <a:t>видимый элемент (как обычно).</a:t>
+            </a:r>
+          </a:p>
+          <a:p>
+            <a:r>
+              <a:rPr lang="en-US" b="1" dirty="0"/>
+              <a:t>visibility: hidden</a:t>
+            </a:r>
+            <a:r>
+              <a:rPr lang="en-US" dirty="0"/>
+              <a:t> — </a:t>
+            </a:r>
+            <a:r>
+              <a:rPr lang="ru-RU" dirty="0"/>
+              <a:t>элемент и всё его содержимое невидимы, при этом они </a:t>
+            </a:r>
             <a:r>
               <a:rPr lang="ru-RU" b="1" dirty="0"/>
-              <a:t>Пример: </a:t>
+              <a:t>занимают положенное им место на веб-</a:t>
+            </a:r>
+            <a:r>
+              <a:rPr lang="ru-RU" b="1" dirty="0" err="1"/>
+              <a:t>страни</a:t>
+            </a:r>
+            <a:endParaRPr lang="ru-RU" b="1" dirty="0"/>
+          </a:p>
+          <a:p>
+            <a:r>
+              <a:rPr lang="en-US" b="1" dirty="0"/>
+              <a:t>opacity </a:t>
+            </a:r>
+            <a:r>
+              <a:rPr lang="ru-RU" b="1" dirty="0" err="1"/>
+              <a:t>це</a:t>
             </a:r>
             <a:r>
               <a:rPr lang="ru-RU" dirty="0"/>
-              <a:t>селектор [</a:t>
-            </a:r>
-            <a:r>
-              <a:rPr lang="en-US" dirty="0" err="1"/>
-              <a:t>autoplay</a:t>
+              <a:t>, в отличие от </a:t>
+            </a:r>
+            <a:r>
+              <a:rPr lang="en-US" b="1" dirty="0"/>
+              <a:t>display: none</a:t>
             </a:r>
             <a:r>
               <a:rPr lang="en-US" dirty="0"/>
-              <a:t>] </a:t>
-            </a:r>
-            <a:r>
-              <a:rPr lang="ru-RU" dirty="0"/>
-              <a:t>выберет все элементы, у которых есть  атрибут </a:t>
-            </a:r>
-            <a:r>
-              <a:rPr lang="en-US" dirty="0" err="1"/>
-              <a:t>autoplay</a:t>
-            </a:r>
-            <a:r>
-              <a:rPr lang="en-US" dirty="0"/>
-              <a:t> (</a:t>
-            </a:r>
-            <a:r>
-              <a:rPr lang="ru-RU" dirty="0"/>
-              <a:t>независимо от его значения).</a:t>
-            </a:r>
-          </a:p>
-          <a:p>
-            <a:r>
-              <a:rPr lang="ru-RU" b="1" dirty="0"/>
-              <a:t>Ещё пример</a:t>
-            </a:r>
-            <a:r>
-              <a:rPr lang="ru-RU" dirty="0"/>
-              <a:t>: </a:t>
-            </a:r>
-            <a:r>
-              <a:rPr lang="en-US" dirty="0"/>
-              <a:t>a[</a:t>
-            </a:r>
-            <a:r>
-              <a:rPr lang="en-US" dirty="0" err="1"/>
-              <a:t>href</a:t>
-            </a:r>
-            <a:r>
-              <a:rPr lang="en-US" dirty="0"/>
-              <a:t>$=".jpg"] </a:t>
-            </a:r>
-            <a:r>
-              <a:rPr lang="ru-RU" dirty="0"/>
-              <a:t>выберет все ссылки, у которых адрес заканчивается на ".</a:t>
-            </a:r>
-            <a:r>
-              <a:rPr lang="en-US" dirty="0"/>
-              <a:t>jpg".</a:t>
-            </a:r>
-            <a:endParaRPr lang="ru-RU" dirty="0"/>
-          </a:p>
-          <a:p>
-            <a:r>
-              <a:rPr lang="ru-RU" b="1" dirty="0"/>
-              <a:t>Ещё пример</a:t>
-            </a:r>
-            <a:r>
-              <a:rPr lang="ru-RU" dirty="0"/>
-              <a:t>: </a:t>
-            </a:r>
-            <a:r>
-              <a:rPr lang="en-US" dirty="0"/>
-              <a:t>a[</a:t>
-            </a:r>
-            <a:r>
-              <a:rPr lang="en-US" dirty="0" err="1"/>
-              <a:t>href</a:t>
-            </a:r>
-            <a:r>
-              <a:rPr lang="en-US" dirty="0"/>
-              <a:t>^="https"] </a:t>
-            </a:r>
-            <a:r>
-              <a:rPr lang="ru-RU" dirty="0"/>
-              <a:t>выберет все ссылки, у которых адрес начинается на "</a:t>
-            </a:r>
-            <a:r>
-              <a:rPr lang="en-US" dirty="0"/>
-              <a:t>https".</a:t>
-            </a:r>
-            <a:endParaRPr dirty="0"/>
+              <a:t>.</a:t>
+            </a:r>
+            <a:endParaRPr lang="ru-RU" b="1" dirty="0"/>
           </a:p>
         </p:txBody>
       </p:sp>
     </p:spTree>
     <p:extLst>
       <p:ext uri="{BB962C8B-B14F-4D97-AF65-F5344CB8AC3E}">
-        <p14:creationId xmlns:p14="http://schemas.microsoft.com/office/powerpoint/2010/main" val="2525571753"/>
+        <p14:creationId xmlns:p14="http://schemas.microsoft.com/office/powerpoint/2010/main" val="3041312533"/>
       </p:ext>
     </p:extLst>
   </p:cSld>
@@ -10960,8 +11396,8 @@
         </p:nvSpPr>
         <p:spPr>
           <a:xfrm>
-            <a:off x="311972" y="1153572"/>
-            <a:ext cx="3575262" cy="4461163"/>
+            <a:off x="-1" y="1153572"/>
+            <a:ext cx="4447309" cy="4461163"/>
           </a:xfrm>
         </p:spPr>
         <p:txBody>
@@ -10976,7 +11412,7 @@
                   <a:srgbClr val="FFFFFF"/>
                 </a:solidFill>
               </a:rPr>
-              <a:t>Комбинаторы</a:t>
+              <a:t>Разбор ДЗ</a:t>
             </a:r>
             <a:endParaRPr lang="en-US" dirty="0">
               <a:solidFill>
@@ -11069,14 +11505,26 @@
           </a:bodyPr>
           <a:lstStyle/>
           <a:p>
-            <a:endParaRPr dirty="0"/>
+            <a:r>
+              <a:rPr lang="en-US" b="1" dirty="0"/>
+              <a:t>http://</a:t>
+            </a:r>
+            <a:r>
+              <a:rPr lang="en-US" b="1" dirty="0" err="1"/>
+              <a:t>fe.it-academy.by</a:t>
+            </a:r>
+            <a:r>
+              <a:rPr lang="en-US" b="1"/>
+              <a:t>/Materials/HTMLCSS_V14/HTMLCSS_6.html#ANCHOR1</a:t>
+            </a:r>
+            <a:endParaRPr lang="ru-RU" b="1" dirty="0"/>
           </a:p>
         </p:txBody>
       </p:sp>
     </p:spTree>
     <p:extLst>
       <p:ext uri="{BB962C8B-B14F-4D97-AF65-F5344CB8AC3E}">
-        <p14:creationId xmlns:p14="http://schemas.microsoft.com/office/powerpoint/2010/main" val="1305922272"/>
+        <p14:creationId xmlns:p14="http://schemas.microsoft.com/office/powerpoint/2010/main" val="939813172"/>
       </p:ext>
     </p:extLst>
   </p:cSld>
@@ -11086,7 +11534,7 @@
 </p:sld>
 </file>
 
-<file path=ppt/slides/slide24.xml><?xml version="1.0" encoding="utf-8"?>
+<file path=ppt/slides/slide3.xml><?xml version="1.0" encoding="utf-8"?>
 <p:sld xmlns:a="http://schemas.openxmlformats.org/drawingml/2006/main" xmlns:r="http://schemas.openxmlformats.org/officeDocument/2006/relationships" xmlns:p="http://schemas.openxmlformats.org/presentationml/2006/main">
   <p:cSld>
     <p:bg>
@@ -11333,22 +11781,7 @@
                   <a:srgbClr val="FFFFFF"/>
                 </a:solidFill>
               </a:rPr>
-              <a:t>Комбинатор</a:t>
-            </a:r>
-            <a:br>
-              <a:rPr lang="ru-RU" dirty="0">
-                <a:solidFill>
-                  <a:srgbClr val="FFFFFF"/>
-                </a:solidFill>
-              </a:rPr>
-            </a:br>
-            <a:r>
-              <a:rPr lang="ru-RU" dirty="0">
-                <a:solidFill>
-                  <a:srgbClr val="FFFFFF"/>
-                </a:solidFill>
-              </a:rPr>
-              <a:t>запятая</a:t>
+              <a:t>Селекторы по типу элемента</a:t>
             </a:r>
             <a:endParaRPr lang="en-US" dirty="0">
               <a:solidFill>
@@ -11443,57 +11876,45 @@
           <a:p>
             <a:r>
               <a:rPr lang="ru-RU" dirty="0"/>
-              <a:t>Комбинатор , это способ группировки, он выбирает все совпадающие узлы.</a:t>
-            </a:r>
+              <a:t>Этот базовый селектор выбирает тип элементов, к которым будет применяться правило.</a:t>
+            </a:r>
+            <a:br>
+              <a:rPr lang="ru-RU" dirty="0"/>
+            </a:br>
+            <a:endParaRPr lang="ru-RU" dirty="0"/>
           </a:p>
           <a:p>
             <a:r>
               <a:rPr lang="ru-RU" b="1" dirty="0"/>
-              <a:t>Пример:</a:t>
+              <a:t>Пример: </a:t>
             </a:r>
             <a:r>
               <a:rPr lang="ru-RU" dirty="0"/>
+              <a:t>селектор</a:t>
+            </a:r>
+            <a:r>
+              <a:rPr lang="ru-RU" b="1" dirty="0"/>
               <a:t> </a:t>
             </a:r>
             <a:r>
               <a:rPr lang="en-US" dirty="0"/>
-              <a:t>div, span </a:t>
+              <a:t>input </a:t>
             </a:r>
             <a:r>
               <a:rPr lang="ru-RU" dirty="0"/>
-              <a:t>выберет оба элемента - и </a:t>
-            </a:r>
-            <a:r>
-              <a:rPr lang="ru-RU" u="sng" dirty="0">
+              <a:t>выберет все элементы </a:t>
+            </a:r>
+            <a:r>
+              <a:rPr lang="ru-RU" dirty="0">
                 <a:hlinkClick r:id="rId2"/>
               </a:rPr>
               <a:t>&lt;</a:t>
             </a:r>
             <a:r>
-              <a:rPr lang="en-US" u="sng" dirty="0">
+              <a:rPr lang="en-US" dirty="0">
                 <a:hlinkClick r:id="rId2"/>
               </a:rPr>
-              <a:t>div&gt;</a:t>
-            </a:r>
-            <a:r>
-              <a:rPr lang="en-US" dirty="0"/>
-              <a:t> </a:t>
-            </a:r>
-            <a:r>
-              <a:rPr lang="ru-RU" dirty="0"/>
-              <a:t>и </a:t>
-            </a:r>
-            <a:r>
-              <a:rPr lang="ru-RU" u="sng" dirty="0">
-                <a:hlinkClick r:id="rId3"/>
-              </a:rPr>
-              <a:t>&lt;</a:t>
-            </a:r>
-            <a:r>
-              <a:rPr lang="en-US" u="sng" dirty="0">
-                <a:hlinkClick r:id="rId3"/>
-              </a:rPr>
-              <a:t>span&gt;</a:t>
+              <a:t>input&gt;</a:t>
             </a:r>
             <a:r>
               <a:rPr lang="en-US" dirty="0"/>
@@ -11506,7 +11927,7 @@
     </p:spTree>
     <p:extLst>
       <p:ext uri="{BB962C8B-B14F-4D97-AF65-F5344CB8AC3E}">
-        <p14:creationId xmlns:p14="http://schemas.microsoft.com/office/powerpoint/2010/main" val="1308126701"/>
+        <p14:creationId xmlns:p14="http://schemas.microsoft.com/office/powerpoint/2010/main" val="3769277660"/>
       </p:ext>
     </p:extLst>
   </p:cSld>
@@ -11516,7 +11937,7 @@
 </p:sld>
 </file>
 
-<file path=ppt/slides/slide25.xml><?xml version="1.0" encoding="utf-8"?>
+<file path=ppt/slides/slide4.xml><?xml version="1.0" encoding="utf-8"?>
 <p:sld xmlns:a="http://schemas.openxmlformats.org/drawingml/2006/main" xmlns:r="http://schemas.openxmlformats.org/officeDocument/2006/relationships" xmlns:p="http://schemas.openxmlformats.org/presentationml/2006/main">
   <p:cSld>
     <p:bg>
@@ -11747,8 +12168,8 @@
         </p:nvSpPr>
         <p:spPr>
           <a:xfrm>
-            <a:off x="311972" y="1153572"/>
-            <a:ext cx="3575262" cy="4461163"/>
+            <a:off x="686834" y="1153572"/>
+            <a:ext cx="3200400" cy="4461163"/>
           </a:xfrm>
         </p:spPr>
         <p:txBody>
@@ -11763,38 +12184,7 @@
                   <a:srgbClr val="FFFFFF"/>
                 </a:solidFill>
               </a:rPr>
-              <a:t>Комбинатор</a:t>
-            </a:r>
-            <a:br>
-              <a:rPr lang="ru-RU" dirty="0">
-                <a:solidFill>
-                  <a:srgbClr val="FFFFFF"/>
-                </a:solidFill>
-              </a:rPr>
-            </a:br>
-            <a:r>
-              <a:rPr lang="ru-RU" dirty="0">
-                <a:solidFill>
-                  <a:srgbClr val="FFFFFF"/>
-                </a:solidFill>
-              </a:rPr>
-              <a:t>пробел </a:t>
-            </a:r>
-            <a:r>
-              <a:rPr lang="en-US" dirty="0">
-                <a:solidFill>
-                  <a:srgbClr val="FFFFFF"/>
-                </a:solidFill>
-              </a:rPr>
-              <a:t>’ ‘</a:t>
-            </a:r>
-            <a:r>
-              <a:rPr lang="ru-RU" dirty="0">
-                <a:solidFill>
-                  <a:srgbClr val="FFFFFF"/>
-                </a:solidFill>
-              </a:rPr>
-              <a:t> </a:t>
+              <a:t>Селекторы по классу</a:t>
             </a:r>
             <a:endParaRPr lang="en-US" dirty="0">
               <a:solidFill>
@@ -11889,12 +12279,15 @@
           <a:p>
             <a:r>
               <a:rPr lang="ru-RU" dirty="0"/>
-              <a:t>Комбинатор ' ' (пробел) выбирает элементы, которые находятся внутри указанного элемента (вне зависимости от уровня вложенности).</a:t>
+              <a:t>Этот базовый селектор выбирает элементы, основываясь на значении их атрибута </a:t>
             </a:r>
             <a:r>
               <a:rPr lang="en-US" dirty="0"/>
-              <a:t> </a:t>
-            </a:r>
+              <a:t>class.</a:t>
+            </a:r>
+            <a:br>
+              <a:rPr lang="ru-RU" dirty="0"/>
+            </a:br>
             <a:endParaRPr lang="ru-RU" dirty="0"/>
           </a:p>
           <a:p>
@@ -11904,51 +12297,27 @@
             </a:r>
             <a:r>
               <a:rPr lang="ru-RU" dirty="0"/>
-              <a:t>селектор </a:t>
+              <a:t>селектор</a:t>
+            </a:r>
+            <a:r>
+              <a:rPr lang="ru-RU" b="1" dirty="0"/>
+              <a:t> </a:t>
+            </a:r>
+            <a:r>
+              <a:rPr lang="ru-RU" dirty="0"/>
+              <a:t>.</a:t>
             </a:r>
             <a:r>
               <a:rPr lang="en-US" dirty="0"/>
-              <a:t>div span </a:t>
+              <a:t>index </a:t>
             </a:r>
             <a:r>
               <a:rPr lang="ru-RU" dirty="0"/>
-              <a:t>выберет все элементы </a:t>
-            </a:r>
-            <a:r>
-              <a:rPr lang="ru-RU" u="sng" dirty="0">
-                <a:hlinkClick r:id="rId2"/>
-              </a:rPr>
-              <a:t>&lt;</a:t>
-            </a:r>
-            <a:r>
-              <a:rPr lang="en-US" u="sng" dirty="0">
-                <a:hlinkClick r:id="rId2"/>
-              </a:rPr>
-              <a:t>span&gt;</a:t>
+              <a:t>выберет все элементы с соответствующим классом (который был определён в атрибуте </a:t>
             </a:r>
             <a:r>
               <a:rPr lang="en-US" dirty="0"/>
-              <a:t>, </a:t>
-            </a:r>
-            <a:r>
-              <a:rPr lang="ru-RU" dirty="0"/>
-              <a:t>которые находятся внутри элемента </a:t>
-            </a:r>
-            <a:r>
-              <a:rPr lang="ru-RU" u="sng" dirty="0">
-                <a:hlinkClick r:id="rId3"/>
-              </a:rPr>
-              <a:t>&lt;</a:t>
-            </a:r>
-            <a:r>
-              <a:rPr lang="en-US" u="sng" dirty="0">
-                <a:hlinkClick r:id="rId3"/>
-              </a:rPr>
-              <a:t>div&gt;</a:t>
-            </a:r>
-            <a:r>
-              <a:rPr lang="en-US" dirty="0"/>
-              <a:t>.</a:t>
+              <a:t>class="index").</a:t>
             </a:r>
             <a:endParaRPr dirty="0"/>
           </a:p>
@@ -11957,7 +12326,7 @@
     </p:spTree>
     <p:extLst>
       <p:ext uri="{BB962C8B-B14F-4D97-AF65-F5344CB8AC3E}">
-        <p14:creationId xmlns:p14="http://schemas.microsoft.com/office/powerpoint/2010/main" val="4103702878"/>
+        <p14:creationId xmlns:p14="http://schemas.microsoft.com/office/powerpoint/2010/main" val="1196727546"/>
       </p:ext>
     </p:extLst>
   </p:cSld>
@@ -11967,7 +12336,7 @@
 </p:sld>
 </file>
 
-<file path=ppt/slides/slide26.xml><?xml version="1.0" encoding="utf-8"?>
+<file path=ppt/slides/slide5.xml><?xml version="1.0" encoding="utf-8"?>
 <p:sld xmlns:a="http://schemas.openxmlformats.org/drawingml/2006/main" xmlns:r="http://schemas.openxmlformats.org/officeDocument/2006/relationships" xmlns:p="http://schemas.openxmlformats.org/presentationml/2006/main">
   <p:cSld>
     <p:bg>
@@ -12198,8 +12567,8 @@
         </p:nvSpPr>
         <p:spPr>
           <a:xfrm>
-            <a:off x="311972" y="1153572"/>
-            <a:ext cx="3575262" cy="4461163"/>
+            <a:off x="-1" y="1153572"/>
+            <a:ext cx="4167271" cy="4461163"/>
           </a:xfrm>
         </p:spPr>
         <p:txBody>
@@ -12214,7 +12583,7 @@
                   <a:srgbClr val="FFFFFF"/>
                 </a:solidFill>
               </a:rPr>
-              <a:t>Дочерние селекторы</a:t>
+              <a:t>Селекторы по идентификатору</a:t>
             </a:r>
             <a:endParaRPr lang="en-US" dirty="0">
               <a:solidFill>
@@ -12309,8 +12678,28 @@
           <a:p>
             <a:r>
               <a:rPr lang="ru-RU" dirty="0"/>
-              <a:t>Комбинатор '&gt;' в отличие от пробела выбирает только те элементы, которые являются дочерними непосредственно по отношению к указанному элементу.</a:t>
-            </a:r>
+              <a:t>Этот базовый селектор выбирает элементы, основываясь на значении их </a:t>
+            </a:r>
+            <a:r>
+              <a:rPr lang="en-US" dirty="0"/>
+              <a:t>id </a:t>
+            </a:r>
+            <a:r>
+              <a:rPr lang="ru-RU" dirty="0"/>
+              <a:t>атрибута. Не забывайте, что идентификатор должен быть уникальным, т. е. использоваться только для одного элемента в </a:t>
+            </a:r>
+            <a:r>
+              <a:rPr lang="en-US" dirty="0"/>
+              <a:t>HTML-</a:t>
+            </a:r>
+            <a:r>
+              <a:rPr lang="ru-RU" dirty="0"/>
+              <a:t>документе. </a:t>
+            </a:r>
+            <a:br>
+              <a:rPr lang="ru-RU" dirty="0"/>
+            </a:br>
+            <a:endParaRPr lang="ru-RU" dirty="0"/>
           </a:p>
           <a:p>
             <a:r>
@@ -12319,59 +12708,27 @@
             </a:r>
             <a:r>
               <a:rPr lang="ru-RU" dirty="0"/>
-              <a:t>селектор</a:t>
-            </a:r>
-            <a:r>
-              <a:rPr lang="ru-RU" b="1" dirty="0"/>
-              <a:t> </a:t>
-            </a:r>
-            <a:r>
-              <a:rPr lang="en-US" dirty="0" err="1"/>
-              <a:t>ul</a:t>
+              <a:t>селектор #</a:t>
             </a:r>
             <a:r>
               <a:rPr lang="en-US" dirty="0"/>
-              <a:t> &gt; li </a:t>
+              <a:t>toc </a:t>
             </a:r>
             <a:r>
               <a:rPr lang="ru-RU" dirty="0"/>
-              <a:t>выберет только дочерние элементы </a:t>
-            </a:r>
-            <a:r>
-              <a:rPr lang="ru-RU" u="sng" dirty="0">
-                <a:hlinkClick r:id="rId2"/>
-              </a:rPr>
-              <a:t>&lt;</a:t>
-            </a:r>
-            <a:r>
-              <a:rPr lang="en-US" u="sng" dirty="0">
-                <a:hlinkClick r:id="rId2"/>
-              </a:rPr>
-              <a:t>li&gt;</a:t>
+              <a:t>выберет элемент с идентификатором </a:t>
             </a:r>
             <a:r>
               <a:rPr lang="en-US" dirty="0"/>
-              <a:t>, </a:t>
+              <a:t>toc (</a:t>
             </a:r>
             <a:r>
               <a:rPr lang="ru-RU" dirty="0"/>
-              <a:t>которые находятся внутри, на первом уровне вложенности по отношению к элементу </a:t>
-            </a:r>
-            <a:r>
-              <a:rPr lang="ru-RU" u="sng" dirty="0">
-                <a:hlinkClick r:id="rId3"/>
-              </a:rPr>
-              <a:t>&lt;</a:t>
-            </a:r>
-            <a:r>
-              <a:rPr lang="en-US" u="sng" dirty="0">
-                <a:hlinkClick r:id="rId3"/>
-              </a:rPr>
-              <a:t>ul&gt;</a:t>
+              <a:t>который был определён в атрибуте </a:t>
             </a:r>
             <a:r>
               <a:rPr lang="en-US" dirty="0"/>
-              <a:t>.</a:t>
+              <a:t>id="toc").</a:t>
             </a:r>
             <a:endParaRPr dirty="0"/>
           </a:p>
@@ -12380,7 +12737,7 @@
     </p:spTree>
     <p:extLst>
       <p:ext uri="{BB962C8B-B14F-4D97-AF65-F5344CB8AC3E}">
-        <p14:creationId xmlns:p14="http://schemas.microsoft.com/office/powerpoint/2010/main" val="464500564"/>
+        <p14:creationId xmlns:p14="http://schemas.microsoft.com/office/powerpoint/2010/main" val="195125991"/>
       </p:ext>
     </p:extLst>
   </p:cSld>
@@ -12390,7 +12747,7 @@
 </p:sld>
 </file>
 
-<file path=ppt/slides/slide27.xml><?xml version="1.0" encoding="utf-8"?>
+<file path=ppt/slides/slide6.xml><?xml version="1.0" encoding="utf-8"?>
 <p:sld xmlns:a="http://schemas.openxmlformats.org/drawingml/2006/main" xmlns:r="http://schemas.openxmlformats.org/officeDocument/2006/relationships" xmlns:p="http://schemas.openxmlformats.org/presentationml/2006/main">
   <p:cSld>
     <p:bg>
@@ -12621,8 +12978,8 @@
         </p:nvSpPr>
         <p:spPr>
           <a:xfrm>
-            <a:off x="311972" y="1153572"/>
-            <a:ext cx="3575262" cy="4461163"/>
+            <a:off x="686834" y="1153572"/>
+            <a:ext cx="3200400" cy="4461163"/>
           </a:xfrm>
         </p:spPr>
         <p:txBody>
@@ -12637,37 +12994,7 @@
                   <a:srgbClr val="FFFFFF"/>
                 </a:solidFill>
               </a:rPr>
-              <a:t>Комбинатор</a:t>
-            </a:r>
-            <a:br>
-              <a:rPr lang="ru-RU" dirty="0">
-                <a:solidFill>
-                  <a:srgbClr val="FFFFFF"/>
-                </a:solidFill>
-              </a:rPr>
-            </a:br>
-            <a:r>
-              <a:rPr lang="ru-RU" dirty="0">
-                <a:solidFill>
-                  <a:srgbClr val="FFFFFF"/>
-                </a:solidFill>
-              </a:rPr>
-              <a:t>всех </a:t>
-            </a:r>
-            <a:br>
-              <a:rPr lang="ru-RU" dirty="0">
-                <a:solidFill>
-                  <a:srgbClr val="FFFFFF"/>
-                </a:solidFill>
-              </a:rPr>
-            </a:br>
-            <a:r>
-              <a:rPr lang="ru-RU" dirty="0">
-                <a:solidFill>
-                  <a:srgbClr val="FFFFFF"/>
-                </a:solidFill>
-              </a:rPr>
-              <a:t>соседних элементов</a:t>
+              <a:t>Селекторы по атрибуту</a:t>
             </a:r>
             <a:endParaRPr lang="en-US" dirty="0">
               <a:solidFill>
@@ -12762,69 +13089,102 @@
           <a:p>
             <a:r>
               <a:rPr lang="ru-RU" dirty="0"/>
-              <a:t>Комбинатор '~' выбирает элементы, которые находятся на этом же уровне вложенности, после указанного элемента, с тем же родителем.</a:t>
-            </a:r>
-            <a:br>
+              <a:t>Этот селектор выбирает все элементы, имеющие данный атрибут или атрибут с определённым значением.</a:t>
+            </a:r>
+          </a:p>
+          <a:p>
+            <a:r>
+              <a:rPr lang="ru-RU" b="1" dirty="0"/>
+              <a:t>Пример: </a:t>
+            </a:r>
+            <a:r>
+              <a:rPr lang="ru-RU" dirty="0"/>
+              <a:t>селектор [</a:t>
+            </a:r>
+            <a:r>
+              <a:rPr lang="en-US" dirty="0" err="1"/>
+              <a:t>autoplay</a:t>
+            </a:r>
+            <a:r>
               <a:rPr lang="en-US" dirty="0"/>
-            </a:br>
+              <a:t>] </a:t>
+            </a:r>
+            <a:r>
+              <a:rPr lang="ru-RU" dirty="0"/>
+              <a:t>выберет все элементы, у которых есть  атрибут </a:t>
+            </a:r>
+            <a:r>
+              <a:rPr lang="en-US" dirty="0" err="1"/>
+              <a:t>autoplay</a:t>
+            </a:r>
+            <a:r>
+              <a:rPr lang="en-US" dirty="0"/>
+              <a:t> (</a:t>
+            </a:r>
+            <a:r>
+              <a:rPr lang="ru-RU" dirty="0"/>
+              <a:t>независимо от его значения).</a:t>
+            </a:r>
+          </a:p>
+          <a:p>
+            <a:r>
+              <a:rPr lang="ru-RU" b="1" dirty="0"/>
+              <a:t>Ещё пример</a:t>
+            </a:r>
+            <a:r>
+              <a:rPr lang="ru-RU" dirty="0"/>
+              <a:t>: </a:t>
+            </a:r>
+            <a:r>
+              <a:rPr lang="en-US" dirty="0"/>
+              <a:t>a[</a:t>
+            </a:r>
+            <a:r>
+              <a:rPr lang="en-US" dirty="0" err="1"/>
+              <a:t>href</a:t>
+            </a:r>
+            <a:r>
+              <a:rPr lang="en-US" dirty="0"/>
+              <a:t>$=".jpg"] </a:t>
+            </a:r>
+            <a:r>
+              <a:rPr lang="ru-RU" dirty="0"/>
+              <a:t>выберет все ссылки, у которых адрес заканчивается на ".</a:t>
+            </a:r>
+            <a:r>
+              <a:rPr lang="en-US" dirty="0"/>
+              <a:t>jpg".</a:t>
+            </a:r>
             <a:endParaRPr lang="ru-RU" dirty="0"/>
           </a:p>
           <a:p>
             <a:r>
               <a:rPr lang="ru-RU" b="1" dirty="0"/>
-              <a:t>Пример:</a:t>
+              <a:t>Ещё пример</a:t>
             </a:r>
             <a:r>
               <a:rPr lang="ru-RU" dirty="0"/>
-              <a:t> </a:t>
+              <a:t>: </a:t>
             </a:r>
             <a:r>
               <a:rPr lang="en-US" dirty="0"/>
-              <a:t>p ~ span </a:t>
+              <a:t>a[</a:t>
+            </a:r>
+            <a:r>
+              <a:rPr lang="en-US" dirty="0" err="1"/>
+              <a:t>href</a:t>
+            </a:r>
+            <a:r>
+              <a:rPr lang="en-US" dirty="0"/>
+              <a:t>^="https"] </a:t>
             </a:r>
             <a:r>
               <a:rPr lang="ru-RU" dirty="0"/>
-              <a:t>выберет все элементы </a:t>
-            </a:r>
-            <a:r>
-              <a:rPr lang="ru-RU" u="sng" dirty="0">
-                <a:hlinkClick r:id="rId2"/>
-              </a:rPr>
-              <a:t>&lt;</a:t>
-            </a:r>
-            <a:r>
-              <a:rPr lang="en-US" u="sng" dirty="0">
-                <a:hlinkClick r:id="rId2"/>
-              </a:rPr>
-              <a:t>span&gt;</a:t>
+              <a:t>выберет все ссылки, у которых адрес начинается на "</a:t>
             </a:r>
             <a:r>
               <a:rPr lang="en-US" dirty="0"/>
-              <a:t>, </a:t>
-            </a:r>
-            <a:r>
-              <a:rPr lang="ru-RU" dirty="0"/>
-              <a:t>которые находятся после элемента </a:t>
-            </a:r>
-            <a:r>
-              <a:rPr lang="ru-RU" u="sng" dirty="0">
-                <a:hlinkClick r:id="rId3"/>
-              </a:rPr>
-              <a:t>&lt;</a:t>
-            </a:r>
-            <a:r>
-              <a:rPr lang="en-US" u="sng" dirty="0">
-                <a:hlinkClick r:id="rId3"/>
-              </a:rPr>
-              <a:t>p&gt;</a:t>
-            </a:r>
-            <a:r>
-              <a:rPr lang="en-US" dirty="0"/>
-              <a:t> </a:t>
-            </a:r>
-            <a:r>
-              <a:rPr lang="ru-RU" dirty="0"/>
-              <a:t>внутри одного родителя</a:t>
+              <a:t>https".</a:t>
             </a:r>
             <a:endParaRPr dirty="0"/>
           </a:p>
@@ -12833,7 +13193,7 @@
     </p:spTree>
     <p:extLst>
       <p:ext uri="{BB962C8B-B14F-4D97-AF65-F5344CB8AC3E}">
-        <p14:creationId xmlns:p14="http://schemas.microsoft.com/office/powerpoint/2010/main" val="1644170408"/>
+        <p14:creationId xmlns:p14="http://schemas.microsoft.com/office/powerpoint/2010/main" val="2525571753"/>
       </p:ext>
     </p:extLst>
   </p:cSld>
@@ -12843,7 +13203,7 @@
 </p:sld>
 </file>
 
-<file path=ppt/slides/slide28.xml><?xml version="1.0" encoding="utf-8"?>
+<file path=ppt/slides/slide7.xml><?xml version="1.0" encoding="utf-8"?>
 <p:sld xmlns:a="http://schemas.openxmlformats.org/drawingml/2006/main" xmlns:r="http://schemas.openxmlformats.org/officeDocument/2006/relationships" xmlns:p="http://schemas.openxmlformats.org/presentationml/2006/main">
   <p:cSld>
     <p:bg>
@@ -13090,52 +13450,7 @@
                   <a:srgbClr val="FFFFFF"/>
                 </a:solidFill>
               </a:rPr>
-              <a:t>Комбинатор</a:t>
-            </a:r>
-            <a:br>
-              <a:rPr lang="ru-RU" dirty="0">
-                <a:solidFill>
-                  <a:srgbClr val="FFFFFF"/>
-                </a:solidFill>
-              </a:rPr>
-            </a:br>
-            <a:r>
-              <a:rPr lang="ru-RU" dirty="0">
-                <a:solidFill>
-                  <a:srgbClr val="FFFFFF"/>
-                </a:solidFill>
-              </a:rPr>
-              <a:t>следующего</a:t>
-            </a:r>
-            <a:br>
-              <a:rPr lang="ru-RU" dirty="0">
-                <a:solidFill>
-                  <a:srgbClr val="FFFFFF"/>
-                </a:solidFill>
-              </a:rPr>
-            </a:br>
-            <a:r>
-              <a:rPr lang="ru-RU" dirty="0">
-                <a:solidFill>
-                  <a:srgbClr val="FFFFFF"/>
-                </a:solidFill>
-              </a:rPr>
-              <a:t>соседнего</a:t>
-            </a:r>
-            <a:br>
-              <a:rPr lang="ru-RU" dirty="0">
-                <a:solidFill>
-                  <a:srgbClr val="FFFFFF"/>
-                </a:solidFill>
-              </a:rPr>
-            </a:br>
-            <a:r>
-              <a:rPr lang="ru-RU" dirty="0">
-                <a:solidFill>
-                  <a:srgbClr val="FFFFFF"/>
-                </a:solidFill>
-              </a:rPr>
-              <a:t>элемента</a:t>
+              <a:t>Комбинаторы</a:t>
             </a:r>
             <a:endParaRPr lang="en-US" dirty="0">
               <a:solidFill>
@@ -13228,72 +13543,6 @@
           </a:bodyPr>
           <a:lstStyle/>
           <a:p>
-            <a:r>
-              <a:rPr lang="ru-RU" dirty="0"/>
-              <a:t>Комбинатор '+' выбирает элемент, который находится непосредственно после указанного элемента, если у них общий родитель.</a:t>
-            </a:r>
-            <a:br>
-              <a:rPr lang="en-US" dirty="0"/>
-            </a:br>
-            <a:endParaRPr lang="ru-RU" dirty="0"/>
-          </a:p>
-          <a:p>
-            <a:r>
-              <a:rPr lang="ru-RU" b="1" dirty="0"/>
-              <a:t>Пример: </a:t>
-            </a:r>
-            <a:r>
-              <a:rPr lang="ru-RU" dirty="0"/>
-              <a:t>селектор </a:t>
-            </a:r>
-            <a:r>
-              <a:rPr lang="en-US" dirty="0" err="1"/>
-              <a:t>ul</a:t>
-            </a:r>
-            <a:r>
-              <a:rPr lang="en-US" dirty="0"/>
-              <a:t> + li </a:t>
-            </a:r>
-            <a:r>
-              <a:rPr lang="ru-RU" dirty="0"/>
-              <a:t>выберет любой </a:t>
-            </a:r>
-            <a:r>
-              <a:rPr lang="ru-RU" u="sng" dirty="0">
-                <a:hlinkClick r:id="rId2"/>
-              </a:rPr>
-              <a:t>&lt;</a:t>
-            </a:r>
-            <a:r>
-              <a:rPr lang="en-US" u="sng" dirty="0">
-                <a:hlinkClick r:id="rId2"/>
-              </a:rPr>
-              <a:t>li&gt;</a:t>
-            </a:r>
-            <a:r>
-              <a:rPr lang="en-US" dirty="0"/>
-              <a:t> </a:t>
-            </a:r>
-            <a:r>
-              <a:rPr lang="ru-RU" dirty="0"/>
-              <a:t>элемент, который  находится непосредственно после элемента </a:t>
-            </a:r>
-            <a:r>
-              <a:rPr lang="ru-RU" u="sng" dirty="0">
-                <a:hlinkClick r:id="rId3"/>
-              </a:rPr>
-              <a:t>&lt;</a:t>
-            </a:r>
-            <a:r>
-              <a:rPr lang="en-US" u="sng" dirty="0">
-                <a:hlinkClick r:id="rId3"/>
-              </a:rPr>
-              <a:t>ul&gt;</a:t>
-            </a:r>
-            <a:r>
-              <a:rPr lang="en-US" dirty="0"/>
-              <a:t>.</a:t>
-            </a:r>
             <a:endParaRPr dirty="0"/>
           </a:p>
         </p:txBody>
@@ -13301,7 +13550,7 @@
     </p:spTree>
     <p:extLst>
       <p:ext uri="{BB962C8B-B14F-4D97-AF65-F5344CB8AC3E}">
-        <p14:creationId xmlns:p14="http://schemas.microsoft.com/office/powerpoint/2010/main" val="1713265928"/>
+        <p14:creationId xmlns:p14="http://schemas.microsoft.com/office/powerpoint/2010/main" val="1305922272"/>
       </p:ext>
     </p:extLst>
   </p:cSld>
@@ -13311,7 +13560,7 @@
 </p:sld>
 </file>
 
-<file path=ppt/slides/slide29.xml><?xml version="1.0" encoding="utf-8"?>
+<file path=ppt/slides/slide8.xml><?xml version="1.0" encoding="utf-8"?>
 <p:sld xmlns:a="http://schemas.openxmlformats.org/drawingml/2006/main" xmlns:r="http://schemas.openxmlformats.org/officeDocument/2006/relationships" xmlns:p="http://schemas.openxmlformats.org/presentationml/2006/main">
   <p:cSld>
     <p:bg>
@@ -13542,8 +13791,8 @@
         </p:nvSpPr>
         <p:spPr>
           <a:xfrm>
-            <a:off x="311972" y="1153572"/>
-            <a:ext cx="3575262" cy="4461163"/>
+            <a:off x="686834" y="1153572"/>
+            <a:ext cx="3200400" cy="4461163"/>
           </a:xfrm>
         </p:spPr>
         <p:txBody>
@@ -13553,12 +13802,27 @@
           <a:lstStyle/>
           <a:p>
             <a:r>
-              <a:rPr lang="ru-RU" dirty="0" err="1">
+              <a:rPr lang="ru-RU" dirty="0">
                 <a:solidFill>
                   <a:srgbClr val="FFFFFF"/>
                 </a:solidFill>
               </a:rPr>
-              <a:t>Псевдоклассы</a:t>
+              <a:t>Комбинатор</a:t>
+            </a:r>
+            <a:br>
+              <a:rPr lang="ru-RU" dirty="0">
+                <a:solidFill>
+                  <a:srgbClr val="FFFFFF"/>
+                </a:solidFill>
+              </a:rPr>
+            </a:br>
+            <a:r>
+              <a:rPr lang="ru-RU" dirty="0">
+                <a:solidFill>
+                  <a:srgbClr val="FFFFFF"/>
+                </a:solidFill>
+              </a:rPr>
+              <a:t>запятая</a:t>
             </a:r>
             <a:endParaRPr lang="en-US" dirty="0">
               <a:solidFill>
@@ -13653,25 +13917,25 @@
           <a:p>
             <a:r>
               <a:rPr lang="ru-RU" dirty="0"/>
-              <a:t>Знак : позволяет выбрать элементы, основываясь на информации, которой нет в дереве элементов.</a:t>
+              <a:t>Комбинатор , это способ группировки, он выбирает все совпадающие узлы.</a:t>
             </a:r>
           </a:p>
           <a:p>
             <a:r>
               <a:rPr lang="ru-RU" b="1" dirty="0"/>
-              <a:t>Пример: </a:t>
-            </a:r>
-            <a:r>
-              <a:rPr lang="en-US" dirty="0" err="1"/>
-              <a:t>a:visited</a:t>
+              <a:t>Пример:</a:t>
+            </a:r>
+            <a:r>
+              <a:rPr lang="ru-RU" dirty="0"/>
+              <a:t> </a:t>
             </a:r>
             <a:r>
               <a:rPr lang="en-US" dirty="0"/>
-              <a:t> </a:t>
+              <a:t>div, span </a:t>
             </a:r>
             <a:r>
               <a:rPr lang="ru-RU" dirty="0"/>
-              <a:t>соответствует всем элементам </a:t>
+              <a:t>выберет оба элемента - и </a:t>
             </a:r>
             <a:r>
               <a:rPr lang="ru-RU" u="sng" dirty="0">
@@ -13683,7 +13947,7 @@
               <a:rPr lang="en-US" u="sng" dirty="0">
                 <a:hlinkClick r:id="rId2"/>
               </a:rPr>
-              <a:t>a&gt;</a:t>
+              <a:t>div&gt;</a:t>
             </a:r>
             <a:r>
               <a:rPr lang="en-US" dirty="0"/>
@@ -13691,51 +13955,23 @@
             </a:r>
             <a:r>
               <a:rPr lang="ru-RU" dirty="0"/>
-              <a:t>которые имеют статус "посещённые".</a:t>
-            </a:r>
-          </a:p>
-          <a:p>
-            <a:r>
-              <a:rPr lang="ru-RU" b="1" dirty="0"/>
-              <a:t>Ещё пример</a:t>
-            </a:r>
-            <a:r>
-              <a:rPr lang="ru-RU" dirty="0"/>
-              <a:t>: </a:t>
-            </a:r>
-            <a:r>
-              <a:rPr lang="en-US" dirty="0" err="1"/>
-              <a:t>div:hover</a:t>
+              <a:t>и </a:t>
+            </a:r>
+            <a:r>
+              <a:rPr lang="ru-RU" u="sng" dirty="0">
+                <a:hlinkClick r:id="rId3"/>
+              </a:rPr>
+              <a:t>&lt;</a:t>
+            </a:r>
+            <a:r>
+              <a:rPr lang="en-US" u="sng" dirty="0">
+                <a:hlinkClick r:id="rId3"/>
+              </a:rPr>
+              <a:t>span&gt;</a:t>
             </a:r>
             <a:r>
               <a:rPr lang="en-US" dirty="0"/>
-              <a:t> </a:t>
-            </a:r>
-            <a:r>
-              <a:rPr lang="ru-RU" dirty="0"/>
-              <a:t>соответствует элементу, над которым проходит указатель мыши.</a:t>
-            </a:r>
-          </a:p>
-          <a:p>
-            <a:r>
-              <a:rPr lang="ru-RU" b="1" dirty="0"/>
-              <a:t>Ещё пример</a:t>
-            </a:r>
-            <a:r>
-              <a:rPr lang="ru-RU" dirty="0"/>
-              <a:t>: </a:t>
-            </a:r>
-            <a:r>
-              <a:rPr lang="en-US" dirty="0" err="1"/>
-              <a:t>input:focus</a:t>
-            </a:r>
-            <a:r>
-              <a:rPr lang="en-US" dirty="0"/>
-              <a:t> </a:t>
-            </a:r>
-            <a:r>
-              <a:rPr lang="ru-RU" dirty="0"/>
-              <a:t>соответствует полю ввода, которое получило фокус.</a:t>
+              <a:t>.</a:t>
             </a:r>
             <a:endParaRPr dirty="0"/>
           </a:p>
@@ -13744,7 +13980,7 @@
     </p:spTree>
     <p:extLst>
       <p:ext uri="{BB962C8B-B14F-4D97-AF65-F5344CB8AC3E}">
-        <p14:creationId xmlns:p14="http://schemas.microsoft.com/office/powerpoint/2010/main" val="1620908333"/>
+        <p14:creationId xmlns:p14="http://schemas.microsoft.com/office/powerpoint/2010/main" val="1308126701"/>
       </p:ext>
     </p:extLst>
   </p:cSld>
@@ -13754,7 +13990,7 @@
 </p:sld>
 </file>
 
-<file path=ppt/slides/slide3.xml><?xml version="1.0" encoding="utf-8"?>
+<file path=ppt/slides/slide9.xml><?xml version="1.0" encoding="utf-8"?>
 <p:sld xmlns:a="http://schemas.openxmlformats.org/drawingml/2006/main" xmlns:r="http://schemas.openxmlformats.org/officeDocument/2006/relationships" xmlns:p="http://schemas.openxmlformats.org/presentationml/2006/main">
   <p:cSld>
     <p:bg>
@@ -13985,8 +14221,8 @@
         </p:nvSpPr>
         <p:spPr>
           <a:xfrm>
-            <a:off x="686834" y="1153572"/>
-            <a:ext cx="3200400" cy="4461163"/>
+            <a:off x="311972" y="1153572"/>
+            <a:ext cx="3575262" cy="4461163"/>
           </a:xfrm>
         </p:spPr>
         <p:txBody>
@@ -13995,21 +14231,36 @@
           </a:bodyPr>
           <a:lstStyle/>
           <a:p>
+            <a:r>
+              <a:rPr lang="ru-RU" dirty="0">
+                <a:solidFill>
+                  <a:srgbClr val="FFFFFF"/>
+                </a:solidFill>
+              </a:rPr>
+              <a:t>Комбинатор</a:t>
+            </a:r>
+            <a:br>
+              <a:rPr lang="ru-RU" dirty="0">
+                <a:solidFill>
+                  <a:srgbClr val="FFFFFF"/>
+                </a:solidFill>
+              </a:rPr>
+            </a:br>
+            <a:r>
+              <a:rPr lang="ru-RU" dirty="0">
+                <a:solidFill>
+                  <a:srgbClr val="FFFFFF"/>
+                </a:solidFill>
+              </a:rPr>
+              <a:t>пробел </a:t>
+            </a:r>
             <a:r>
               <a:rPr lang="en-US" dirty="0">
                 <a:solidFill>
                   <a:srgbClr val="FFFFFF"/>
                 </a:solidFill>
               </a:rPr>
-              <a:t>C</a:t>
-            </a:r>
-            <a:r>
-              <a:rPr lang="ru-RU" dirty="0" err="1">
-                <a:solidFill>
-                  <a:srgbClr val="FFFFFF"/>
-                </a:solidFill>
-              </a:rPr>
-              <a:t>тилевые</a:t>
+              <a:t>’ ‘</a:t>
             </a:r>
             <a:r>
               <a:rPr lang="ru-RU" dirty="0">
@@ -14017,7 +14268,7 @@
                   <a:srgbClr val="FFFFFF"/>
                 </a:solidFill>
               </a:rPr>
-              <a:t> свойства</a:t>
+              <a:t> </a:t>
             </a:r>
             <a:endParaRPr lang="en-US" dirty="0">
               <a:solidFill>
@@ -14095,7 +14346,7 @@
             <a:spLocks noGrp="1"/>
           </p:cNvSpPr>
           <p:nvPr>
-            <p:ph idx="1"/>
+            <p:ph type="body" idx="1"/>
           </p:nvPr>
         </p:nvSpPr>
         <p:spPr>
@@ -14111,430 +14362,31 @@
           <a:lstStyle/>
           <a:p>
             <a:r>
-              <a:rPr lang="en-US" b="1" dirty="0"/>
-              <a:t>float: left</a:t>
+              <a:rPr lang="ru-RU" dirty="0"/>
+              <a:t>Комбинатор ' ' (пробел) выбирает элементы, которые находятся внутри указанного элемента (вне зависимости от уровня вложенности).</a:t>
             </a:r>
             <a:r>
               <a:rPr lang="en-US" dirty="0"/>
-              <a:t> — </a:t>
+              <a:t> </a:t>
+            </a:r>
+            <a:endParaRPr lang="ru-RU" dirty="0"/>
+          </a:p>
+          <a:p>
+            <a:r>
+              <a:rPr lang="ru-RU" b="1" dirty="0"/>
+              <a:t>Пример: </a:t>
             </a:r>
             <a:r>
               <a:rPr lang="ru-RU" dirty="0"/>
-              <a:t>элемент плавающий, прижат влево.</a:t>
-            </a:r>
-            <a:br>
+              <a:t>селектор </a:t>
+            </a:r>
+            <a:r>
+              <a:rPr lang="en-US" dirty="0"/>
+              <a:t>div span </a:t>
+            </a:r>
+            <a:r>
               <a:rPr lang="ru-RU" dirty="0"/>
-            </a:br>
-            <a:r>
-              <a:rPr lang="en-US" b="1" dirty="0"/>
-              <a:t>float: right</a:t>
-            </a:r>
-            <a:r>
-              <a:rPr lang="en-US" dirty="0"/>
-              <a:t> — </a:t>
-            </a:r>
-            <a:r>
-              <a:rPr lang="ru-RU" dirty="0"/>
-              <a:t>элемент плавающий, прижат вправо.</a:t>
-            </a:r>
-            <a:br>
-              <a:rPr lang="ru-RU" dirty="0"/>
-            </a:br>
-            <a:r>
-              <a:rPr lang="en-US" b="1" dirty="0"/>
-              <a:t>float: none</a:t>
-            </a:r>
-            <a:r>
-              <a:rPr lang="en-US" dirty="0"/>
-              <a:t> — </a:t>
-            </a:r>
-            <a:r>
-              <a:rPr lang="ru-RU" dirty="0"/>
-              <a:t>элемент обычный, не плавающий.</a:t>
-            </a:r>
-            <a:endParaRPr lang="en-US" dirty="0"/>
-          </a:p>
-        </p:txBody>
-      </p:sp>
-    </p:spTree>
-    <p:extLst>
-      <p:ext uri="{BB962C8B-B14F-4D97-AF65-F5344CB8AC3E}">
-        <p14:creationId xmlns:p14="http://schemas.microsoft.com/office/powerpoint/2010/main" val="1457205770"/>
-      </p:ext>
-    </p:extLst>
-  </p:cSld>
-  <p:clrMapOvr>
-    <a:masterClrMapping/>
-  </p:clrMapOvr>
-</p:sld>
-</file>
-
-<file path=ppt/slides/slide30.xml><?xml version="1.0" encoding="utf-8"?>
-<p:sld xmlns:a="http://schemas.openxmlformats.org/drawingml/2006/main" xmlns:r="http://schemas.openxmlformats.org/officeDocument/2006/relationships" xmlns:p="http://schemas.openxmlformats.org/presentationml/2006/main">
-  <p:cSld>
-    <p:bg>
-      <p:bgPr>
-        <a:solidFill>
-          <a:schemeClr val="bg1"/>
-        </a:solidFill>
-        <a:effectLst/>
-      </p:bgPr>
-    </p:bg>
-    <p:spTree>
-      <p:nvGrpSpPr>
-        <p:cNvPr id="1" name=""/>
-        <p:cNvGrpSpPr/>
-        <p:nvPr/>
-      </p:nvGrpSpPr>
-      <p:grpSpPr>
-        <a:xfrm>
-          <a:off x="0" y="0"/>
-          <a:ext cx="0" cy="0"/>
-          <a:chOff x="0" y="0"/>
-          <a:chExt cx="0" cy="0"/>
-        </a:xfrm>
-      </p:grpSpPr>
-      <p:sp useBgFill="1">
-        <p:nvSpPr>
-          <p:cNvPr id="9" name="Rectangle 8">
-            <a:extLst>
-              <a:ext uri="{FF2B5EF4-FFF2-40B4-BE49-F238E27FC236}">
-                <a16:creationId xmlns:a16="http://schemas.microsoft.com/office/drawing/2014/main" id="{907EF6B7-1338-4443-8C46-6A318D952DFD}"/>
-              </a:ext>
-              <a:ext uri="{C183D7F6-B498-43B3-948B-1728B52AA6E4}">
-                <adec:decorative xmlns:adec="http://schemas.microsoft.com/office/drawing/2017/decorative" val="1"/>
-              </a:ext>
-            </a:extLst>
-          </p:cNvPr>
-          <p:cNvSpPr>
-            <a:spLocks noGrp="1" noRot="1" noChangeAspect="1" noMove="1" noResize="1" noEditPoints="1" noAdjustHandles="1" noChangeArrowheads="1" noChangeShapeType="1" noTextEdit="1"/>
-          </p:cNvSpPr>
-          <p:nvPr>
-            <p:extLst>
-              <p:ext uri="{386F3935-93C4-4BCD-93E2-E3B085C9AB24}">
-                <p16:designElem xmlns:p16="http://schemas.microsoft.com/office/powerpoint/2015/main" val="1"/>
-              </p:ext>
-            </p:extLst>
-          </p:nvPr>
-        </p:nvSpPr>
-        <p:spPr>
-          <a:xfrm>
-            <a:off x="3048" y="0"/>
-            <a:ext cx="12188952" cy="6858000"/>
-          </a:xfrm>
-          <a:prstGeom prst="rect">
-            <a:avLst/>
-          </a:prstGeom>
-          <a:ln>
-            <a:noFill/>
-          </a:ln>
-        </p:spPr>
-        <p:style>
-          <a:lnRef idx="2">
-            <a:schemeClr val="accent1">
-              <a:shade val="50000"/>
-            </a:schemeClr>
-          </a:lnRef>
-          <a:fillRef idx="1">
-            <a:schemeClr val="accent1"/>
-          </a:fillRef>
-          <a:effectRef idx="0">
-            <a:schemeClr val="accent1"/>
-          </a:effectRef>
-          <a:fontRef idx="minor">
-            <a:schemeClr val="lt1"/>
-          </a:fontRef>
-        </p:style>
-        <p:txBody>
-          <a:bodyPr rtlCol="0" anchor="ctr"/>
-          <a:lstStyle/>
-          <a:p>
-            <a:pPr algn="ctr"/>
-            <a:endParaRPr lang="en-US"/>
-          </a:p>
-        </p:txBody>
-      </p:sp>
-      <p:sp>
-        <p:nvSpPr>
-          <p:cNvPr id="11" name="Freeform: Shape 10">
-            <a:extLst>
-              <a:ext uri="{FF2B5EF4-FFF2-40B4-BE49-F238E27FC236}">
-                <a16:creationId xmlns:a16="http://schemas.microsoft.com/office/drawing/2014/main" id="{DAAE4CDD-124C-4DCF-9584-B6033B545DD5}"/>
-              </a:ext>
-              <a:ext uri="{C183D7F6-B498-43B3-948B-1728B52AA6E4}">
-                <adec:decorative xmlns:adec="http://schemas.microsoft.com/office/drawing/2017/decorative" val="1"/>
-              </a:ext>
-            </a:extLst>
-          </p:cNvPr>
-          <p:cNvSpPr>
-            <a:spLocks noGrp="1" noRot="1" noChangeAspect="1" noMove="1" noResize="1" noEditPoints="1" noAdjustHandles="1" noChangeArrowheads="1" noChangeShapeType="1" noTextEdit="1"/>
-          </p:cNvSpPr>
-          <p:nvPr>
-            <p:extLst>
-              <p:ext uri="{386F3935-93C4-4BCD-93E2-E3B085C9AB24}">
-                <p16:designElem xmlns:p16="http://schemas.microsoft.com/office/powerpoint/2015/main" val="1"/>
-              </p:ext>
-            </p:extLst>
-          </p:nvPr>
-        </p:nvSpPr>
-        <p:spPr>
-          <a:xfrm>
-            <a:off x="1" y="0"/>
-            <a:ext cx="4167271" cy="6858000"/>
-          </a:xfrm>
-          <a:custGeom>
-            <a:avLst/>
-            <a:gdLst>
-              <a:gd name="connsiteX0" fmla="*/ 0 w 4167271"/>
-              <a:gd name="connsiteY0" fmla="*/ 0 h 6858000"/>
-              <a:gd name="connsiteX1" fmla="*/ 2259550 w 4167271"/>
-              <a:gd name="connsiteY1" fmla="*/ 0 h 6858000"/>
-              <a:gd name="connsiteX2" fmla="*/ 2387803 w 4167271"/>
-              <a:gd name="connsiteY2" fmla="*/ 82222 h 6858000"/>
-              <a:gd name="connsiteX3" fmla="*/ 4167271 w 4167271"/>
-              <a:gd name="connsiteY3" fmla="*/ 3429000 h 6858000"/>
-              <a:gd name="connsiteX4" fmla="*/ 2387803 w 4167271"/>
-              <a:gd name="connsiteY4" fmla="*/ 6775779 h 6858000"/>
-              <a:gd name="connsiteX5" fmla="*/ 2259550 w 4167271"/>
-              <a:gd name="connsiteY5" fmla="*/ 6858000 h 6858000"/>
-              <a:gd name="connsiteX6" fmla="*/ 0 w 4167271"/>
-              <a:gd name="connsiteY6" fmla="*/ 6858000 h 6858000"/>
-            </a:gdLst>
-            <a:ahLst/>
-            <a:cxnLst>
-              <a:cxn ang="0">
-                <a:pos x="connsiteX0" y="connsiteY0"/>
-              </a:cxn>
-              <a:cxn ang="0">
-                <a:pos x="connsiteX1" y="connsiteY1"/>
-              </a:cxn>
-              <a:cxn ang="0">
-                <a:pos x="connsiteX2" y="connsiteY2"/>
-              </a:cxn>
-              <a:cxn ang="0">
-                <a:pos x="connsiteX3" y="connsiteY3"/>
-              </a:cxn>
-              <a:cxn ang="0">
-                <a:pos x="connsiteX4" y="connsiteY4"/>
-              </a:cxn>
-              <a:cxn ang="0">
-                <a:pos x="connsiteX5" y="connsiteY5"/>
-              </a:cxn>
-              <a:cxn ang="0">
-                <a:pos x="connsiteX6" y="connsiteY6"/>
-              </a:cxn>
-            </a:cxnLst>
-            <a:rect l="l" t="t" r="r" b="b"/>
-            <a:pathLst>
-              <a:path w="4167271" h="6858000">
-                <a:moveTo>
-                  <a:pt x="0" y="0"/>
-                </a:moveTo>
-                <a:lnTo>
-                  <a:pt x="2259550" y="0"/>
-                </a:lnTo>
-                <a:lnTo>
-                  <a:pt x="2387803" y="82222"/>
-                </a:lnTo>
-                <a:cubicBezTo>
-                  <a:pt x="3461407" y="807534"/>
-                  <a:pt x="4167271" y="2035835"/>
-                  <a:pt x="4167271" y="3429000"/>
-                </a:cubicBezTo>
-                <a:cubicBezTo>
-                  <a:pt x="4167271" y="4822165"/>
-                  <a:pt x="3461407" y="6050467"/>
-                  <a:pt x="2387803" y="6775779"/>
-                </a:cubicBezTo>
-                <a:lnTo>
-                  <a:pt x="2259550" y="6858000"/>
-                </a:lnTo>
-                <a:lnTo>
-                  <a:pt x="0" y="6858000"/>
-                </a:lnTo>
-                <a:close/>
-              </a:path>
-            </a:pathLst>
-          </a:custGeom>
-          <a:solidFill>
-            <a:schemeClr val="accent2"/>
-          </a:solidFill>
-          <a:ln>
-            <a:noFill/>
-          </a:ln>
-        </p:spPr>
-        <p:style>
-          <a:lnRef idx="2">
-            <a:schemeClr val="accent1">
-              <a:shade val="50000"/>
-            </a:schemeClr>
-          </a:lnRef>
-          <a:fillRef idx="1">
-            <a:schemeClr val="accent1"/>
-          </a:fillRef>
-          <a:effectRef idx="0">
-            <a:schemeClr val="accent1"/>
-          </a:effectRef>
-          <a:fontRef idx="minor">
-            <a:schemeClr val="lt1"/>
-          </a:fontRef>
-        </p:style>
-        <p:txBody>
-          <a:bodyPr rtlCol="0" anchor="ctr"/>
-          <a:lstStyle/>
-          <a:p>
-            <a:pPr algn="ctr"/>
-            <a:endParaRPr lang="en-US"/>
-          </a:p>
-        </p:txBody>
-      </p:sp>
-      <p:sp>
-        <p:nvSpPr>
-          <p:cNvPr id="2" name="Title 1"/>
-          <p:cNvSpPr>
-            <a:spLocks noGrp="1"/>
-          </p:cNvSpPr>
-          <p:nvPr>
-            <p:ph type="title"/>
-          </p:nvPr>
-        </p:nvSpPr>
-        <p:spPr>
-          <a:xfrm>
-            <a:off x="311972" y="1153572"/>
-            <a:ext cx="3575262" cy="4461163"/>
-          </a:xfrm>
-        </p:spPr>
-        <p:txBody>
-          <a:bodyPr>
-            <a:normAutofit/>
-          </a:bodyPr>
-          <a:lstStyle/>
-          <a:p>
-            <a:r>
-              <a:rPr lang="ru-RU" dirty="0">
-                <a:solidFill>
-                  <a:srgbClr val="FFFFFF"/>
-                </a:solidFill>
-              </a:rPr>
-              <a:t>Псевдо элементы</a:t>
-            </a:r>
-            <a:endParaRPr lang="en-US" dirty="0">
-              <a:solidFill>
-                <a:srgbClr val="FFFFFF"/>
-              </a:solidFill>
-            </a:endParaRPr>
-          </a:p>
-        </p:txBody>
-      </p:sp>
-      <p:sp>
-        <p:nvSpPr>
-          <p:cNvPr id="13" name="Arc 12">
-            <a:extLst>
-              <a:ext uri="{FF2B5EF4-FFF2-40B4-BE49-F238E27FC236}">
-                <a16:creationId xmlns:a16="http://schemas.microsoft.com/office/drawing/2014/main" id="{081E4A58-353D-44AE-B2FC-2A74E2E400F7}"/>
-              </a:ext>
-              <a:ext uri="{C183D7F6-B498-43B3-948B-1728B52AA6E4}">
-                <adec:decorative xmlns:adec="http://schemas.microsoft.com/office/drawing/2017/decorative" val="1"/>
-              </a:ext>
-            </a:extLst>
-          </p:cNvPr>
-          <p:cNvSpPr>
-            <a:spLocks noGrp="1" noRot="1" noChangeAspect="1" noMove="1" noResize="1" noEditPoints="1" noAdjustHandles="1" noChangeArrowheads="1" noChangeShapeType="1" noTextEdit="1"/>
-          </p:cNvSpPr>
-          <p:nvPr>
-            <p:extLst>
-              <p:ext uri="{386F3935-93C4-4BCD-93E2-E3B085C9AB24}">
-                <p16:designElem xmlns:p16="http://schemas.microsoft.com/office/powerpoint/2015/main" val="1"/>
-              </p:ext>
-            </p:extLst>
-          </p:nvPr>
-        </p:nvSpPr>
-        <p:spPr>
-          <a:xfrm flipV="1">
-            <a:off x="7550402" y="2455479"/>
-            <a:ext cx="4083433" cy="4083433"/>
-          </a:xfrm>
-          <a:prstGeom prst="arc">
-            <a:avLst/>
-          </a:prstGeom>
-          <a:ln w="127000" cap="rnd">
-            <a:solidFill>
-              <a:schemeClr val="accent4"/>
-            </a:solidFill>
-            <a:prstDash val="dash"/>
-          </a:ln>
-        </p:spPr>
-        <p:style>
-          <a:lnRef idx="1">
-            <a:schemeClr val="accent1"/>
-          </a:lnRef>
-          <a:fillRef idx="0">
-            <a:schemeClr val="accent1"/>
-          </a:fillRef>
-          <a:effectRef idx="0">
-            <a:schemeClr val="accent1"/>
-          </a:effectRef>
-          <a:fontRef idx="minor">
-            <a:schemeClr val="tx1"/>
-          </a:fontRef>
-        </p:style>
-        <p:txBody>
-          <a:bodyPr rtlCol="0" anchor="ctr"/>
-          <a:lstStyle/>
-          <a:p>
-            <a:pPr algn="ctr"/>
-            <a:endParaRPr lang="en-US" dirty="0"/>
-          </a:p>
-        </p:txBody>
-      </p:sp>
-      <p:sp>
-        <p:nvSpPr>
-          <p:cNvPr id="3" name="Content Placeholder 2"/>
-          <p:cNvSpPr>
-            <a:spLocks noGrp="1"/>
-          </p:cNvSpPr>
-          <p:nvPr>
-            <p:ph type="body" idx="1"/>
-          </p:nvPr>
-        </p:nvSpPr>
-        <p:spPr>
-          <a:xfrm>
-            <a:off x="4447308" y="591344"/>
-            <a:ext cx="6906491" cy="5585619"/>
-          </a:xfrm>
-        </p:spPr>
-        <p:txBody>
-          <a:bodyPr anchor="ctr">
-            <a:normAutofit/>
-          </a:bodyPr>
-          <a:lstStyle/>
-          <a:p>
-            <a:r>
-              <a:rPr lang="ru-RU" dirty="0"/>
-              <a:t>Знак :: позволяет выбрать вещи, которых нет в </a:t>
-            </a:r>
-            <a:r>
-              <a:rPr lang="en-US" dirty="0"/>
-              <a:t>HTML.</a:t>
-            </a:r>
-            <a:endParaRPr lang="ru-RU" dirty="0"/>
-          </a:p>
-          <a:p>
-            <a:r>
-              <a:rPr lang="ru-RU" b="1" dirty="0"/>
-              <a:t>Пример:</a:t>
-            </a:r>
-            <a:r>
-              <a:rPr lang="ru-RU" dirty="0"/>
-              <a:t> </a:t>
-            </a:r>
-            <a:r>
-              <a:rPr lang="en-US" dirty="0"/>
-              <a:t>p::first-line </a:t>
-            </a:r>
-            <a:r>
-              <a:rPr lang="ru-RU" dirty="0"/>
-              <a:t>соответствует первой линии абзаца </a:t>
+              <a:t>выберет все элементы </a:t>
             </a:r>
             <a:r>
               <a:rPr lang="ru-RU" u="sng" dirty="0">
@@ -14546,7 +14398,27 @@
               <a:rPr lang="en-US" u="sng" dirty="0">
                 <a:hlinkClick r:id="rId2"/>
               </a:rPr>
-              <a:t>p&gt;</a:t>
+              <a:t>span&gt;</a:t>
+            </a:r>
+            <a:r>
+              <a:rPr lang="en-US" dirty="0"/>
+              <a:t>, </a:t>
+            </a:r>
+            <a:r>
+              <a:rPr lang="ru-RU" dirty="0"/>
+              <a:t>которые находятся внутри элемента </a:t>
+            </a:r>
+            <a:r>
+              <a:rPr lang="ru-RU" u="sng" dirty="0">
+                <a:hlinkClick r:id="rId3"/>
+              </a:rPr>
+              <a:t>&lt;</a:t>
+            </a:r>
+            <a:r>
+              <a:rPr lang="en-US" u="sng" dirty="0">
+                <a:hlinkClick r:id="rId3"/>
+              </a:rPr>
+              <a:t>div&gt;</a:t>
             </a:r>
             <a:r>
               <a:rPr lang="en-US" dirty="0"/>
@@ -14559,2257 +14431,7 @@
     </p:spTree>
     <p:extLst>
       <p:ext uri="{BB962C8B-B14F-4D97-AF65-F5344CB8AC3E}">
-        <p14:creationId xmlns:p14="http://schemas.microsoft.com/office/powerpoint/2010/main" val="261006969"/>
-      </p:ext>
-    </p:extLst>
-  </p:cSld>
-  <p:clrMapOvr>
-    <a:masterClrMapping/>
-  </p:clrMapOvr>
-</p:sld>
-</file>
-
-<file path=ppt/slides/slide4.xml><?xml version="1.0" encoding="utf-8"?>
-<p:sld xmlns:a="http://schemas.openxmlformats.org/drawingml/2006/main" xmlns:r="http://schemas.openxmlformats.org/officeDocument/2006/relationships" xmlns:p="http://schemas.openxmlformats.org/presentationml/2006/main">
-  <p:cSld>
-    <p:bg>
-      <p:bgPr>
-        <a:solidFill>
-          <a:schemeClr val="bg1"/>
-        </a:solidFill>
-        <a:effectLst/>
-      </p:bgPr>
-    </p:bg>
-    <p:spTree>
-      <p:nvGrpSpPr>
-        <p:cNvPr id="1" name=""/>
-        <p:cNvGrpSpPr/>
-        <p:nvPr/>
-      </p:nvGrpSpPr>
-      <p:grpSpPr>
-        <a:xfrm>
-          <a:off x="0" y="0"/>
-          <a:ext cx="0" cy="0"/>
-          <a:chOff x="0" y="0"/>
-          <a:chExt cx="0" cy="0"/>
-        </a:xfrm>
-      </p:grpSpPr>
-      <p:sp useBgFill="1">
-        <p:nvSpPr>
-          <p:cNvPr id="9" name="Rectangle 8">
-            <a:extLst>
-              <a:ext uri="{FF2B5EF4-FFF2-40B4-BE49-F238E27FC236}">
-                <a16:creationId xmlns:a16="http://schemas.microsoft.com/office/drawing/2014/main" id="{907EF6B7-1338-4443-8C46-6A318D952DFD}"/>
-              </a:ext>
-              <a:ext uri="{C183D7F6-B498-43B3-948B-1728B52AA6E4}">
-                <adec:decorative xmlns:adec="http://schemas.microsoft.com/office/drawing/2017/decorative" val="1"/>
-              </a:ext>
-            </a:extLst>
-          </p:cNvPr>
-          <p:cNvSpPr>
-            <a:spLocks noGrp="1" noRot="1" noChangeAspect="1" noMove="1" noResize="1" noEditPoints="1" noAdjustHandles="1" noChangeArrowheads="1" noChangeShapeType="1" noTextEdit="1"/>
-          </p:cNvSpPr>
-          <p:nvPr>
-            <p:extLst>
-              <p:ext uri="{386F3935-93C4-4BCD-93E2-E3B085C9AB24}">
-                <p16:designElem xmlns:p16="http://schemas.microsoft.com/office/powerpoint/2015/main" val="1"/>
-              </p:ext>
-            </p:extLst>
-          </p:nvPr>
-        </p:nvSpPr>
-        <p:spPr>
-          <a:xfrm>
-            <a:off x="3048" y="0"/>
-            <a:ext cx="12188952" cy="6858000"/>
-          </a:xfrm>
-          <a:prstGeom prst="rect">
-            <a:avLst/>
-          </a:prstGeom>
-          <a:ln>
-            <a:noFill/>
-          </a:ln>
-        </p:spPr>
-        <p:style>
-          <a:lnRef idx="2">
-            <a:schemeClr val="accent1">
-              <a:shade val="50000"/>
-            </a:schemeClr>
-          </a:lnRef>
-          <a:fillRef idx="1">
-            <a:schemeClr val="accent1"/>
-          </a:fillRef>
-          <a:effectRef idx="0">
-            <a:schemeClr val="accent1"/>
-          </a:effectRef>
-          <a:fontRef idx="minor">
-            <a:schemeClr val="lt1"/>
-          </a:fontRef>
-        </p:style>
-        <p:txBody>
-          <a:bodyPr rtlCol="0" anchor="ctr"/>
-          <a:lstStyle/>
-          <a:p>
-            <a:pPr algn="ctr"/>
-            <a:endParaRPr lang="en-US"/>
-          </a:p>
-        </p:txBody>
-      </p:sp>
-      <p:sp>
-        <p:nvSpPr>
-          <p:cNvPr id="11" name="Freeform: Shape 10">
-            <a:extLst>
-              <a:ext uri="{FF2B5EF4-FFF2-40B4-BE49-F238E27FC236}">
-                <a16:creationId xmlns:a16="http://schemas.microsoft.com/office/drawing/2014/main" id="{DAAE4CDD-124C-4DCF-9584-B6033B545DD5}"/>
-              </a:ext>
-              <a:ext uri="{C183D7F6-B498-43B3-948B-1728B52AA6E4}">
-                <adec:decorative xmlns:adec="http://schemas.microsoft.com/office/drawing/2017/decorative" val="1"/>
-              </a:ext>
-            </a:extLst>
-          </p:cNvPr>
-          <p:cNvSpPr>
-            <a:spLocks noGrp="1" noRot="1" noChangeAspect="1" noMove="1" noResize="1" noEditPoints="1" noAdjustHandles="1" noChangeArrowheads="1" noChangeShapeType="1" noTextEdit="1"/>
-          </p:cNvSpPr>
-          <p:nvPr>
-            <p:extLst>
-              <p:ext uri="{386F3935-93C4-4BCD-93E2-E3B085C9AB24}">
-                <p16:designElem xmlns:p16="http://schemas.microsoft.com/office/powerpoint/2015/main" val="1"/>
-              </p:ext>
-            </p:extLst>
-          </p:nvPr>
-        </p:nvSpPr>
-        <p:spPr>
-          <a:xfrm>
-            <a:off x="1" y="0"/>
-            <a:ext cx="4167271" cy="6858000"/>
-          </a:xfrm>
-          <a:custGeom>
-            <a:avLst/>
-            <a:gdLst>
-              <a:gd name="connsiteX0" fmla="*/ 0 w 4167271"/>
-              <a:gd name="connsiteY0" fmla="*/ 0 h 6858000"/>
-              <a:gd name="connsiteX1" fmla="*/ 2259550 w 4167271"/>
-              <a:gd name="connsiteY1" fmla="*/ 0 h 6858000"/>
-              <a:gd name="connsiteX2" fmla="*/ 2387803 w 4167271"/>
-              <a:gd name="connsiteY2" fmla="*/ 82222 h 6858000"/>
-              <a:gd name="connsiteX3" fmla="*/ 4167271 w 4167271"/>
-              <a:gd name="connsiteY3" fmla="*/ 3429000 h 6858000"/>
-              <a:gd name="connsiteX4" fmla="*/ 2387803 w 4167271"/>
-              <a:gd name="connsiteY4" fmla="*/ 6775779 h 6858000"/>
-              <a:gd name="connsiteX5" fmla="*/ 2259550 w 4167271"/>
-              <a:gd name="connsiteY5" fmla="*/ 6858000 h 6858000"/>
-              <a:gd name="connsiteX6" fmla="*/ 0 w 4167271"/>
-              <a:gd name="connsiteY6" fmla="*/ 6858000 h 6858000"/>
-            </a:gdLst>
-            <a:ahLst/>
-            <a:cxnLst>
-              <a:cxn ang="0">
-                <a:pos x="connsiteX0" y="connsiteY0"/>
-              </a:cxn>
-              <a:cxn ang="0">
-                <a:pos x="connsiteX1" y="connsiteY1"/>
-              </a:cxn>
-              <a:cxn ang="0">
-                <a:pos x="connsiteX2" y="connsiteY2"/>
-              </a:cxn>
-              <a:cxn ang="0">
-                <a:pos x="connsiteX3" y="connsiteY3"/>
-              </a:cxn>
-              <a:cxn ang="0">
-                <a:pos x="connsiteX4" y="connsiteY4"/>
-              </a:cxn>
-              <a:cxn ang="0">
-                <a:pos x="connsiteX5" y="connsiteY5"/>
-              </a:cxn>
-              <a:cxn ang="0">
-                <a:pos x="connsiteX6" y="connsiteY6"/>
-              </a:cxn>
-            </a:cxnLst>
-            <a:rect l="l" t="t" r="r" b="b"/>
-            <a:pathLst>
-              <a:path w="4167271" h="6858000">
-                <a:moveTo>
-                  <a:pt x="0" y="0"/>
-                </a:moveTo>
-                <a:lnTo>
-                  <a:pt x="2259550" y="0"/>
-                </a:lnTo>
-                <a:lnTo>
-                  <a:pt x="2387803" y="82222"/>
-                </a:lnTo>
-                <a:cubicBezTo>
-                  <a:pt x="3461407" y="807534"/>
-                  <a:pt x="4167271" y="2035835"/>
-                  <a:pt x="4167271" y="3429000"/>
-                </a:cubicBezTo>
-                <a:cubicBezTo>
-                  <a:pt x="4167271" y="4822165"/>
-                  <a:pt x="3461407" y="6050467"/>
-                  <a:pt x="2387803" y="6775779"/>
-                </a:cubicBezTo>
-                <a:lnTo>
-                  <a:pt x="2259550" y="6858000"/>
-                </a:lnTo>
-                <a:lnTo>
-                  <a:pt x="0" y="6858000"/>
-                </a:lnTo>
-                <a:close/>
-              </a:path>
-            </a:pathLst>
-          </a:custGeom>
-          <a:solidFill>
-            <a:schemeClr val="accent2"/>
-          </a:solidFill>
-          <a:ln>
-            <a:noFill/>
-          </a:ln>
-        </p:spPr>
-        <p:style>
-          <a:lnRef idx="2">
-            <a:schemeClr val="accent1">
-              <a:shade val="50000"/>
-            </a:schemeClr>
-          </a:lnRef>
-          <a:fillRef idx="1">
-            <a:schemeClr val="accent1"/>
-          </a:fillRef>
-          <a:effectRef idx="0">
-            <a:schemeClr val="accent1"/>
-          </a:effectRef>
-          <a:fontRef idx="minor">
-            <a:schemeClr val="lt1"/>
-          </a:fontRef>
-        </p:style>
-        <p:txBody>
-          <a:bodyPr rtlCol="0" anchor="ctr"/>
-          <a:lstStyle/>
-          <a:p>
-            <a:pPr algn="ctr"/>
-            <a:endParaRPr lang="en-US"/>
-          </a:p>
-        </p:txBody>
-      </p:sp>
-      <p:sp>
-        <p:nvSpPr>
-          <p:cNvPr id="2" name="Title 1"/>
-          <p:cNvSpPr>
-            <a:spLocks noGrp="1"/>
-          </p:cNvSpPr>
-          <p:nvPr>
-            <p:ph type="title"/>
-          </p:nvPr>
-        </p:nvSpPr>
-        <p:spPr>
-          <a:xfrm>
-            <a:off x="686834" y="1153572"/>
-            <a:ext cx="3200400" cy="4461163"/>
-          </a:xfrm>
-        </p:spPr>
-        <p:txBody>
-          <a:bodyPr>
-            <a:normAutofit/>
-          </a:bodyPr>
-          <a:lstStyle/>
-          <a:p>
-            <a:r>
-              <a:rPr lang="ru-RU" dirty="0">
-                <a:solidFill>
-                  <a:srgbClr val="FFFFFF"/>
-                </a:solidFill>
-              </a:rPr>
-              <a:t>Значение</a:t>
-            </a:r>
-            <a:endParaRPr lang="en-US" dirty="0">
-              <a:solidFill>
-                <a:srgbClr val="FFFFFF"/>
-              </a:solidFill>
-            </a:endParaRPr>
-          </a:p>
-        </p:txBody>
-      </p:sp>
-      <p:sp>
-        <p:nvSpPr>
-          <p:cNvPr id="13" name="Arc 12">
-            <a:extLst>
-              <a:ext uri="{FF2B5EF4-FFF2-40B4-BE49-F238E27FC236}">
-                <a16:creationId xmlns:a16="http://schemas.microsoft.com/office/drawing/2014/main" id="{081E4A58-353D-44AE-B2FC-2A74E2E400F7}"/>
-              </a:ext>
-              <a:ext uri="{C183D7F6-B498-43B3-948B-1728B52AA6E4}">
-                <adec:decorative xmlns:adec="http://schemas.microsoft.com/office/drawing/2017/decorative" val="1"/>
-              </a:ext>
-            </a:extLst>
-          </p:cNvPr>
-          <p:cNvSpPr>
-            <a:spLocks noGrp="1" noRot="1" noChangeAspect="1" noMove="1" noResize="1" noEditPoints="1" noAdjustHandles="1" noChangeArrowheads="1" noChangeShapeType="1" noTextEdit="1"/>
-          </p:cNvSpPr>
-          <p:nvPr>
-            <p:extLst>
-              <p:ext uri="{386F3935-93C4-4BCD-93E2-E3B085C9AB24}">
-                <p16:designElem xmlns:p16="http://schemas.microsoft.com/office/powerpoint/2015/main" val="1"/>
-              </p:ext>
-            </p:extLst>
-          </p:nvPr>
-        </p:nvSpPr>
-        <p:spPr>
-          <a:xfrm flipV="1">
-            <a:off x="7550402" y="2455479"/>
-            <a:ext cx="4083433" cy="4083433"/>
-          </a:xfrm>
-          <a:prstGeom prst="arc">
-            <a:avLst/>
-          </a:prstGeom>
-          <a:ln w="127000" cap="rnd">
-            <a:solidFill>
-              <a:schemeClr val="accent4"/>
-            </a:solidFill>
-            <a:prstDash val="dash"/>
-          </a:ln>
-        </p:spPr>
-        <p:style>
-          <a:lnRef idx="1">
-            <a:schemeClr val="accent1"/>
-          </a:lnRef>
-          <a:fillRef idx="0">
-            <a:schemeClr val="accent1"/>
-          </a:fillRef>
-          <a:effectRef idx="0">
-            <a:schemeClr val="accent1"/>
-          </a:effectRef>
-          <a:fontRef idx="minor">
-            <a:schemeClr val="tx1"/>
-          </a:fontRef>
-        </p:style>
-        <p:txBody>
-          <a:bodyPr rtlCol="0" anchor="ctr"/>
-          <a:lstStyle/>
-          <a:p>
-            <a:pPr algn="ctr"/>
-            <a:endParaRPr lang="en-US" dirty="0"/>
-          </a:p>
-        </p:txBody>
-      </p:sp>
-      <p:sp>
-        <p:nvSpPr>
-          <p:cNvPr id="3" name="Content Placeholder 2"/>
-          <p:cNvSpPr>
-            <a:spLocks noGrp="1"/>
-          </p:cNvSpPr>
-          <p:nvPr>
-            <p:ph idx="1"/>
-          </p:nvPr>
-        </p:nvSpPr>
-        <p:spPr>
-          <a:xfrm>
-            <a:off x="4447308" y="591344"/>
-            <a:ext cx="6906491" cy="5585619"/>
-          </a:xfrm>
-        </p:spPr>
-        <p:txBody>
-          <a:bodyPr anchor="ctr">
-            <a:normAutofit/>
-          </a:bodyPr>
-          <a:lstStyle/>
-          <a:p>
-            <a:r>
-              <a:rPr lang="ru-RU" dirty="0"/>
-              <a:t>Для построения многоколоночной вёрстки</a:t>
-            </a:r>
-          </a:p>
-          <a:p>
-            <a:r>
-              <a:rPr lang="ru-RU" dirty="0"/>
-              <a:t>Построение </a:t>
-            </a:r>
-            <a:r>
-              <a:rPr lang="en-US" dirty="0"/>
-              <a:t>Layout</a:t>
-            </a:r>
-            <a:endParaRPr dirty="0"/>
-          </a:p>
-        </p:txBody>
-      </p:sp>
-    </p:spTree>
-    <p:extLst>
-      <p:ext uri="{BB962C8B-B14F-4D97-AF65-F5344CB8AC3E}">
-        <p14:creationId xmlns:p14="http://schemas.microsoft.com/office/powerpoint/2010/main" val="1673822682"/>
-      </p:ext>
-    </p:extLst>
-  </p:cSld>
-  <p:clrMapOvr>
-    <a:masterClrMapping/>
-  </p:clrMapOvr>
-</p:sld>
-</file>
-
-<file path=ppt/slides/slide5.xml><?xml version="1.0" encoding="utf-8"?>
-<p:sld xmlns:a="http://schemas.openxmlformats.org/drawingml/2006/main" xmlns:r="http://schemas.openxmlformats.org/officeDocument/2006/relationships" xmlns:p="http://schemas.openxmlformats.org/presentationml/2006/main">
-  <p:cSld>
-    <p:bg>
-      <p:bgPr>
-        <a:solidFill>
-          <a:schemeClr val="bg1"/>
-        </a:solidFill>
-        <a:effectLst/>
-      </p:bgPr>
-    </p:bg>
-    <p:spTree>
-      <p:nvGrpSpPr>
-        <p:cNvPr id="1" name=""/>
-        <p:cNvGrpSpPr/>
-        <p:nvPr/>
-      </p:nvGrpSpPr>
-      <p:grpSpPr>
-        <a:xfrm>
-          <a:off x="0" y="0"/>
-          <a:ext cx="0" cy="0"/>
-          <a:chOff x="0" y="0"/>
-          <a:chExt cx="0" cy="0"/>
-        </a:xfrm>
-      </p:grpSpPr>
-      <p:sp useBgFill="1">
-        <p:nvSpPr>
-          <p:cNvPr id="9" name="Rectangle 8">
-            <a:extLst>
-              <a:ext uri="{FF2B5EF4-FFF2-40B4-BE49-F238E27FC236}">
-                <a16:creationId xmlns:a16="http://schemas.microsoft.com/office/drawing/2014/main" id="{907EF6B7-1338-4443-8C46-6A318D952DFD}"/>
-              </a:ext>
-              <a:ext uri="{C183D7F6-B498-43B3-948B-1728B52AA6E4}">
-                <adec:decorative xmlns:adec="http://schemas.microsoft.com/office/drawing/2017/decorative" val="1"/>
-              </a:ext>
-            </a:extLst>
-          </p:cNvPr>
-          <p:cNvSpPr>
-            <a:spLocks noGrp="1" noRot="1" noChangeAspect="1" noMove="1" noResize="1" noEditPoints="1" noAdjustHandles="1" noChangeArrowheads="1" noChangeShapeType="1" noTextEdit="1"/>
-          </p:cNvSpPr>
-          <p:nvPr>
-            <p:extLst>
-              <p:ext uri="{386F3935-93C4-4BCD-93E2-E3B085C9AB24}">
-                <p16:designElem xmlns:p16="http://schemas.microsoft.com/office/powerpoint/2015/main" val="1"/>
-              </p:ext>
-            </p:extLst>
-          </p:nvPr>
-        </p:nvSpPr>
-        <p:spPr>
-          <a:xfrm>
-            <a:off x="3048" y="0"/>
-            <a:ext cx="12188952" cy="6858000"/>
-          </a:xfrm>
-          <a:prstGeom prst="rect">
-            <a:avLst/>
-          </a:prstGeom>
-          <a:ln>
-            <a:noFill/>
-          </a:ln>
-        </p:spPr>
-        <p:style>
-          <a:lnRef idx="2">
-            <a:schemeClr val="accent1">
-              <a:shade val="50000"/>
-            </a:schemeClr>
-          </a:lnRef>
-          <a:fillRef idx="1">
-            <a:schemeClr val="accent1"/>
-          </a:fillRef>
-          <a:effectRef idx="0">
-            <a:schemeClr val="accent1"/>
-          </a:effectRef>
-          <a:fontRef idx="minor">
-            <a:schemeClr val="lt1"/>
-          </a:fontRef>
-        </p:style>
-        <p:txBody>
-          <a:bodyPr rtlCol="0" anchor="ctr"/>
-          <a:lstStyle/>
-          <a:p>
-            <a:pPr algn="ctr"/>
-            <a:endParaRPr lang="en-US"/>
-          </a:p>
-        </p:txBody>
-      </p:sp>
-      <p:sp>
-        <p:nvSpPr>
-          <p:cNvPr id="11" name="Freeform: Shape 10">
-            <a:extLst>
-              <a:ext uri="{FF2B5EF4-FFF2-40B4-BE49-F238E27FC236}">
-                <a16:creationId xmlns:a16="http://schemas.microsoft.com/office/drawing/2014/main" id="{DAAE4CDD-124C-4DCF-9584-B6033B545DD5}"/>
-              </a:ext>
-              <a:ext uri="{C183D7F6-B498-43B3-948B-1728B52AA6E4}">
-                <adec:decorative xmlns:adec="http://schemas.microsoft.com/office/drawing/2017/decorative" val="1"/>
-              </a:ext>
-            </a:extLst>
-          </p:cNvPr>
-          <p:cNvSpPr>
-            <a:spLocks noGrp="1" noRot="1" noChangeAspect="1" noMove="1" noResize="1" noEditPoints="1" noAdjustHandles="1" noChangeArrowheads="1" noChangeShapeType="1" noTextEdit="1"/>
-          </p:cNvSpPr>
-          <p:nvPr>
-            <p:extLst>
-              <p:ext uri="{386F3935-93C4-4BCD-93E2-E3B085C9AB24}">
-                <p16:designElem xmlns:p16="http://schemas.microsoft.com/office/powerpoint/2015/main" val="1"/>
-              </p:ext>
-            </p:extLst>
-          </p:nvPr>
-        </p:nvSpPr>
-        <p:spPr>
-          <a:xfrm>
-            <a:off x="1" y="0"/>
-            <a:ext cx="4167271" cy="6858000"/>
-          </a:xfrm>
-          <a:custGeom>
-            <a:avLst/>
-            <a:gdLst>
-              <a:gd name="connsiteX0" fmla="*/ 0 w 4167271"/>
-              <a:gd name="connsiteY0" fmla="*/ 0 h 6858000"/>
-              <a:gd name="connsiteX1" fmla="*/ 2259550 w 4167271"/>
-              <a:gd name="connsiteY1" fmla="*/ 0 h 6858000"/>
-              <a:gd name="connsiteX2" fmla="*/ 2387803 w 4167271"/>
-              <a:gd name="connsiteY2" fmla="*/ 82222 h 6858000"/>
-              <a:gd name="connsiteX3" fmla="*/ 4167271 w 4167271"/>
-              <a:gd name="connsiteY3" fmla="*/ 3429000 h 6858000"/>
-              <a:gd name="connsiteX4" fmla="*/ 2387803 w 4167271"/>
-              <a:gd name="connsiteY4" fmla="*/ 6775779 h 6858000"/>
-              <a:gd name="connsiteX5" fmla="*/ 2259550 w 4167271"/>
-              <a:gd name="connsiteY5" fmla="*/ 6858000 h 6858000"/>
-              <a:gd name="connsiteX6" fmla="*/ 0 w 4167271"/>
-              <a:gd name="connsiteY6" fmla="*/ 6858000 h 6858000"/>
-            </a:gdLst>
-            <a:ahLst/>
-            <a:cxnLst>
-              <a:cxn ang="0">
-                <a:pos x="connsiteX0" y="connsiteY0"/>
-              </a:cxn>
-              <a:cxn ang="0">
-                <a:pos x="connsiteX1" y="connsiteY1"/>
-              </a:cxn>
-              <a:cxn ang="0">
-                <a:pos x="connsiteX2" y="connsiteY2"/>
-              </a:cxn>
-              <a:cxn ang="0">
-                <a:pos x="connsiteX3" y="connsiteY3"/>
-              </a:cxn>
-              <a:cxn ang="0">
-                <a:pos x="connsiteX4" y="connsiteY4"/>
-              </a:cxn>
-              <a:cxn ang="0">
-                <a:pos x="connsiteX5" y="connsiteY5"/>
-              </a:cxn>
-              <a:cxn ang="0">
-                <a:pos x="connsiteX6" y="connsiteY6"/>
-              </a:cxn>
-            </a:cxnLst>
-            <a:rect l="l" t="t" r="r" b="b"/>
-            <a:pathLst>
-              <a:path w="4167271" h="6858000">
-                <a:moveTo>
-                  <a:pt x="0" y="0"/>
-                </a:moveTo>
-                <a:lnTo>
-                  <a:pt x="2259550" y="0"/>
-                </a:lnTo>
-                <a:lnTo>
-                  <a:pt x="2387803" y="82222"/>
-                </a:lnTo>
-                <a:cubicBezTo>
-                  <a:pt x="3461407" y="807534"/>
-                  <a:pt x="4167271" y="2035835"/>
-                  <a:pt x="4167271" y="3429000"/>
-                </a:cubicBezTo>
-                <a:cubicBezTo>
-                  <a:pt x="4167271" y="4822165"/>
-                  <a:pt x="3461407" y="6050467"/>
-                  <a:pt x="2387803" y="6775779"/>
-                </a:cubicBezTo>
-                <a:lnTo>
-                  <a:pt x="2259550" y="6858000"/>
-                </a:lnTo>
-                <a:lnTo>
-                  <a:pt x="0" y="6858000"/>
-                </a:lnTo>
-                <a:close/>
-              </a:path>
-            </a:pathLst>
-          </a:custGeom>
-          <a:solidFill>
-            <a:schemeClr val="accent2"/>
-          </a:solidFill>
-          <a:ln>
-            <a:noFill/>
-          </a:ln>
-        </p:spPr>
-        <p:style>
-          <a:lnRef idx="2">
-            <a:schemeClr val="accent1">
-              <a:shade val="50000"/>
-            </a:schemeClr>
-          </a:lnRef>
-          <a:fillRef idx="1">
-            <a:schemeClr val="accent1"/>
-          </a:fillRef>
-          <a:effectRef idx="0">
-            <a:schemeClr val="accent1"/>
-          </a:effectRef>
-          <a:fontRef idx="minor">
-            <a:schemeClr val="lt1"/>
-          </a:fontRef>
-        </p:style>
-        <p:txBody>
-          <a:bodyPr rtlCol="0" anchor="ctr"/>
-          <a:lstStyle/>
-          <a:p>
-            <a:pPr algn="ctr"/>
-            <a:endParaRPr lang="en-US"/>
-          </a:p>
-        </p:txBody>
-      </p:sp>
-      <p:sp>
-        <p:nvSpPr>
-          <p:cNvPr id="2" name="Title 1"/>
-          <p:cNvSpPr>
-            <a:spLocks noGrp="1"/>
-          </p:cNvSpPr>
-          <p:nvPr>
-            <p:ph type="title"/>
-          </p:nvPr>
-        </p:nvSpPr>
-        <p:spPr>
-          <a:xfrm>
-            <a:off x="686834" y="1153572"/>
-            <a:ext cx="3200400" cy="4461163"/>
-          </a:xfrm>
-        </p:spPr>
-        <p:txBody>
-          <a:bodyPr>
-            <a:normAutofit/>
-          </a:bodyPr>
-          <a:lstStyle/>
-          <a:p>
-            <a:r>
-              <a:rPr lang="ru-RU" dirty="0">
-                <a:solidFill>
-                  <a:srgbClr val="FFFFFF"/>
-                </a:solidFill>
-              </a:rPr>
-              <a:t>Примеры</a:t>
-            </a:r>
-            <a:endParaRPr lang="en-US" dirty="0">
-              <a:solidFill>
-                <a:srgbClr val="FFFFFF"/>
-              </a:solidFill>
-            </a:endParaRPr>
-          </a:p>
-        </p:txBody>
-      </p:sp>
-      <p:sp>
-        <p:nvSpPr>
-          <p:cNvPr id="13" name="Arc 12">
-            <a:extLst>
-              <a:ext uri="{FF2B5EF4-FFF2-40B4-BE49-F238E27FC236}">
-                <a16:creationId xmlns:a16="http://schemas.microsoft.com/office/drawing/2014/main" id="{081E4A58-353D-44AE-B2FC-2A74E2E400F7}"/>
-              </a:ext>
-              <a:ext uri="{C183D7F6-B498-43B3-948B-1728B52AA6E4}">
-                <adec:decorative xmlns:adec="http://schemas.microsoft.com/office/drawing/2017/decorative" val="1"/>
-              </a:ext>
-            </a:extLst>
-          </p:cNvPr>
-          <p:cNvSpPr>
-            <a:spLocks noGrp="1" noRot="1" noChangeAspect="1" noMove="1" noResize="1" noEditPoints="1" noAdjustHandles="1" noChangeArrowheads="1" noChangeShapeType="1" noTextEdit="1"/>
-          </p:cNvSpPr>
-          <p:nvPr>
-            <p:extLst>
-              <p:ext uri="{386F3935-93C4-4BCD-93E2-E3B085C9AB24}">
-                <p16:designElem xmlns:p16="http://schemas.microsoft.com/office/powerpoint/2015/main" val="1"/>
-              </p:ext>
-            </p:extLst>
-          </p:nvPr>
-        </p:nvSpPr>
-        <p:spPr>
-          <a:xfrm flipV="1">
-            <a:off x="7550402" y="2455479"/>
-            <a:ext cx="4083433" cy="4083433"/>
-          </a:xfrm>
-          <a:prstGeom prst="arc">
-            <a:avLst/>
-          </a:prstGeom>
-          <a:ln w="127000" cap="rnd">
-            <a:solidFill>
-              <a:schemeClr val="accent4"/>
-            </a:solidFill>
-            <a:prstDash val="dash"/>
-          </a:ln>
-        </p:spPr>
-        <p:style>
-          <a:lnRef idx="1">
-            <a:schemeClr val="accent1"/>
-          </a:lnRef>
-          <a:fillRef idx="0">
-            <a:schemeClr val="accent1"/>
-          </a:fillRef>
-          <a:effectRef idx="0">
-            <a:schemeClr val="accent1"/>
-          </a:effectRef>
-          <a:fontRef idx="minor">
-            <a:schemeClr val="tx1"/>
-          </a:fontRef>
-        </p:style>
-        <p:txBody>
-          <a:bodyPr rtlCol="0" anchor="ctr"/>
-          <a:lstStyle/>
-          <a:p>
-            <a:pPr algn="ctr"/>
-            <a:endParaRPr lang="en-US" dirty="0"/>
-          </a:p>
-        </p:txBody>
-      </p:sp>
-      <p:sp>
-        <p:nvSpPr>
-          <p:cNvPr id="3" name="Content Placeholder 2"/>
-          <p:cNvSpPr>
-            <a:spLocks noGrp="1"/>
-          </p:cNvSpPr>
-          <p:nvPr>
-            <p:ph idx="1"/>
-          </p:nvPr>
-        </p:nvSpPr>
-        <p:spPr>
-          <a:xfrm>
-            <a:off x="4447308" y="591344"/>
-            <a:ext cx="6906491" cy="5585619"/>
-          </a:xfrm>
-        </p:spPr>
-        <p:txBody>
-          <a:bodyPr anchor="ctr">
-            <a:normAutofit/>
-          </a:bodyPr>
-          <a:lstStyle/>
-          <a:p>
-            <a:r>
-              <a:rPr lang="en-US" dirty="0"/>
-              <a:t>http://</a:t>
-            </a:r>
-            <a:r>
-              <a:rPr lang="en-US" dirty="0" err="1"/>
-              <a:t>fe.it-academy.by</a:t>
-            </a:r>
-            <a:r>
-              <a:rPr lang="en-US" dirty="0"/>
-              <a:t>/Materials/HTMLCSS_V14/HTMLCSS_5.html#ANCHOR2</a:t>
-            </a:r>
-          </a:p>
-        </p:txBody>
-      </p:sp>
-    </p:spTree>
-    <p:extLst>
-      <p:ext uri="{BB962C8B-B14F-4D97-AF65-F5344CB8AC3E}">
-        <p14:creationId xmlns:p14="http://schemas.microsoft.com/office/powerpoint/2010/main" val="1627708229"/>
-      </p:ext>
-    </p:extLst>
-  </p:cSld>
-  <p:clrMapOvr>
-    <a:masterClrMapping/>
-  </p:clrMapOvr>
-</p:sld>
-</file>
-
-<file path=ppt/slides/slide6.xml><?xml version="1.0" encoding="utf-8"?>
-<p:sld xmlns:a="http://schemas.openxmlformats.org/drawingml/2006/main" xmlns:r="http://schemas.openxmlformats.org/officeDocument/2006/relationships" xmlns:p="http://schemas.openxmlformats.org/presentationml/2006/main">
-  <p:cSld>
-    <p:bg>
-      <p:bgPr>
-        <a:solidFill>
-          <a:schemeClr val="bg1"/>
-        </a:solidFill>
-        <a:effectLst/>
-      </p:bgPr>
-    </p:bg>
-    <p:spTree>
-      <p:nvGrpSpPr>
-        <p:cNvPr id="1" name=""/>
-        <p:cNvGrpSpPr/>
-        <p:nvPr/>
-      </p:nvGrpSpPr>
-      <p:grpSpPr>
-        <a:xfrm>
-          <a:off x="0" y="0"/>
-          <a:ext cx="0" cy="0"/>
-          <a:chOff x="0" y="0"/>
-          <a:chExt cx="0" cy="0"/>
-        </a:xfrm>
-      </p:grpSpPr>
-      <p:sp useBgFill="1">
-        <p:nvSpPr>
-          <p:cNvPr id="9" name="Rectangle 8">
-            <a:extLst>
-              <a:ext uri="{FF2B5EF4-FFF2-40B4-BE49-F238E27FC236}">
-                <a16:creationId xmlns:a16="http://schemas.microsoft.com/office/drawing/2014/main" id="{907EF6B7-1338-4443-8C46-6A318D952DFD}"/>
-              </a:ext>
-              <a:ext uri="{C183D7F6-B498-43B3-948B-1728B52AA6E4}">
-                <adec:decorative xmlns:adec="http://schemas.microsoft.com/office/drawing/2017/decorative" val="1"/>
-              </a:ext>
-            </a:extLst>
-          </p:cNvPr>
-          <p:cNvSpPr>
-            <a:spLocks noGrp="1" noRot="1" noChangeAspect="1" noMove="1" noResize="1" noEditPoints="1" noAdjustHandles="1" noChangeArrowheads="1" noChangeShapeType="1" noTextEdit="1"/>
-          </p:cNvSpPr>
-          <p:nvPr>
-            <p:extLst>
-              <p:ext uri="{386F3935-93C4-4BCD-93E2-E3B085C9AB24}">
-                <p16:designElem xmlns:p16="http://schemas.microsoft.com/office/powerpoint/2015/main" val="1"/>
-              </p:ext>
-            </p:extLst>
-          </p:nvPr>
-        </p:nvSpPr>
-        <p:spPr>
-          <a:xfrm>
-            <a:off x="3048" y="0"/>
-            <a:ext cx="12188952" cy="6858000"/>
-          </a:xfrm>
-          <a:prstGeom prst="rect">
-            <a:avLst/>
-          </a:prstGeom>
-          <a:ln>
-            <a:noFill/>
-          </a:ln>
-        </p:spPr>
-        <p:style>
-          <a:lnRef idx="2">
-            <a:schemeClr val="accent1">
-              <a:shade val="50000"/>
-            </a:schemeClr>
-          </a:lnRef>
-          <a:fillRef idx="1">
-            <a:schemeClr val="accent1"/>
-          </a:fillRef>
-          <a:effectRef idx="0">
-            <a:schemeClr val="accent1"/>
-          </a:effectRef>
-          <a:fontRef idx="minor">
-            <a:schemeClr val="lt1"/>
-          </a:fontRef>
-        </p:style>
-        <p:txBody>
-          <a:bodyPr rtlCol="0" anchor="ctr"/>
-          <a:lstStyle/>
-          <a:p>
-            <a:pPr algn="ctr"/>
-            <a:endParaRPr lang="en-US"/>
-          </a:p>
-        </p:txBody>
-      </p:sp>
-      <p:sp>
-        <p:nvSpPr>
-          <p:cNvPr id="11" name="Freeform: Shape 10">
-            <a:extLst>
-              <a:ext uri="{FF2B5EF4-FFF2-40B4-BE49-F238E27FC236}">
-                <a16:creationId xmlns:a16="http://schemas.microsoft.com/office/drawing/2014/main" id="{DAAE4CDD-124C-4DCF-9584-B6033B545DD5}"/>
-              </a:ext>
-              <a:ext uri="{C183D7F6-B498-43B3-948B-1728B52AA6E4}">
-                <adec:decorative xmlns:adec="http://schemas.microsoft.com/office/drawing/2017/decorative" val="1"/>
-              </a:ext>
-            </a:extLst>
-          </p:cNvPr>
-          <p:cNvSpPr>
-            <a:spLocks noGrp="1" noRot="1" noChangeAspect="1" noMove="1" noResize="1" noEditPoints="1" noAdjustHandles="1" noChangeArrowheads="1" noChangeShapeType="1" noTextEdit="1"/>
-          </p:cNvSpPr>
-          <p:nvPr>
-            <p:extLst>
-              <p:ext uri="{386F3935-93C4-4BCD-93E2-E3B085C9AB24}">
-                <p16:designElem xmlns:p16="http://schemas.microsoft.com/office/powerpoint/2015/main" val="1"/>
-              </p:ext>
-            </p:extLst>
-          </p:nvPr>
-        </p:nvSpPr>
-        <p:spPr>
-          <a:xfrm>
-            <a:off x="1" y="0"/>
-            <a:ext cx="4167271" cy="6858000"/>
-          </a:xfrm>
-          <a:custGeom>
-            <a:avLst/>
-            <a:gdLst>
-              <a:gd name="connsiteX0" fmla="*/ 0 w 4167271"/>
-              <a:gd name="connsiteY0" fmla="*/ 0 h 6858000"/>
-              <a:gd name="connsiteX1" fmla="*/ 2259550 w 4167271"/>
-              <a:gd name="connsiteY1" fmla="*/ 0 h 6858000"/>
-              <a:gd name="connsiteX2" fmla="*/ 2387803 w 4167271"/>
-              <a:gd name="connsiteY2" fmla="*/ 82222 h 6858000"/>
-              <a:gd name="connsiteX3" fmla="*/ 4167271 w 4167271"/>
-              <a:gd name="connsiteY3" fmla="*/ 3429000 h 6858000"/>
-              <a:gd name="connsiteX4" fmla="*/ 2387803 w 4167271"/>
-              <a:gd name="connsiteY4" fmla="*/ 6775779 h 6858000"/>
-              <a:gd name="connsiteX5" fmla="*/ 2259550 w 4167271"/>
-              <a:gd name="connsiteY5" fmla="*/ 6858000 h 6858000"/>
-              <a:gd name="connsiteX6" fmla="*/ 0 w 4167271"/>
-              <a:gd name="connsiteY6" fmla="*/ 6858000 h 6858000"/>
-            </a:gdLst>
-            <a:ahLst/>
-            <a:cxnLst>
-              <a:cxn ang="0">
-                <a:pos x="connsiteX0" y="connsiteY0"/>
-              </a:cxn>
-              <a:cxn ang="0">
-                <a:pos x="connsiteX1" y="connsiteY1"/>
-              </a:cxn>
-              <a:cxn ang="0">
-                <a:pos x="connsiteX2" y="connsiteY2"/>
-              </a:cxn>
-              <a:cxn ang="0">
-                <a:pos x="connsiteX3" y="connsiteY3"/>
-              </a:cxn>
-              <a:cxn ang="0">
-                <a:pos x="connsiteX4" y="connsiteY4"/>
-              </a:cxn>
-              <a:cxn ang="0">
-                <a:pos x="connsiteX5" y="connsiteY5"/>
-              </a:cxn>
-              <a:cxn ang="0">
-                <a:pos x="connsiteX6" y="connsiteY6"/>
-              </a:cxn>
-            </a:cxnLst>
-            <a:rect l="l" t="t" r="r" b="b"/>
-            <a:pathLst>
-              <a:path w="4167271" h="6858000">
-                <a:moveTo>
-                  <a:pt x="0" y="0"/>
-                </a:moveTo>
-                <a:lnTo>
-                  <a:pt x="2259550" y="0"/>
-                </a:lnTo>
-                <a:lnTo>
-                  <a:pt x="2387803" y="82222"/>
-                </a:lnTo>
-                <a:cubicBezTo>
-                  <a:pt x="3461407" y="807534"/>
-                  <a:pt x="4167271" y="2035835"/>
-                  <a:pt x="4167271" y="3429000"/>
-                </a:cubicBezTo>
-                <a:cubicBezTo>
-                  <a:pt x="4167271" y="4822165"/>
-                  <a:pt x="3461407" y="6050467"/>
-                  <a:pt x="2387803" y="6775779"/>
-                </a:cubicBezTo>
-                <a:lnTo>
-                  <a:pt x="2259550" y="6858000"/>
-                </a:lnTo>
-                <a:lnTo>
-                  <a:pt x="0" y="6858000"/>
-                </a:lnTo>
-                <a:close/>
-              </a:path>
-            </a:pathLst>
-          </a:custGeom>
-          <a:solidFill>
-            <a:schemeClr val="accent2"/>
-          </a:solidFill>
-          <a:ln>
-            <a:noFill/>
-          </a:ln>
-        </p:spPr>
-        <p:style>
-          <a:lnRef idx="2">
-            <a:schemeClr val="accent1">
-              <a:shade val="50000"/>
-            </a:schemeClr>
-          </a:lnRef>
-          <a:fillRef idx="1">
-            <a:schemeClr val="accent1"/>
-          </a:fillRef>
-          <a:effectRef idx="0">
-            <a:schemeClr val="accent1"/>
-          </a:effectRef>
-          <a:fontRef idx="minor">
-            <a:schemeClr val="lt1"/>
-          </a:fontRef>
-        </p:style>
-        <p:txBody>
-          <a:bodyPr rtlCol="0" anchor="ctr"/>
-          <a:lstStyle/>
-          <a:p>
-            <a:pPr algn="ctr"/>
-            <a:endParaRPr lang="en-US"/>
-          </a:p>
-        </p:txBody>
-      </p:sp>
-      <p:sp>
-        <p:nvSpPr>
-          <p:cNvPr id="2" name="Title 1"/>
-          <p:cNvSpPr>
-            <a:spLocks noGrp="1"/>
-          </p:cNvSpPr>
-          <p:nvPr>
-            <p:ph type="title"/>
-          </p:nvPr>
-        </p:nvSpPr>
-        <p:spPr>
-          <a:xfrm>
-            <a:off x="686834" y="1153572"/>
-            <a:ext cx="3200400" cy="4461163"/>
-          </a:xfrm>
-        </p:spPr>
-        <p:txBody>
-          <a:bodyPr>
-            <a:normAutofit/>
-          </a:bodyPr>
-          <a:lstStyle/>
-          <a:p>
-            <a:r>
-              <a:rPr lang="ru-RU" dirty="0">
-                <a:solidFill>
-                  <a:srgbClr val="FFFFFF"/>
-                </a:solidFill>
-              </a:rPr>
-              <a:t>Нюансы</a:t>
-            </a:r>
-            <a:endParaRPr lang="en-US" dirty="0">
-              <a:solidFill>
-                <a:srgbClr val="FFFFFF"/>
-              </a:solidFill>
-            </a:endParaRPr>
-          </a:p>
-        </p:txBody>
-      </p:sp>
-      <p:sp>
-        <p:nvSpPr>
-          <p:cNvPr id="13" name="Arc 12">
-            <a:extLst>
-              <a:ext uri="{FF2B5EF4-FFF2-40B4-BE49-F238E27FC236}">
-                <a16:creationId xmlns:a16="http://schemas.microsoft.com/office/drawing/2014/main" id="{081E4A58-353D-44AE-B2FC-2A74E2E400F7}"/>
-              </a:ext>
-              <a:ext uri="{C183D7F6-B498-43B3-948B-1728B52AA6E4}">
-                <adec:decorative xmlns:adec="http://schemas.microsoft.com/office/drawing/2017/decorative" val="1"/>
-              </a:ext>
-            </a:extLst>
-          </p:cNvPr>
-          <p:cNvSpPr>
-            <a:spLocks noGrp="1" noRot="1" noChangeAspect="1" noMove="1" noResize="1" noEditPoints="1" noAdjustHandles="1" noChangeArrowheads="1" noChangeShapeType="1" noTextEdit="1"/>
-          </p:cNvSpPr>
-          <p:nvPr>
-            <p:extLst>
-              <p:ext uri="{386F3935-93C4-4BCD-93E2-E3B085C9AB24}">
-                <p16:designElem xmlns:p16="http://schemas.microsoft.com/office/powerpoint/2015/main" val="1"/>
-              </p:ext>
-            </p:extLst>
-          </p:nvPr>
-        </p:nvSpPr>
-        <p:spPr>
-          <a:xfrm flipV="1">
-            <a:off x="7550402" y="2455479"/>
-            <a:ext cx="4083433" cy="4083433"/>
-          </a:xfrm>
-          <a:prstGeom prst="arc">
-            <a:avLst/>
-          </a:prstGeom>
-          <a:ln w="127000" cap="rnd">
-            <a:solidFill>
-              <a:schemeClr val="accent4"/>
-            </a:solidFill>
-            <a:prstDash val="dash"/>
-          </a:ln>
-        </p:spPr>
-        <p:style>
-          <a:lnRef idx="1">
-            <a:schemeClr val="accent1"/>
-          </a:lnRef>
-          <a:fillRef idx="0">
-            <a:schemeClr val="accent1"/>
-          </a:fillRef>
-          <a:effectRef idx="0">
-            <a:schemeClr val="accent1"/>
-          </a:effectRef>
-          <a:fontRef idx="minor">
-            <a:schemeClr val="tx1"/>
-          </a:fontRef>
-        </p:style>
-        <p:txBody>
-          <a:bodyPr rtlCol="0" anchor="ctr"/>
-          <a:lstStyle/>
-          <a:p>
-            <a:pPr algn="ctr"/>
-            <a:endParaRPr lang="en-US" dirty="0"/>
-          </a:p>
-        </p:txBody>
-      </p:sp>
-      <p:sp>
-        <p:nvSpPr>
-          <p:cNvPr id="3" name="Content Placeholder 2"/>
-          <p:cNvSpPr>
-            <a:spLocks noGrp="1"/>
-          </p:cNvSpPr>
-          <p:nvPr>
-            <p:ph idx="1"/>
-          </p:nvPr>
-        </p:nvSpPr>
-        <p:spPr>
-          <a:xfrm>
-            <a:off x="4447308" y="591344"/>
-            <a:ext cx="6906491" cy="5585619"/>
-          </a:xfrm>
-        </p:spPr>
-        <p:txBody>
-          <a:bodyPr anchor="ctr">
-            <a:normAutofit/>
-          </a:bodyPr>
-          <a:lstStyle/>
-          <a:p>
-            <a:r>
-              <a:rPr lang="ru-RU" dirty="0"/>
-              <a:t>хоть обтекающий контент располагается в коде ПОСЛЕ обтекаемого, но рамки и фон обтекающего залазят ПОД обтекаемого			</a:t>
-            </a:r>
-            <a:endParaRPr dirty="0"/>
-          </a:p>
-        </p:txBody>
-      </p:sp>
-    </p:spTree>
-    <p:extLst>
-      <p:ext uri="{BB962C8B-B14F-4D97-AF65-F5344CB8AC3E}">
-        <p14:creationId xmlns:p14="http://schemas.microsoft.com/office/powerpoint/2010/main" val="3666948720"/>
-      </p:ext>
-    </p:extLst>
-  </p:cSld>
-  <p:clrMapOvr>
-    <a:masterClrMapping/>
-  </p:clrMapOvr>
-</p:sld>
-</file>
-
-<file path=ppt/slides/slide7.xml><?xml version="1.0" encoding="utf-8"?>
-<p:sld xmlns:a="http://schemas.openxmlformats.org/drawingml/2006/main" xmlns:r="http://schemas.openxmlformats.org/officeDocument/2006/relationships" xmlns:p="http://schemas.openxmlformats.org/presentationml/2006/main">
-  <p:cSld>
-    <p:bg>
-      <p:bgPr>
-        <a:solidFill>
-          <a:schemeClr val="bg1"/>
-        </a:solidFill>
-        <a:effectLst/>
-      </p:bgPr>
-    </p:bg>
-    <p:spTree>
-      <p:nvGrpSpPr>
-        <p:cNvPr id="1" name=""/>
-        <p:cNvGrpSpPr/>
-        <p:nvPr/>
-      </p:nvGrpSpPr>
-      <p:grpSpPr>
-        <a:xfrm>
-          <a:off x="0" y="0"/>
-          <a:ext cx="0" cy="0"/>
-          <a:chOff x="0" y="0"/>
-          <a:chExt cx="0" cy="0"/>
-        </a:xfrm>
-      </p:grpSpPr>
-      <p:sp useBgFill="1">
-        <p:nvSpPr>
-          <p:cNvPr id="9" name="Rectangle 8">
-            <a:extLst>
-              <a:ext uri="{FF2B5EF4-FFF2-40B4-BE49-F238E27FC236}">
-                <a16:creationId xmlns:a16="http://schemas.microsoft.com/office/drawing/2014/main" id="{907EF6B7-1338-4443-8C46-6A318D952DFD}"/>
-              </a:ext>
-              <a:ext uri="{C183D7F6-B498-43B3-948B-1728B52AA6E4}">
-                <adec:decorative xmlns:adec="http://schemas.microsoft.com/office/drawing/2017/decorative" val="1"/>
-              </a:ext>
-            </a:extLst>
-          </p:cNvPr>
-          <p:cNvSpPr>
-            <a:spLocks noGrp="1" noRot="1" noChangeAspect="1" noMove="1" noResize="1" noEditPoints="1" noAdjustHandles="1" noChangeArrowheads="1" noChangeShapeType="1" noTextEdit="1"/>
-          </p:cNvSpPr>
-          <p:nvPr>
-            <p:extLst>
-              <p:ext uri="{386F3935-93C4-4BCD-93E2-E3B085C9AB24}">
-                <p16:designElem xmlns:p16="http://schemas.microsoft.com/office/powerpoint/2015/main" val="1"/>
-              </p:ext>
-            </p:extLst>
-          </p:nvPr>
-        </p:nvSpPr>
-        <p:spPr>
-          <a:xfrm>
-            <a:off x="3048" y="0"/>
-            <a:ext cx="12188952" cy="6858000"/>
-          </a:xfrm>
-          <a:prstGeom prst="rect">
-            <a:avLst/>
-          </a:prstGeom>
-          <a:ln>
-            <a:noFill/>
-          </a:ln>
-        </p:spPr>
-        <p:style>
-          <a:lnRef idx="2">
-            <a:schemeClr val="accent1">
-              <a:shade val="50000"/>
-            </a:schemeClr>
-          </a:lnRef>
-          <a:fillRef idx="1">
-            <a:schemeClr val="accent1"/>
-          </a:fillRef>
-          <a:effectRef idx="0">
-            <a:schemeClr val="accent1"/>
-          </a:effectRef>
-          <a:fontRef idx="minor">
-            <a:schemeClr val="lt1"/>
-          </a:fontRef>
-        </p:style>
-        <p:txBody>
-          <a:bodyPr rtlCol="0" anchor="ctr"/>
-          <a:lstStyle/>
-          <a:p>
-            <a:pPr algn="ctr"/>
-            <a:endParaRPr lang="en-US"/>
-          </a:p>
-        </p:txBody>
-      </p:sp>
-      <p:sp>
-        <p:nvSpPr>
-          <p:cNvPr id="11" name="Freeform: Shape 10">
-            <a:extLst>
-              <a:ext uri="{FF2B5EF4-FFF2-40B4-BE49-F238E27FC236}">
-                <a16:creationId xmlns:a16="http://schemas.microsoft.com/office/drawing/2014/main" id="{DAAE4CDD-124C-4DCF-9584-B6033B545DD5}"/>
-              </a:ext>
-              <a:ext uri="{C183D7F6-B498-43B3-948B-1728B52AA6E4}">
-                <adec:decorative xmlns:adec="http://schemas.microsoft.com/office/drawing/2017/decorative" val="1"/>
-              </a:ext>
-            </a:extLst>
-          </p:cNvPr>
-          <p:cNvSpPr>
-            <a:spLocks noGrp="1" noRot="1" noChangeAspect="1" noMove="1" noResize="1" noEditPoints="1" noAdjustHandles="1" noChangeArrowheads="1" noChangeShapeType="1" noTextEdit="1"/>
-          </p:cNvSpPr>
-          <p:nvPr>
-            <p:extLst>
-              <p:ext uri="{386F3935-93C4-4BCD-93E2-E3B085C9AB24}">
-                <p16:designElem xmlns:p16="http://schemas.microsoft.com/office/powerpoint/2015/main" val="1"/>
-              </p:ext>
-            </p:extLst>
-          </p:nvPr>
-        </p:nvSpPr>
-        <p:spPr>
-          <a:xfrm>
-            <a:off x="1" y="0"/>
-            <a:ext cx="4167271" cy="6858000"/>
-          </a:xfrm>
-          <a:custGeom>
-            <a:avLst/>
-            <a:gdLst>
-              <a:gd name="connsiteX0" fmla="*/ 0 w 4167271"/>
-              <a:gd name="connsiteY0" fmla="*/ 0 h 6858000"/>
-              <a:gd name="connsiteX1" fmla="*/ 2259550 w 4167271"/>
-              <a:gd name="connsiteY1" fmla="*/ 0 h 6858000"/>
-              <a:gd name="connsiteX2" fmla="*/ 2387803 w 4167271"/>
-              <a:gd name="connsiteY2" fmla="*/ 82222 h 6858000"/>
-              <a:gd name="connsiteX3" fmla="*/ 4167271 w 4167271"/>
-              <a:gd name="connsiteY3" fmla="*/ 3429000 h 6858000"/>
-              <a:gd name="connsiteX4" fmla="*/ 2387803 w 4167271"/>
-              <a:gd name="connsiteY4" fmla="*/ 6775779 h 6858000"/>
-              <a:gd name="connsiteX5" fmla="*/ 2259550 w 4167271"/>
-              <a:gd name="connsiteY5" fmla="*/ 6858000 h 6858000"/>
-              <a:gd name="connsiteX6" fmla="*/ 0 w 4167271"/>
-              <a:gd name="connsiteY6" fmla="*/ 6858000 h 6858000"/>
-            </a:gdLst>
-            <a:ahLst/>
-            <a:cxnLst>
-              <a:cxn ang="0">
-                <a:pos x="connsiteX0" y="connsiteY0"/>
-              </a:cxn>
-              <a:cxn ang="0">
-                <a:pos x="connsiteX1" y="connsiteY1"/>
-              </a:cxn>
-              <a:cxn ang="0">
-                <a:pos x="connsiteX2" y="connsiteY2"/>
-              </a:cxn>
-              <a:cxn ang="0">
-                <a:pos x="connsiteX3" y="connsiteY3"/>
-              </a:cxn>
-              <a:cxn ang="0">
-                <a:pos x="connsiteX4" y="connsiteY4"/>
-              </a:cxn>
-              <a:cxn ang="0">
-                <a:pos x="connsiteX5" y="connsiteY5"/>
-              </a:cxn>
-              <a:cxn ang="0">
-                <a:pos x="connsiteX6" y="connsiteY6"/>
-              </a:cxn>
-            </a:cxnLst>
-            <a:rect l="l" t="t" r="r" b="b"/>
-            <a:pathLst>
-              <a:path w="4167271" h="6858000">
-                <a:moveTo>
-                  <a:pt x="0" y="0"/>
-                </a:moveTo>
-                <a:lnTo>
-                  <a:pt x="2259550" y="0"/>
-                </a:lnTo>
-                <a:lnTo>
-                  <a:pt x="2387803" y="82222"/>
-                </a:lnTo>
-                <a:cubicBezTo>
-                  <a:pt x="3461407" y="807534"/>
-                  <a:pt x="4167271" y="2035835"/>
-                  <a:pt x="4167271" y="3429000"/>
-                </a:cubicBezTo>
-                <a:cubicBezTo>
-                  <a:pt x="4167271" y="4822165"/>
-                  <a:pt x="3461407" y="6050467"/>
-                  <a:pt x="2387803" y="6775779"/>
-                </a:cubicBezTo>
-                <a:lnTo>
-                  <a:pt x="2259550" y="6858000"/>
-                </a:lnTo>
-                <a:lnTo>
-                  <a:pt x="0" y="6858000"/>
-                </a:lnTo>
-                <a:close/>
-              </a:path>
-            </a:pathLst>
-          </a:custGeom>
-          <a:solidFill>
-            <a:schemeClr val="accent2"/>
-          </a:solidFill>
-          <a:ln>
-            <a:noFill/>
-          </a:ln>
-        </p:spPr>
-        <p:style>
-          <a:lnRef idx="2">
-            <a:schemeClr val="accent1">
-              <a:shade val="50000"/>
-            </a:schemeClr>
-          </a:lnRef>
-          <a:fillRef idx="1">
-            <a:schemeClr val="accent1"/>
-          </a:fillRef>
-          <a:effectRef idx="0">
-            <a:schemeClr val="accent1"/>
-          </a:effectRef>
-          <a:fontRef idx="minor">
-            <a:schemeClr val="lt1"/>
-          </a:fontRef>
-        </p:style>
-        <p:txBody>
-          <a:bodyPr rtlCol="0" anchor="ctr"/>
-          <a:lstStyle/>
-          <a:p>
-            <a:pPr algn="ctr"/>
-            <a:endParaRPr lang="en-US"/>
-          </a:p>
-        </p:txBody>
-      </p:sp>
-      <p:sp>
-        <p:nvSpPr>
-          <p:cNvPr id="2" name="Title 1"/>
-          <p:cNvSpPr>
-            <a:spLocks noGrp="1"/>
-          </p:cNvSpPr>
-          <p:nvPr>
-            <p:ph type="title"/>
-          </p:nvPr>
-        </p:nvSpPr>
-        <p:spPr>
-          <a:xfrm>
-            <a:off x="686834" y="1153572"/>
-            <a:ext cx="3200400" cy="4461163"/>
-          </a:xfrm>
-        </p:spPr>
-        <p:txBody>
-          <a:bodyPr>
-            <a:normAutofit/>
-          </a:bodyPr>
-          <a:lstStyle/>
-          <a:p>
-            <a:r>
-              <a:rPr lang="ru-RU" dirty="0">
-                <a:solidFill>
-                  <a:srgbClr val="FFFFFF"/>
-                </a:solidFill>
-              </a:rPr>
-              <a:t>Способы решения</a:t>
-            </a:r>
-            <a:endParaRPr lang="en-US" dirty="0">
-              <a:solidFill>
-                <a:srgbClr val="FFFFFF"/>
-              </a:solidFill>
-            </a:endParaRPr>
-          </a:p>
-        </p:txBody>
-      </p:sp>
-      <p:sp>
-        <p:nvSpPr>
-          <p:cNvPr id="13" name="Arc 12">
-            <a:extLst>
-              <a:ext uri="{FF2B5EF4-FFF2-40B4-BE49-F238E27FC236}">
-                <a16:creationId xmlns:a16="http://schemas.microsoft.com/office/drawing/2014/main" id="{081E4A58-353D-44AE-B2FC-2A74E2E400F7}"/>
-              </a:ext>
-              <a:ext uri="{C183D7F6-B498-43B3-948B-1728B52AA6E4}">
-                <adec:decorative xmlns:adec="http://schemas.microsoft.com/office/drawing/2017/decorative" val="1"/>
-              </a:ext>
-            </a:extLst>
-          </p:cNvPr>
-          <p:cNvSpPr>
-            <a:spLocks noGrp="1" noRot="1" noChangeAspect="1" noMove="1" noResize="1" noEditPoints="1" noAdjustHandles="1" noChangeArrowheads="1" noChangeShapeType="1" noTextEdit="1"/>
-          </p:cNvSpPr>
-          <p:nvPr>
-            <p:extLst>
-              <p:ext uri="{386F3935-93C4-4BCD-93E2-E3B085C9AB24}">
-                <p16:designElem xmlns:p16="http://schemas.microsoft.com/office/powerpoint/2015/main" val="1"/>
-              </p:ext>
-            </p:extLst>
-          </p:nvPr>
-        </p:nvSpPr>
-        <p:spPr>
-          <a:xfrm flipV="1">
-            <a:off x="7550402" y="2455479"/>
-            <a:ext cx="4083433" cy="4083433"/>
-          </a:xfrm>
-          <a:prstGeom prst="arc">
-            <a:avLst/>
-          </a:prstGeom>
-          <a:ln w="127000" cap="rnd">
-            <a:solidFill>
-              <a:schemeClr val="accent4"/>
-            </a:solidFill>
-            <a:prstDash val="dash"/>
-          </a:ln>
-        </p:spPr>
-        <p:style>
-          <a:lnRef idx="1">
-            <a:schemeClr val="accent1"/>
-          </a:lnRef>
-          <a:fillRef idx="0">
-            <a:schemeClr val="accent1"/>
-          </a:fillRef>
-          <a:effectRef idx="0">
-            <a:schemeClr val="accent1"/>
-          </a:effectRef>
-          <a:fontRef idx="minor">
-            <a:schemeClr val="tx1"/>
-          </a:fontRef>
-        </p:style>
-        <p:txBody>
-          <a:bodyPr rtlCol="0" anchor="ctr"/>
-          <a:lstStyle/>
-          <a:p>
-            <a:pPr algn="ctr"/>
-            <a:endParaRPr lang="en-US" dirty="0"/>
-          </a:p>
-        </p:txBody>
-      </p:sp>
-      <p:sp>
-        <p:nvSpPr>
-          <p:cNvPr id="3" name="Content Placeholder 2"/>
-          <p:cNvSpPr>
-            <a:spLocks noGrp="1"/>
-          </p:cNvSpPr>
-          <p:nvPr>
-            <p:ph idx="1"/>
-          </p:nvPr>
-        </p:nvSpPr>
-        <p:spPr>
-          <a:xfrm>
-            <a:off x="4447308" y="591344"/>
-            <a:ext cx="6906491" cy="5585619"/>
-          </a:xfrm>
-        </p:spPr>
-        <p:txBody>
-          <a:bodyPr anchor="ctr">
-            <a:normAutofit/>
-          </a:bodyPr>
-          <a:lstStyle/>
-          <a:p>
-            <a:r>
-              <a:rPr lang="ru-RU" dirty="0"/>
-              <a:t>обтекание - </a:t>
-            </a:r>
-            <a:r>
-              <a:rPr lang="en-US" dirty="0"/>
-              <a:t>float, clear</a:t>
-            </a:r>
-          </a:p>
-          <a:p>
-            <a:r>
-              <a:rPr lang="en-US" dirty="0"/>
-              <a:t>Overflow: auto</a:t>
-            </a:r>
-            <a:endParaRPr lang="ru-RU" dirty="0"/>
-          </a:p>
-          <a:p>
-            <a:r>
-              <a:rPr lang="en-US" dirty="0"/>
-              <a:t>clear </a:t>
-            </a:r>
-            <a:r>
-              <a:rPr lang="ru-RU" dirty="0"/>
-              <a:t>можно применять только к блочным (либо </a:t>
-            </a:r>
-            <a:r>
-              <a:rPr lang="en-US" dirty="0"/>
-              <a:t>float) </a:t>
-            </a:r>
-            <a:r>
-              <a:rPr lang="ru-RU" dirty="0"/>
-              <a:t>элементам, для тега </a:t>
-            </a:r>
-            <a:r>
-              <a:rPr lang="en-US" dirty="0" err="1"/>
-              <a:t>img</a:t>
-            </a:r>
-            <a:r>
-              <a:rPr lang="en-US" dirty="0"/>
-              <a:t> </a:t>
-            </a:r>
-            <a:r>
-              <a:rPr lang="ru-RU" dirty="0"/>
-              <a:t>например не сработает!</a:t>
-            </a:r>
-            <a:endParaRPr dirty="0"/>
-          </a:p>
-        </p:txBody>
-      </p:sp>
-    </p:spTree>
-    <p:extLst>
-      <p:ext uri="{BB962C8B-B14F-4D97-AF65-F5344CB8AC3E}">
-        <p14:creationId xmlns:p14="http://schemas.microsoft.com/office/powerpoint/2010/main" val="1138384906"/>
-      </p:ext>
-    </p:extLst>
-  </p:cSld>
-  <p:clrMapOvr>
-    <a:masterClrMapping/>
-  </p:clrMapOvr>
-</p:sld>
-</file>
-
-<file path=ppt/slides/slide8.xml><?xml version="1.0" encoding="utf-8"?>
-<p:sld xmlns:a="http://schemas.openxmlformats.org/drawingml/2006/main" xmlns:r="http://schemas.openxmlformats.org/officeDocument/2006/relationships" xmlns:p="http://schemas.openxmlformats.org/presentationml/2006/main">
-  <p:cSld>
-    <p:bg>
-      <p:bgPr>
-        <a:solidFill>
-          <a:schemeClr val="bg1"/>
-        </a:solidFill>
-        <a:effectLst/>
-      </p:bgPr>
-    </p:bg>
-    <p:spTree>
-      <p:nvGrpSpPr>
-        <p:cNvPr id="1" name=""/>
-        <p:cNvGrpSpPr/>
-        <p:nvPr/>
-      </p:nvGrpSpPr>
-      <p:grpSpPr>
-        <a:xfrm>
-          <a:off x="0" y="0"/>
-          <a:ext cx="0" cy="0"/>
-          <a:chOff x="0" y="0"/>
-          <a:chExt cx="0" cy="0"/>
-        </a:xfrm>
-      </p:grpSpPr>
-      <p:sp useBgFill="1">
-        <p:nvSpPr>
-          <p:cNvPr id="9" name="Rectangle 8">
-            <a:extLst>
-              <a:ext uri="{FF2B5EF4-FFF2-40B4-BE49-F238E27FC236}">
-                <a16:creationId xmlns:a16="http://schemas.microsoft.com/office/drawing/2014/main" id="{907EF6B7-1338-4443-8C46-6A318D952DFD}"/>
-              </a:ext>
-              <a:ext uri="{C183D7F6-B498-43B3-948B-1728B52AA6E4}">
-                <adec:decorative xmlns:adec="http://schemas.microsoft.com/office/drawing/2017/decorative" val="1"/>
-              </a:ext>
-            </a:extLst>
-          </p:cNvPr>
-          <p:cNvSpPr>
-            <a:spLocks noGrp="1" noRot="1" noChangeAspect="1" noMove="1" noResize="1" noEditPoints="1" noAdjustHandles="1" noChangeArrowheads="1" noChangeShapeType="1" noTextEdit="1"/>
-          </p:cNvSpPr>
-          <p:nvPr>
-            <p:extLst>
-              <p:ext uri="{386F3935-93C4-4BCD-93E2-E3B085C9AB24}">
-                <p16:designElem xmlns:p16="http://schemas.microsoft.com/office/powerpoint/2015/main" val="1"/>
-              </p:ext>
-            </p:extLst>
-          </p:nvPr>
-        </p:nvSpPr>
-        <p:spPr>
-          <a:xfrm>
-            <a:off x="3048" y="0"/>
-            <a:ext cx="12188952" cy="6858000"/>
-          </a:xfrm>
-          <a:prstGeom prst="rect">
-            <a:avLst/>
-          </a:prstGeom>
-          <a:ln>
-            <a:noFill/>
-          </a:ln>
-        </p:spPr>
-        <p:style>
-          <a:lnRef idx="2">
-            <a:schemeClr val="accent1">
-              <a:shade val="50000"/>
-            </a:schemeClr>
-          </a:lnRef>
-          <a:fillRef idx="1">
-            <a:schemeClr val="accent1"/>
-          </a:fillRef>
-          <a:effectRef idx="0">
-            <a:schemeClr val="accent1"/>
-          </a:effectRef>
-          <a:fontRef idx="minor">
-            <a:schemeClr val="lt1"/>
-          </a:fontRef>
-        </p:style>
-        <p:txBody>
-          <a:bodyPr rtlCol="0" anchor="ctr"/>
-          <a:lstStyle/>
-          <a:p>
-            <a:pPr algn="ctr"/>
-            <a:endParaRPr lang="en-US"/>
-          </a:p>
-        </p:txBody>
-      </p:sp>
-      <p:sp>
-        <p:nvSpPr>
-          <p:cNvPr id="11" name="Freeform: Shape 10">
-            <a:extLst>
-              <a:ext uri="{FF2B5EF4-FFF2-40B4-BE49-F238E27FC236}">
-                <a16:creationId xmlns:a16="http://schemas.microsoft.com/office/drawing/2014/main" id="{DAAE4CDD-124C-4DCF-9584-B6033B545DD5}"/>
-              </a:ext>
-              <a:ext uri="{C183D7F6-B498-43B3-948B-1728B52AA6E4}">
-                <adec:decorative xmlns:adec="http://schemas.microsoft.com/office/drawing/2017/decorative" val="1"/>
-              </a:ext>
-            </a:extLst>
-          </p:cNvPr>
-          <p:cNvSpPr>
-            <a:spLocks noGrp="1" noRot="1" noChangeAspect="1" noMove="1" noResize="1" noEditPoints="1" noAdjustHandles="1" noChangeArrowheads="1" noChangeShapeType="1" noTextEdit="1"/>
-          </p:cNvSpPr>
-          <p:nvPr>
-            <p:extLst>
-              <p:ext uri="{386F3935-93C4-4BCD-93E2-E3B085C9AB24}">
-                <p16:designElem xmlns:p16="http://schemas.microsoft.com/office/powerpoint/2015/main" val="1"/>
-              </p:ext>
-            </p:extLst>
-          </p:nvPr>
-        </p:nvSpPr>
-        <p:spPr>
-          <a:xfrm>
-            <a:off x="1" y="0"/>
-            <a:ext cx="4167271" cy="6858000"/>
-          </a:xfrm>
-          <a:custGeom>
-            <a:avLst/>
-            <a:gdLst>
-              <a:gd name="connsiteX0" fmla="*/ 0 w 4167271"/>
-              <a:gd name="connsiteY0" fmla="*/ 0 h 6858000"/>
-              <a:gd name="connsiteX1" fmla="*/ 2259550 w 4167271"/>
-              <a:gd name="connsiteY1" fmla="*/ 0 h 6858000"/>
-              <a:gd name="connsiteX2" fmla="*/ 2387803 w 4167271"/>
-              <a:gd name="connsiteY2" fmla="*/ 82222 h 6858000"/>
-              <a:gd name="connsiteX3" fmla="*/ 4167271 w 4167271"/>
-              <a:gd name="connsiteY3" fmla="*/ 3429000 h 6858000"/>
-              <a:gd name="connsiteX4" fmla="*/ 2387803 w 4167271"/>
-              <a:gd name="connsiteY4" fmla="*/ 6775779 h 6858000"/>
-              <a:gd name="connsiteX5" fmla="*/ 2259550 w 4167271"/>
-              <a:gd name="connsiteY5" fmla="*/ 6858000 h 6858000"/>
-              <a:gd name="connsiteX6" fmla="*/ 0 w 4167271"/>
-              <a:gd name="connsiteY6" fmla="*/ 6858000 h 6858000"/>
-            </a:gdLst>
-            <a:ahLst/>
-            <a:cxnLst>
-              <a:cxn ang="0">
-                <a:pos x="connsiteX0" y="connsiteY0"/>
-              </a:cxn>
-              <a:cxn ang="0">
-                <a:pos x="connsiteX1" y="connsiteY1"/>
-              </a:cxn>
-              <a:cxn ang="0">
-                <a:pos x="connsiteX2" y="connsiteY2"/>
-              </a:cxn>
-              <a:cxn ang="0">
-                <a:pos x="connsiteX3" y="connsiteY3"/>
-              </a:cxn>
-              <a:cxn ang="0">
-                <a:pos x="connsiteX4" y="connsiteY4"/>
-              </a:cxn>
-              <a:cxn ang="0">
-                <a:pos x="connsiteX5" y="connsiteY5"/>
-              </a:cxn>
-              <a:cxn ang="0">
-                <a:pos x="connsiteX6" y="connsiteY6"/>
-              </a:cxn>
-            </a:cxnLst>
-            <a:rect l="l" t="t" r="r" b="b"/>
-            <a:pathLst>
-              <a:path w="4167271" h="6858000">
-                <a:moveTo>
-                  <a:pt x="0" y="0"/>
-                </a:moveTo>
-                <a:lnTo>
-                  <a:pt x="2259550" y="0"/>
-                </a:lnTo>
-                <a:lnTo>
-                  <a:pt x="2387803" y="82222"/>
-                </a:lnTo>
-                <a:cubicBezTo>
-                  <a:pt x="3461407" y="807534"/>
-                  <a:pt x="4167271" y="2035835"/>
-                  <a:pt x="4167271" y="3429000"/>
-                </a:cubicBezTo>
-                <a:cubicBezTo>
-                  <a:pt x="4167271" y="4822165"/>
-                  <a:pt x="3461407" y="6050467"/>
-                  <a:pt x="2387803" y="6775779"/>
-                </a:cubicBezTo>
-                <a:lnTo>
-                  <a:pt x="2259550" y="6858000"/>
-                </a:lnTo>
-                <a:lnTo>
-                  <a:pt x="0" y="6858000"/>
-                </a:lnTo>
-                <a:close/>
-              </a:path>
-            </a:pathLst>
-          </a:custGeom>
-          <a:solidFill>
-            <a:schemeClr val="accent2"/>
-          </a:solidFill>
-          <a:ln>
-            <a:noFill/>
-          </a:ln>
-        </p:spPr>
-        <p:style>
-          <a:lnRef idx="2">
-            <a:schemeClr val="accent1">
-              <a:shade val="50000"/>
-            </a:schemeClr>
-          </a:lnRef>
-          <a:fillRef idx="1">
-            <a:schemeClr val="accent1"/>
-          </a:fillRef>
-          <a:effectRef idx="0">
-            <a:schemeClr val="accent1"/>
-          </a:effectRef>
-          <a:fontRef idx="minor">
-            <a:schemeClr val="lt1"/>
-          </a:fontRef>
-        </p:style>
-        <p:txBody>
-          <a:bodyPr rtlCol="0" anchor="ctr"/>
-          <a:lstStyle/>
-          <a:p>
-            <a:pPr algn="ctr"/>
-            <a:endParaRPr lang="en-US"/>
-          </a:p>
-        </p:txBody>
-      </p:sp>
-      <p:sp>
-        <p:nvSpPr>
-          <p:cNvPr id="2" name="Title 1"/>
-          <p:cNvSpPr>
-            <a:spLocks noGrp="1"/>
-          </p:cNvSpPr>
-          <p:nvPr>
-            <p:ph type="title"/>
-          </p:nvPr>
-        </p:nvSpPr>
-        <p:spPr>
-          <a:xfrm>
-            <a:off x="686834" y="1153572"/>
-            <a:ext cx="3200400" cy="4461163"/>
-          </a:xfrm>
-        </p:spPr>
-        <p:txBody>
-          <a:bodyPr>
-            <a:normAutofit/>
-          </a:bodyPr>
-          <a:lstStyle/>
-          <a:p>
-            <a:r>
-              <a:rPr lang="ru-RU" dirty="0">
-                <a:solidFill>
-                  <a:srgbClr val="FFFFFF"/>
-                </a:solidFill>
-              </a:rPr>
-              <a:t>Виды вёрстки</a:t>
-            </a:r>
-            <a:endParaRPr lang="en-US" dirty="0">
-              <a:solidFill>
-                <a:srgbClr val="FFFFFF"/>
-              </a:solidFill>
-            </a:endParaRPr>
-          </a:p>
-        </p:txBody>
-      </p:sp>
-      <p:sp>
-        <p:nvSpPr>
-          <p:cNvPr id="13" name="Arc 12">
-            <a:extLst>
-              <a:ext uri="{FF2B5EF4-FFF2-40B4-BE49-F238E27FC236}">
-                <a16:creationId xmlns:a16="http://schemas.microsoft.com/office/drawing/2014/main" id="{081E4A58-353D-44AE-B2FC-2A74E2E400F7}"/>
-              </a:ext>
-              <a:ext uri="{C183D7F6-B498-43B3-948B-1728B52AA6E4}">
-                <adec:decorative xmlns:adec="http://schemas.microsoft.com/office/drawing/2017/decorative" val="1"/>
-              </a:ext>
-            </a:extLst>
-          </p:cNvPr>
-          <p:cNvSpPr>
-            <a:spLocks noGrp="1" noRot="1" noChangeAspect="1" noMove="1" noResize="1" noEditPoints="1" noAdjustHandles="1" noChangeArrowheads="1" noChangeShapeType="1" noTextEdit="1"/>
-          </p:cNvSpPr>
-          <p:nvPr>
-            <p:extLst>
-              <p:ext uri="{386F3935-93C4-4BCD-93E2-E3B085C9AB24}">
-                <p16:designElem xmlns:p16="http://schemas.microsoft.com/office/powerpoint/2015/main" val="1"/>
-              </p:ext>
-            </p:extLst>
-          </p:nvPr>
-        </p:nvSpPr>
-        <p:spPr>
-          <a:xfrm flipV="1">
-            <a:off x="7550402" y="2455479"/>
-            <a:ext cx="4083433" cy="4083433"/>
-          </a:xfrm>
-          <a:prstGeom prst="arc">
-            <a:avLst/>
-          </a:prstGeom>
-          <a:ln w="127000" cap="rnd">
-            <a:solidFill>
-              <a:schemeClr val="accent4"/>
-            </a:solidFill>
-            <a:prstDash val="dash"/>
-          </a:ln>
-        </p:spPr>
-        <p:style>
-          <a:lnRef idx="1">
-            <a:schemeClr val="accent1"/>
-          </a:lnRef>
-          <a:fillRef idx="0">
-            <a:schemeClr val="accent1"/>
-          </a:fillRef>
-          <a:effectRef idx="0">
-            <a:schemeClr val="accent1"/>
-          </a:effectRef>
-          <a:fontRef idx="minor">
-            <a:schemeClr val="tx1"/>
-          </a:fontRef>
-        </p:style>
-        <p:txBody>
-          <a:bodyPr rtlCol="0" anchor="ctr"/>
-          <a:lstStyle/>
-          <a:p>
-            <a:pPr algn="ctr"/>
-            <a:endParaRPr lang="en-US" dirty="0"/>
-          </a:p>
-        </p:txBody>
-      </p:sp>
-      <p:sp>
-        <p:nvSpPr>
-          <p:cNvPr id="3" name="Content Placeholder 2"/>
-          <p:cNvSpPr>
-            <a:spLocks noGrp="1"/>
-          </p:cNvSpPr>
-          <p:nvPr>
-            <p:ph type="body" idx="1"/>
-          </p:nvPr>
-        </p:nvSpPr>
-        <p:spPr>
-          <a:xfrm>
-            <a:off x="4447308" y="591344"/>
-            <a:ext cx="6906491" cy="5585619"/>
-          </a:xfrm>
-        </p:spPr>
-        <p:txBody>
-          <a:bodyPr anchor="ctr">
-            <a:normAutofit/>
-          </a:bodyPr>
-          <a:lstStyle/>
-          <a:p>
-            <a:r>
-              <a:rPr lang="ru-RU" dirty="0"/>
-              <a:t>Табличная</a:t>
-            </a:r>
-          </a:p>
-          <a:p>
-            <a:r>
-              <a:rPr lang="ru-RU" dirty="0"/>
-              <a:t>Блочная</a:t>
-            </a:r>
-            <a:endParaRPr dirty="0"/>
-          </a:p>
-        </p:txBody>
-      </p:sp>
-    </p:spTree>
-    <p:extLst>
-      <p:ext uri="{BB962C8B-B14F-4D97-AF65-F5344CB8AC3E}">
-        <p14:creationId xmlns:p14="http://schemas.microsoft.com/office/powerpoint/2010/main" val="1392818106"/>
-      </p:ext>
-    </p:extLst>
-  </p:cSld>
-  <p:clrMapOvr>
-    <a:masterClrMapping/>
-  </p:clrMapOvr>
-</p:sld>
-</file>
-
-<file path=ppt/slides/slide9.xml><?xml version="1.0" encoding="utf-8"?>
-<p:sld xmlns:a="http://schemas.openxmlformats.org/drawingml/2006/main" xmlns:r="http://schemas.openxmlformats.org/officeDocument/2006/relationships" xmlns:p="http://schemas.openxmlformats.org/presentationml/2006/main">
-  <p:cSld>
-    <p:bg>
-      <p:bgPr>
-        <a:solidFill>
-          <a:schemeClr val="bg1"/>
-        </a:solidFill>
-        <a:effectLst/>
-      </p:bgPr>
-    </p:bg>
-    <p:spTree>
-      <p:nvGrpSpPr>
-        <p:cNvPr id="1" name=""/>
-        <p:cNvGrpSpPr/>
-        <p:nvPr/>
-      </p:nvGrpSpPr>
-      <p:grpSpPr>
-        <a:xfrm>
-          <a:off x="0" y="0"/>
-          <a:ext cx="0" cy="0"/>
-          <a:chOff x="0" y="0"/>
-          <a:chExt cx="0" cy="0"/>
-        </a:xfrm>
-      </p:grpSpPr>
-      <p:sp useBgFill="1">
-        <p:nvSpPr>
-          <p:cNvPr id="9" name="Rectangle 8">
-            <a:extLst>
-              <a:ext uri="{FF2B5EF4-FFF2-40B4-BE49-F238E27FC236}">
-                <a16:creationId xmlns:a16="http://schemas.microsoft.com/office/drawing/2014/main" id="{907EF6B7-1338-4443-8C46-6A318D952DFD}"/>
-              </a:ext>
-              <a:ext uri="{C183D7F6-B498-43B3-948B-1728B52AA6E4}">
-                <adec:decorative xmlns:adec="http://schemas.microsoft.com/office/drawing/2017/decorative" val="1"/>
-              </a:ext>
-            </a:extLst>
-          </p:cNvPr>
-          <p:cNvSpPr>
-            <a:spLocks noGrp="1" noRot="1" noChangeAspect="1" noMove="1" noResize="1" noEditPoints="1" noAdjustHandles="1" noChangeArrowheads="1" noChangeShapeType="1" noTextEdit="1"/>
-          </p:cNvSpPr>
-          <p:nvPr>
-            <p:extLst>
-              <p:ext uri="{386F3935-93C4-4BCD-93E2-E3B085C9AB24}">
-                <p16:designElem xmlns:p16="http://schemas.microsoft.com/office/powerpoint/2015/main" val="1"/>
-              </p:ext>
-            </p:extLst>
-          </p:nvPr>
-        </p:nvSpPr>
-        <p:spPr>
-          <a:xfrm>
-            <a:off x="3048" y="0"/>
-            <a:ext cx="12188952" cy="6858000"/>
-          </a:xfrm>
-          <a:prstGeom prst="rect">
-            <a:avLst/>
-          </a:prstGeom>
-          <a:ln>
-            <a:noFill/>
-          </a:ln>
-        </p:spPr>
-        <p:style>
-          <a:lnRef idx="2">
-            <a:schemeClr val="accent1">
-              <a:shade val="50000"/>
-            </a:schemeClr>
-          </a:lnRef>
-          <a:fillRef idx="1">
-            <a:schemeClr val="accent1"/>
-          </a:fillRef>
-          <a:effectRef idx="0">
-            <a:schemeClr val="accent1"/>
-          </a:effectRef>
-          <a:fontRef idx="minor">
-            <a:schemeClr val="lt1"/>
-          </a:fontRef>
-        </p:style>
-        <p:txBody>
-          <a:bodyPr rtlCol="0" anchor="ctr"/>
-          <a:lstStyle/>
-          <a:p>
-            <a:pPr algn="ctr"/>
-            <a:endParaRPr lang="en-US"/>
-          </a:p>
-        </p:txBody>
-      </p:sp>
-      <p:sp>
-        <p:nvSpPr>
-          <p:cNvPr id="11" name="Freeform: Shape 10">
-            <a:extLst>
-              <a:ext uri="{FF2B5EF4-FFF2-40B4-BE49-F238E27FC236}">
-                <a16:creationId xmlns:a16="http://schemas.microsoft.com/office/drawing/2014/main" id="{DAAE4CDD-124C-4DCF-9584-B6033B545DD5}"/>
-              </a:ext>
-              <a:ext uri="{C183D7F6-B498-43B3-948B-1728B52AA6E4}">
-                <adec:decorative xmlns:adec="http://schemas.microsoft.com/office/drawing/2017/decorative" val="1"/>
-              </a:ext>
-            </a:extLst>
-          </p:cNvPr>
-          <p:cNvSpPr>
-            <a:spLocks noGrp="1" noRot="1" noChangeAspect="1" noMove="1" noResize="1" noEditPoints="1" noAdjustHandles="1" noChangeArrowheads="1" noChangeShapeType="1" noTextEdit="1"/>
-          </p:cNvSpPr>
-          <p:nvPr>
-            <p:extLst>
-              <p:ext uri="{386F3935-93C4-4BCD-93E2-E3B085C9AB24}">
-                <p16:designElem xmlns:p16="http://schemas.microsoft.com/office/powerpoint/2015/main" val="1"/>
-              </p:ext>
-            </p:extLst>
-          </p:nvPr>
-        </p:nvSpPr>
-        <p:spPr>
-          <a:xfrm>
-            <a:off x="1" y="0"/>
-            <a:ext cx="4167271" cy="6858000"/>
-          </a:xfrm>
-          <a:custGeom>
-            <a:avLst/>
-            <a:gdLst>
-              <a:gd name="connsiteX0" fmla="*/ 0 w 4167271"/>
-              <a:gd name="connsiteY0" fmla="*/ 0 h 6858000"/>
-              <a:gd name="connsiteX1" fmla="*/ 2259550 w 4167271"/>
-              <a:gd name="connsiteY1" fmla="*/ 0 h 6858000"/>
-              <a:gd name="connsiteX2" fmla="*/ 2387803 w 4167271"/>
-              <a:gd name="connsiteY2" fmla="*/ 82222 h 6858000"/>
-              <a:gd name="connsiteX3" fmla="*/ 4167271 w 4167271"/>
-              <a:gd name="connsiteY3" fmla="*/ 3429000 h 6858000"/>
-              <a:gd name="connsiteX4" fmla="*/ 2387803 w 4167271"/>
-              <a:gd name="connsiteY4" fmla="*/ 6775779 h 6858000"/>
-              <a:gd name="connsiteX5" fmla="*/ 2259550 w 4167271"/>
-              <a:gd name="connsiteY5" fmla="*/ 6858000 h 6858000"/>
-              <a:gd name="connsiteX6" fmla="*/ 0 w 4167271"/>
-              <a:gd name="connsiteY6" fmla="*/ 6858000 h 6858000"/>
-            </a:gdLst>
-            <a:ahLst/>
-            <a:cxnLst>
-              <a:cxn ang="0">
-                <a:pos x="connsiteX0" y="connsiteY0"/>
-              </a:cxn>
-              <a:cxn ang="0">
-                <a:pos x="connsiteX1" y="connsiteY1"/>
-              </a:cxn>
-              <a:cxn ang="0">
-                <a:pos x="connsiteX2" y="connsiteY2"/>
-              </a:cxn>
-              <a:cxn ang="0">
-                <a:pos x="connsiteX3" y="connsiteY3"/>
-              </a:cxn>
-              <a:cxn ang="0">
-                <a:pos x="connsiteX4" y="connsiteY4"/>
-              </a:cxn>
-              <a:cxn ang="0">
-                <a:pos x="connsiteX5" y="connsiteY5"/>
-              </a:cxn>
-              <a:cxn ang="0">
-                <a:pos x="connsiteX6" y="connsiteY6"/>
-              </a:cxn>
-            </a:cxnLst>
-            <a:rect l="l" t="t" r="r" b="b"/>
-            <a:pathLst>
-              <a:path w="4167271" h="6858000">
-                <a:moveTo>
-                  <a:pt x="0" y="0"/>
-                </a:moveTo>
-                <a:lnTo>
-                  <a:pt x="2259550" y="0"/>
-                </a:lnTo>
-                <a:lnTo>
-                  <a:pt x="2387803" y="82222"/>
-                </a:lnTo>
-                <a:cubicBezTo>
-                  <a:pt x="3461407" y="807534"/>
-                  <a:pt x="4167271" y="2035835"/>
-                  <a:pt x="4167271" y="3429000"/>
-                </a:cubicBezTo>
-                <a:cubicBezTo>
-                  <a:pt x="4167271" y="4822165"/>
-                  <a:pt x="3461407" y="6050467"/>
-                  <a:pt x="2387803" y="6775779"/>
-                </a:cubicBezTo>
-                <a:lnTo>
-                  <a:pt x="2259550" y="6858000"/>
-                </a:lnTo>
-                <a:lnTo>
-                  <a:pt x="0" y="6858000"/>
-                </a:lnTo>
-                <a:close/>
-              </a:path>
-            </a:pathLst>
-          </a:custGeom>
-          <a:solidFill>
-            <a:schemeClr val="accent2"/>
-          </a:solidFill>
-          <a:ln>
-            <a:noFill/>
-          </a:ln>
-        </p:spPr>
-        <p:style>
-          <a:lnRef idx="2">
-            <a:schemeClr val="accent1">
-              <a:shade val="50000"/>
-            </a:schemeClr>
-          </a:lnRef>
-          <a:fillRef idx="1">
-            <a:schemeClr val="accent1"/>
-          </a:fillRef>
-          <a:effectRef idx="0">
-            <a:schemeClr val="accent1"/>
-          </a:effectRef>
-          <a:fontRef idx="minor">
-            <a:schemeClr val="lt1"/>
-          </a:fontRef>
-        </p:style>
-        <p:txBody>
-          <a:bodyPr rtlCol="0" anchor="ctr"/>
-          <a:lstStyle/>
-          <a:p>
-            <a:pPr algn="ctr"/>
-            <a:endParaRPr lang="en-US"/>
-          </a:p>
-        </p:txBody>
-      </p:sp>
-      <p:sp>
-        <p:nvSpPr>
-          <p:cNvPr id="2" name="Title 1"/>
-          <p:cNvSpPr>
-            <a:spLocks noGrp="1"/>
-          </p:cNvSpPr>
-          <p:nvPr>
-            <p:ph type="title"/>
-          </p:nvPr>
-        </p:nvSpPr>
-        <p:spPr>
-          <a:xfrm>
-            <a:off x="107576" y="1153572"/>
-            <a:ext cx="4059696" cy="4461163"/>
-          </a:xfrm>
-        </p:spPr>
-        <p:txBody>
-          <a:bodyPr>
-            <a:normAutofit/>
-          </a:bodyPr>
-          <a:lstStyle/>
-          <a:p>
-            <a:r>
-              <a:rPr lang="ru-RU" dirty="0">
-                <a:solidFill>
-                  <a:srgbClr val="FFFFFF"/>
-                </a:solidFill>
-              </a:rPr>
-              <a:t>Плюсы табличной вёрстки</a:t>
-            </a:r>
-            <a:endParaRPr lang="en-US" dirty="0">
-              <a:solidFill>
-                <a:srgbClr val="FFFFFF"/>
-              </a:solidFill>
-            </a:endParaRPr>
-          </a:p>
-        </p:txBody>
-      </p:sp>
-      <p:sp>
-        <p:nvSpPr>
-          <p:cNvPr id="13" name="Arc 12">
-            <a:extLst>
-              <a:ext uri="{FF2B5EF4-FFF2-40B4-BE49-F238E27FC236}">
-                <a16:creationId xmlns:a16="http://schemas.microsoft.com/office/drawing/2014/main" id="{081E4A58-353D-44AE-B2FC-2A74E2E400F7}"/>
-              </a:ext>
-              <a:ext uri="{C183D7F6-B498-43B3-948B-1728B52AA6E4}">
-                <adec:decorative xmlns:adec="http://schemas.microsoft.com/office/drawing/2017/decorative" val="1"/>
-              </a:ext>
-            </a:extLst>
-          </p:cNvPr>
-          <p:cNvSpPr>
-            <a:spLocks noGrp="1" noRot="1" noChangeAspect="1" noMove="1" noResize="1" noEditPoints="1" noAdjustHandles="1" noChangeArrowheads="1" noChangeShapeType="1" noTextEdit="1"/>
-          </p:cNvSpPr>
-          <p:nvPr>
-            <p:extLst>
-              <p:ext uri="{386F3935-93C4-4BCD-93E2-E3B085C9AB24}">
-                <p16:designElem xmlns:p16="http://schemas.microsoft.com/office/powerpoint/2015/main" val="1"/>
-              </p:ext>
-            </p:extLst>
-          </p:nvPr>
-        </p:nvSpPr>
-        <p:spPr>
-          <a:xfrm flipV="1">
-            <a:off x="7550402" y="2455479"/>
-            <a:ext cx="4083433" cy="4083433"/>
-          </a:xfrm>
-          <a:prstGeom prst="arc">
-            <a:avLst/>
-          </a:prstGeom>
-          <a:ln w="127000" cap="rnd">
-            <a:solidFill>
-              <a:schemeClr val="accent4"/>
-            </a:solidFill>
-            <a:prstDash val="dash"/>
-          </a:ln>
-        </p:spPr>
-        <p:style>
-          <a:lnRef idx="1">
-            <a:schemeClr val="accent1"/>
-          </a:lnRef>
-          <a:fillRef idx="0">
-            <a:schemeClr val="accent1"/>
-          </a:fillRef>
-          <a:effectRef idx="0">
-            <a:schemeClr val="accent1"/>
-          </a:effectRef>
-          <a:fontRef idx="minor">
-            <a:schemeClr val="tx1"/>
-          </a:fontRef>
-        </p:style>
-        <p:txBody>
-          <a:bodyPr rtlCol="0" anchor="ctr"/>
-          <a:lstStyle/>
-          <a:p>
-            <a:pPr algn="ctr"/>
-            <a:endParaRPr lang="en-US" dirty="0"/>
-          </a:p>
-        </p:txBody>
-      </p:sp>
-      <p:sp>
-        <p:nvSpPr>
-          <p:cNvPr id="3" name="Content Placeholder 2"/>
-          <p:cNvSpPr>
-            <a:spLocks noGrp="1"/>
-          </p:cNvSpPr>
-          <p:nvPr>
-            <p:ph type="body" idx="1"/>
-          </p:nvPr>
-        </p:nvSpPr>
-        <p:spPr>
-          <a:xfrm>
-            <a:off x="4447308" y="591344"/>
-            <a:ext cx="6906491" cy="5585619"/>
-          </a:xfrm>
-        </p:spPr>
-        <p:txBody>
-          <a:bodyPr anchor="ctr">
-            <a:normAutofit/>
-          </a:bodyPr>
-          <a:lstStyle/>
-          <a:p>
-            <a:r>
-              <a:rPr lang="ru-RU" dirty="0"/>
-              <a:t>Простота в создании колонок</a:t>
-            </a:r>
-          </a:p>
-          <a:p>
-            <a:r>
-              <a:rPr lang="ru-RU" dirty="0"/>
-              <a:t>«Безразмерный» макет</a:t>
-            </a:r>
-          </a:p>
-          <a:p>
-            <a:r>
-              <a:rPr lang="ru-RU" dirty="0"/>
-              <a:t>Особенности отображения в браузерах.</a:t>
-            </a:r>
-          </a:p>
-          <a:p>
-            <a:r>
-              <a:rPr lang="ru-RU" dirty="0"/>
-              <a:t>Выравнивание элементов.</a:t>
-            </a:r>
-          </a:p>
-          <a:p>
-            <a:endParaRPr dirty="0"/>
-          </a:p>
-        </p:txBody>
-      </p:sp>
-    </p:spTree>
-    <p:extLst>
-      <p:ext uri="{BB962C8B-B14F-4D97-AF65-F5344CB8AC3E}">
-        <p14:creationId xmlns:p14="http://schemas.microsoft.com/office/powerpoint/2010/main" val="2218803743"/>
+        <p14:creationId xmlns:p14="http://schemas.microsoft.com/office/powerpoint/2010/main" val="4103702878"/>
       </p:ext>
     </p:extLst>
   </p:cSld>
